--- a/tree_and_ensemble_method.pptx
+++ b/tree_and_ensemble_method.pptx
@@ -9,12 +9,16 @@
     <p:sldId id="257" r:id="rId3"/>
     <p:sldId id="258" r:id="rId4"/>
     <p:sldId id="259" r:id="rId5"/>
-    <p:sldId id="260" r:id="rId6"/>
-    <p:sldId id="261" r:id="rId7"/>
-    <p:sldId id="262" r:id="rId8"/>
-    <p:sldId id="263" r:id="rId9"/>
-    <p:sldId id="264" r:id="rId10"/>
-    <p:sldId id="265" r:id="rId11"/>
+    <p:sldId id="267" r:id="rId6"/>
+    <p:sldId id="268" r:id="rId7"/>
+    <p:sldId id="260" r:id="rId8"/>
+    <p:sldId id="261" r:id="rId9"/>
+    <p:sldId id="262" r:id="rId10"/>
+    <p:sldId id="269" r:id="rId11"/>
+    <p:sldId id="263" r:id="rId12"/>
+    <p:sldId id="264" r:id="rId13"/>
+    <p:sldId id="265" r:id="rId14"/>
+    <p:sldId id="266" r:id="rId15"/>
   </p:sldIdLst>
   <p:sldSz cx="12192000" cy="6858000"/>
   <p:notesSz cx="6858000" cy="9144000"/>
@@ -121,6 +125,33 @@
 </p:presentation>
 </file>
 
+<file path=ppt/authors.xml><?xml version="1.0" encoding="utf-8"?>
+<p188:authorLst xmlns:a="http://schemas.openxmlformats.org/drawingml/2006/main" xmlns:r="http://schemas.openxmlformats.org/officeDocument/2006/relationships" xmlns:p188="http://schemas.microsoft.com/office/powerpoint/2018/8/main">
+  <p188:author id="{9908A600-50C5-B27A-4023-551FA4272A78}" name="maïssa ait-chabane" initials="ma" userId="212fc13744680e8a" providerId="Windows Live"/>
+</p188:authorLst>
+</file>
+
+<file path=ppt/comments/modernComment_10B_3EACC436.xml><?xml version="1.0" encoding="utf-8"?>
+<p188:cmLst xmlns:a="http://schemas.openxmlformats.org/drawingml/2006/main" xmlns:r="http://schemas.openxmlformats.org/officeDocument/2006/relationships" xmlns:p188="http://schemas.microsoft.com/office/powerpoint/2018/8/main">
+  <p188:cm id="{AB066DCD-FFB9-49B7-A429-CB2BD755C8DF}" authorId="{9908A600-50C5-B27A-4023-551FA4272A78}" created="2025-09-26T13:44:35.074">
+    <pc:sldMkLst xmlns:pc="http://schemas.microsoft.com/office/powerpoint/2013/main/command">
+      <pc:docMk/>
+      <pc:sldMk cId="1051509814" sldId="267"/>
+    </pc:sldMkLst>
+    <p188:txBody>
+      <a:bodyPr/>
+      <a:lstStyle/>
+      <a:p>
+        <a:r>
+          <a:rPr lang="fr-FR"/>
+          <a:t>Si plusieurs variables explicatives on choisit les seuils en parallèles le plus important en haut de l’arbre </a:t>
+        </a:r>
+      </a:p>
+    </p188:txBody>
+  </p188:cm>
+</p188:cmLst>
+</file>
+
 <file path=ppt/slideLayouts/slideLayout1.xml><?xml version="1.0" encoding="utf-8"?>
 <p:sldLayout xmlns:a="http://schemas.openxmlformats.org/drawingml/2006/main" xmlns:r="http://schemas.openxmlformats.org/officeDocument/2006/relationships" xmlns:p="http://schemas.openxmlformats.org/presentationml/2006/main" type="title" preserve="1">
   <p:cSld name="Diapositive de titre">
@@ -268,7 +299,7 @@
           <a:p>
             <a:fld id="{B56A56A8-9E08-4552-9518-F584634AD99B}" type="datetimeFigureOut">
               <a:rPr lang="fr-FR" smtClean="0"/>
-              <a:t>24/09/2025</a:t>
+              <a:t>01/10/2025</a:t>
             </a:fld>
             <a:endParaRPr lang="fr-FR"/>
           </a:p>
@@ -466,7 +497,7 @@
           <a:p>
             <a:fld id="{B56A56A8-9E08-4552-9518-F584634AD99B}" type="datetimeFigureOut">
               <a:rPr lang="fr-FR" smtClean="0"/>
-              <a:t>24/09/2025</a:t>
+              <a:t>01/10/2025</a:t>
             </a:fld>
             <a:endParaRPr lang="fr-FR"/>
           </a:p>
@@ -674,7 +705,7 @@
           <a:p>
             <a:fld id="{B56A56A8-9E08-4552-9518-F584634AD99B}" type="datetimeFigureOut">
               <a:rPr lang="fr-FR" smtClean="0"/>
-              <a:t>24/09/2025</a:t>
+              <a:t>01/10/2025</a:t>
             </a:fld>
             <a:endParaRPr lang="fr-FR"/>
           </a:p>
@@ -872,7 +903,7 @@
           <a:p>
             <a:fld id="{B56A56A8-9E08-4552-9518-F584634AD99B}" type="datetimeFigureOut">
               <a:rPr lang="fr-FR" smtClean="0"/>
-              <a:t>24/09/2025</a:t>
+              <a:t>01/10/2025</a:t>
             </a:fld>
             <a:endParaRPr lang="fr-FR"/>
           </a:p>
@@ -1147,7 +1178,7 @@
           <a:p>
             <a:fld id="{B56A56A8-9E08-4552-9518-F584634AD99B}" type="datetimeFigureOut">
               <a:rPr lang="fr-FR" smtClean="0"/>
-              <a:t>24/09/2025</a:t>
+              <a:t>01/10/2025</a:t>
             </a:fld>
             <a:endParaRPr lang="fr-FR"/>
           </a:p>
@@ -1412,7 +1443,7 @@
           <a:p>
             <a:fld id="{B56A56A8-9E08-4552-9518-F584634AD99B}" type="datetimeFigureOut">
               <a:rPr lang="fr-FR" smtClean="0"/>
-              <a:t>24/09/2025</a:t>
+              <a:t>01/10/2025</a:t>
             </a:fld>
             <a:endParaRPr lang="fr-FR"/>
           </a:p>
@@ -1824,7 +1855,7 @@
           <a:p>
             <a:fld id="{B56A56A8-9E08-4552-9518-F584634AD99B}" type="datetimeFigureOut">
               <a:rPr lang="fr-FR" smtClean="0"/>
-              <a:t>24/09/2025</a:t>
+              <a:t>01/10/2025</a:t>
             </a:fld>
             <a:endParaRPr lang="fr-FR"/>
           </a:p>
@@ -1965,7 +1996,7 @@
           <a:p>
             <a:fld id="{B56A56A8-9E08-4552-9518-F584634AD99B}" type="datetimeFigureOut">
               <a:rPr lang="fr-FR" smtClean="0"/>
-              <a:t>24/09/2025</a:t>
+              <a:t>01/10/2025</a:t>
             </a:fld>
             <a:endParaRPr lang="fr-FR"/>
           </a:p>
@@ -2078,7 +2109,7 @@
           <a:p>
             <a:fld id="{B56A56A8-9E08-4552-9518-F584634AD99B}" type="datetimeFigureOut">
               <a:rPr lang="fr-FR" smtClean="0"/>
-              <a:t>24/09/2025</a:t>
+              <a:t>01/10/2025</a:t>
             </a:fld>
             <a:endParaRPr lang="fr-FR"/>
           </a:p>
@@ -2389,7 +2420,7 @@
           <a:p>
             <a:fld id="{B56A56A8-9E08-4552-9518-F584634AD99B}" type="datetimeFigureOut">
               <a:rPr lang="fr-FR" smtClean="0"/>
-              <a:t>24/09/2025</a:t>
+              <a:t>01/10/2025</a:t>
             </a:fld>
             <a:endParaRPr lang="fr-FR"/>
           </a:p>
@@ -2677,7 +2708,7 @@
           <a:p>
             <a:fld id="{B56A56A8-9E08-4552-9518-F584634AD99B}" type="datetimeFigureOut">
               <a:rPr lang="fr-FR" smtClean="0"/>
-              <a:t>24/09/2025</a:t>
+              <a:t>01/10/2025</a:t>
             </a:fld>
             <a:endParaRPr lang="fr-FR"/>
           </a:p>
@@ -2918,7 +2949,7 @@
           <a:p>
             <a:fld id="{B56A56A8-9E08-4552-9518-F584634AD99B}" type="datetimeFigureOut">
               <a:rPr lang="fr-FR" smtClean="0"/>
-              <a:t>24/09/2025</a:t>
+              <a:t>01/10/2025</a:t>
             </a:fld>
             <a:endParaRPr lang="fr-FR"/>
           </a:p>
@@ -3453,6 +3484,2089 @@
           <p:cNvPr id="2" name="Titre 1">
             <a:extLst>
               <a:ext uri="{FF2B5EF4-FFF2-40B4-BE49-F238E27FC236}">
+                <a16:creationId xmlns:a16="http://schemas.microsoft.com/office/drawing/2014/main" id="{D02E4025-636C-7290-9116-C001667DFDF4}"/>
+              </a:ext>
+            </a:extLst>
+          </p:cNvPr>
+          <p:cNvSpPr>
+            <a:spLocks noGrp="1"/>
+          </p:cNvSpPr>
+          <p:nvPr>
+            <p:ph type="title"/>
+          </p:nvPr>
+        </p:nvSpPr>
+        <p:spPr/>
+        <p:txBody>
+          <a:bodyPr/>
+          <a:lstStyle/>
+          <a:p>
+            <a:r>
+              <a:rPr lang="fr-FR" dirty="0"/>
+              <a:t>Method to </a:t>
+            </a:r>
+            <a:r>
+              <a:rPr lang="fr-FR" dirty="0" err="1"/>
+              <a:t>find</a:t>
+            </a:r>
+            <a:r>
+              <a:rPr lang="fr-FR" dirty="0"/>
+              <a:t> </a:t>
+            </a:r>
+            <a:r>
+              <a:rPr lang="fr-FR" dirty="0" err="1"/>
+              <a:t>hyperparameters</a:t>
+            </a:r>
+            <a:r>
+              <a:rPr lang="fr-FR" dirty="0"/>
+              <a:t> </a:t>
+            </a:r>
+          </a:p>
+        </p:txBody>
+      </p:sp>
+      <mc:AlternateContent xmlns:mc="http://schemas.openxmlformats.org/markup-compatibility/2006">
+        <mc:Choice xmlns:a14="http://schemas.microsoft.com/office/drawing/2010/main" Requires="a14">
+          <p:sp>
+            <p:nvSpPr>
+              <p:cNvPr id="3" name="Espace réservé du contenu 2">
+                <a:extLst>
+                  <a:ext uri="{FF2B5EF4-FFF2-40B4-BE49-F238E27FC236}">
+                    <a16:creationId xmlns:a16="http://schemas.microsoft.com/office/drawing/2014/main" id="{55DF8D25-1874-AB64-4C6C-325738D2742A}"/>
+                  </a:ext>
+                </a:extLst>
+              </p:cNvPr>
+              <p:cNvSpPr>
+                <a:spLocks noGrp="1"/>
+              </p:cNvSpPr>
+              <p:nvPr>
+                <p:ph idx="1"/>
+              </p:nvPr>
+            </p:nvSpPr>
+            <p:spPr/>
+            <p:txBody>
+              <a:bodyPr>
+                <a:normAutofit/>
+              </a:bodyPr>
+              <a:lstStyle/>
+              <a:p>
+                <a:r>
+                  <a:rPr lang="fr-FR" sz="1800" b="1" i="1" dirty="0" err="1"/>
+                  <a:t>Grid</a:t>
+                </a:r>
+                <a:r>
+                  <a:rPr lang="fr-FR" sz="1800" b="1" i="1" dirty="0"/>
+                  <a:t> </a:t>
+                </a:r>
+                <a:r>
+                  <a:rPr lang="fr-FR" sz="1800" b="1" i="1" dirty="0" err="1"/>
+                  <a:t>search</a:t>
+                </a:r>
+                <a:r>
+                  <a:rPr lang="fr-FR" sz="1800" b="1" i="1" dirty="0"/>
+                  <a:t> </a:t>
+                </a:r>
+                <a:r>
+                  <a:rPr lang="fr-FR" sz="1800" i="1" dirty="0"/>
+                  <a:t>: </a:t>
+                </a:r>
+                <a:r>
+                  <a:rPr lang="fr-FR" sz="1800" i="1" dirty="0" err="1"/>
+                  <a:t>you</a:t>
+                </a:r>
+                <a:r>
+                  <a:rPr lang="fr-FR" sz="1800" i="1" dirty="0"/>
+                  <a:t> </a:t>
+                </a:r>
+                <a:r>
+                  <a:rPr lang="fr-FR" sz="1800" i="1" dirty="0" err="1"/>
+                  <a:t>define</a:t>
+                </a:r>
+                <a:r>
+                  <a:rPr lang="fr-FR" sz="1800" i="1" dirty="0"/>
+                  <a:t> a </a:t>
+                </a:r>
+                <a:r>
+                  <a:rPr lang="fr-FR" sz="1800" i="1" dirty="0" err="1"/>
+                  <a:t>grid</a:t>
+                </a:r>
+                <a:r>
+                  <a:rPr lang="fr-FR" sz="1800" i="1" dirty="0"/>
+                  <a:t> </a:t>
+                </a:r>
+                <a:r>
+                  <a:rPr lang="el-GR" sz="1600" dirty="0"/>
+                  <a:t>λ</a:t>
+                </a:r>
+                <a:r>
+                  <a:rPr lang="fr-FR" sz="1600" dirty="0"/>
+                  <a:t> </a:t>
+                </a:r>
+                <a:r>
+                  <a:rPr lang="el-GR" sz="1600" dirty="0"/>
+                  <a:t>∈{0.01,0.1,1,10}, </a:t>
+                </a:r>
+                <a:r>
+                  <a:rPr lang="fr-FR" sz="1600" dirty="0" err="1"/>
+                  <a:t>deep</a:t>
+                </a:r>
+                <a:r>
+                  <a:rPr lang="fr-FR" sz="1600" dirty="0"/>
+                  <a:t> of the </a:t>
+                </a:r>
+                <a:r>
+                  <a:rPr lang="fr-FR" sz="1600" dirty="0" err="1"/>
+                  <a:t>tree</a:t>
+                </a:r>
+                <a:r>
+                  <a:rPr lang="fr-FR" sz="1600" dirty="0"/>
+                  <a:t> </a:t>
+                </a:r>
+                <a14:m>
+                  <m:oMath xmlns:m="http://schemas.openxmlformats.org/officeDocument/2006/math">
+                    <m:r>
+                      <a:rPr lang="fr-FR" sz="1600"/>
+                      <m:t>∈</m:t>
+                    </m:r>
+                    <m:d>
+                      <m:dPr>
+                        <m:begChr m:val="{"/>
+                        <m:endChr m:val="}"/>
+                        <m:sepChr m:val=","/>
+                        <m:ctrlPr>
+                          <a:rPr lang="ar-AE" sz="1600" i="1"/>
+                        </m:ctrlPr>
+                      </m:dPr>
+                      <m:e>
+                        <m:r>
+                          <a:rPr lang="ar-AE" sz="1600"/>
+                          <m:t>2</m:t>
+                        </m:r>
+                      </m:e>
+                      <m:e>
+                        <m:r>
+                          <a:rPr lang="ar-AE" sz="1600"/>
+                          <m:t>3</m:t>
+                        </m:r>
+                      </m:e>
+                      <m:e>
+                        <m:r>
+                          <a:rPr lang="ar-AE" sz="1600"/>
+                          <m:t>4</m:t>
+                        </m:r>
+                      </m:e>
+                      <m:e>
+                        <m:r>
+                          <a:rPr lang="ar-AE" sz="1600"/>
+                          <m:t>5</m:t>
+                        </m:r>
+                      </m:e>
+                    </m:d>
+                  </m:oMath>
+                </a14:m>
+                <a:r>
+                  <a:rPr lang="fr-FR" sz="1600" i="1" dirty="0"/>
+                  <a:t> and test all combinations </a:t>
+                </a:r>
+                <a:r>
+                  <a:rPr lang="fr-FR" sz="1600" i="1" dirty="0" err="1"/>
+                  <a:t>choose</a:t>
+                </a:r>
+                <a:r>
+                  <a:rPr lang="fr-FR" sz="1600" i="1" dirty="0"/>
+                  <a:t> the one </a:t>
+                </a:r>
+                <a:r>
+                  <a:rPr lang="fr-FR" sz="1600" i="1" dirty="0" err="1"/>
+                  <a:t>that</a:t>
+                </a:r>
+                <a:r>
+                  <a:rPr lang="fr-FR" sz="1600" i="1" dirty="0"/>
+                  <a:t> minimise the </a:t>
+                </a:r>
+                <a:r>
+                  <a:rPr lang="fr-FR" sz="1600" i="1" dirty="0" err="1"/>
+                  <a:t>error</a:t>
+                </a:r>
+                <a:r>
+                  <a:rPr lang="fr-FR" sz="1600" i="1" dirty="0"/>
+                  <a:t> </a:t>
+                </a:r>
+              </a:p>
+              <a:p>
+                <a:endParaRPr lang="fr-FR" sz="1600" i="1" dirty="0"/>
+              </a:p>
+              <a:p>
+                <a:r>
+                  <a:rPr lang="fr-FR" sz="1800" b="1" i="1" dirty="0" err="1"/>
+                  <a:t>Grid</a:t>
+                </a:r>
+                <a:r>
+                  <a:rPr lang="fr-FR" sz="1800" b="1" i="1" dirty="0"/>
+                  <a:t> </a:t>
+                </a:r>
+                <a:r>
+                  <a:rPr lang="fr-FR" sz="1800" b="1" i="1" dirty="0" err="1"/>
+                  <a:t>Search</a:t>
+                </a:r>
+                <a:r>
+                  <a:rPr lang="fr-FR" sz="1800" b="1" i="1" dirty="0"/>
+                  <a:t> CV </a:t>
+                </a:r>
+                <a:r>
+                  <a:rPr lang="fr-FR" sz="1800" i="1" dirty="0"/>
+                  <a:t>: </a:t>
+                </a:r>
+                <a:r>
+                  <a:rPr lang="fr-FR" sz="1800" i="1" dirty="0" err="1"/>
+                  <a:t>you</a:t>
+                </a:r>
+                <a:r>
+                  <a:rPr lang="fr-FR" sz="1800" i="1" dirty="0"/>
+                  <a:t> </a:t>
+                </a:r>
+                <a:r>
+                  <a:rPr lang="fr-FR" sz="1800" i="1" dirty="0" err="1"/>
+                  <a:t>define</a:t>
+                </a:r>
+                <a:r>
+                  <a:rPr lang="fr-FR" sz="1800" i="1" dirty="0"/>
+                  <a:t> a </a:t>
+                </a:r>
+                <a:r>
+                  <a:rPr lang="fr-FR" sz="1800" i="1" dirty="0" err="1"/>
+                  <a:t>grid</a:t>
+                </a:r>
+                <a:r>
+                  <a:rPr lang="fr-FR" sz="1800" i="1" dirty="0"/>
+                  <a:t> of possible </a:t>
+                </a:r>
+                <a:r>
+                  <a:rPr lang="fr-FR" sz="1800" i="1" dirty="0" err="1"/>
+                  <a:t>hyperparameters</a:t>
+                </a:r>
+                <a:r>
+                  <a:rPr lang="fr-FR" sz="1800" i="1" dirty="0"/>
+                  <a:t>, for </a:t>
+                </a:r>
+                <a:r>
+                  <a:rPr lang="fr-FR" sz="1800" i="1" dirty="0" err="1"/>
+                  <a:t>each</a:t>
+                </a:r>
+                <a:r>
+                  <a:rPr lang="fr-FR" sz="1800" i="1" dirty="0"/>
+                  <a:t> value </a:t>
+                </a:r>
+                <a:r>
+                  <a:rPr lang="fr-FR" sz="1800" i="1" dirty="0" err="1"/>
+                  <a:t>you</a:t>
+                </a:r>
+                <a:r>
+                  <a:rPr lang="fr-FR" sz="1800" i="1" dirty="0"/>
+                  <a:t> do a CV ; </a:t>
+                </a:r>
+                <a:r>
+                  <a:rPr lang="fr-FR" sz="1800" i="1" dirty="0" err="1"/>
+                  <a:t>you</a:t>
+                </a:r>
+                <a:r>
+                  <a:rPr lang="fr-FR" sz="1800" i="1" dirty="0"/>
+                  <a:t> </a:t>
+                </a:r>
+                <a:r>
+                  <a:rPr lang="fr-FR" sz="1800" i="1" dirty="0" err="1"/>
+                  <a:t>choose</a:t>
+                </a:r>
+                <a:r>
+                  <a:rPr lang="fr-FR" sz="1800" i="1" dirty="0"/>
+                  <a:t> the </a:t>
+                </a:r>
+                <a:r>
+                  <a:rPr lang="fr-FR" sz="1800" i="1" dirty="0" err="1"/>
+                  <a:t>hpp</a:t>
+                </a:r>
+                <a:r>
+                  <a:rPr lang="fr-FR" sz="1800" i="1" dirty="0"/>
+                  <a:t> </a:t>
+                </a:r>
+                <a:r>
+                  <a:rPr lang="fr-FR" sz="1800" i="1" dirty="0" err="1"/>
+                  <a:t>that</a:t>
+                </a:r>
+                <a:r>
+                  <a:rPr lang="fr-FR" sz="1800" i="1" dirty="0"/>
+                  <a:t> maximises score. More efficient/ </a:t>
+                </a:r>
+                <a:r>
+                  <a:rPr lang="fr-FR" sz="1800" i="1" dirty="0" err="1"/>
+                  <a:t>robust</a:t>
+                </a:r>
+                <a:endParaRPr lang="fr-FR" sz="1800" i="1" dirty="0"/>
+              </a:p>
+              <a:p>
+                <a:endParaRPr lang="fr-FR" sz="1800" i="1" dirty="0"/>
+              </a:p>
+              <a:p>
+                <a:r>
+                  <a:rPr lang="fr-FR" sz="1800" b="1" i="1" dirty="0" err="1"/>
+                  <a:t>Grid</a:t>
+                </a:r>
+                <a:r>
+                  <a:rPr lang="fr-FR" sz="1800" b="1" i="1" dirty="0"/>
+                  <a:t> </a:t>
+                </a:r>
+                <a:r>
+                  <a:rPr lang="fr-FR" sz="1800" b="1" i="1" dirty="0" err="1"/>
+                  <a:t>search</a:t>
+                </a:r>
+                <a:r>
+                  <a:rPr lang="fr-FR" sz="1800" b="1" i="1" dirty="0"/>
+                  <a:t> CV </a:t>
+                </a:r>
+                <a:r>
+                  <a:rPr lang="fr-FR" sz="1800" i="1" dirty="0"/>
+                  <a:t>more efficient </a:t>
+                </a:r>
+                <a:r>
+                  <a:rPr lang="fr-FR" sz="1800" i="1" dirty="0" err="1"/>
+                  <a:t>than</a:t>
+                </a:r>
+                <a:r>
+                  <a:rPr lang="fr-FR" sz="1800" i="1" dirty="0"/>
+                  <a:t> </a:t>
+                </a:r>
+                <a:r>
+                  <a:rPr lang="fr-FR" sz="1800" i="1" dirty="0" err="1"/>
+                  <a:t>Grid</a:t>
+                </a:r>
+                <a:r>
+                  <a:rPr lang="fr-FR" sz="1800" i="1" dirty="0"/>
+                  <a:t> </a:t>
+                </a:r>
+                <a:r>
+                  <a:rPr lang="fr-FR" sz="1800" i="1" dirty="0" err="1"/>
+                  <a:t>search</a:t>
+                </a:r>
+                <a:r>
+                  <a:rPr lang="fr-FR" sz="1800" i="1" dirty="0"/>
+                  <a:t> but </a:t>
+                </a:r>
+                <a:r>
+                  <a:rPr lang="fr-FR" sz="1800" i="1" dirty="0" err="1"/>
+                  <a:t>less</a:t>
+                </a:r>
+                <a:r>
+                  <a:rPr lang="fr-FR" sz="1800" i="1" dirty="0"/>
+                  <a:t> </a:t>
+                </a:r>
+                <a:r>
+                  <a:rPr lang="fr-FR" sz="1800" i="1" dirty="0" err="1"/>
+                  <a:t>than</a:t>
+                </a:r>
+                <a:r>
+                  <a:rPr lang="fr-FR" sz="1800" i="1" dirty="0"/>
+                  <a:t>  </a:t>
+                </a:r>
+                <a:r>
+                  <a:rPr lang="fr-FR" sz="1800" i="1" dirty="0" err="1"/>
+                  <a:t>Random</a:t>
+                </a:r>
+                <a:r>
+                  <a:rPr lang="fr-FR" sz="1800" i="1" dirty="0"/>
+                  <a:t> </a:t>
+                </a:r>
+                <a:r>
+                  <a:rPr lang="fr-FR" sz="1800" i="1" dirty="0" err="1"/>
+                  <a:t>search</a:t>
+                </a:r>
+                <a:r>
+                  <a:rPr lang="fr-FR" sz="1800" i="1" dirty="0"/>
+                  <a:t> CV / </a:t>
+                </a:r>
+                <a:r>
+                  <a:rPr lang="fr-FR" sz="1800" i="1" dirty="0" err="1"/>
+                  <a:t>Bayesian</a:t>
+                </a:r>
+                <a:r>
+                  <a:rPr lang="fr-FR" sz="1800" i="1" dirty="0"/>
+                  <a:t> </a:t>
+                </a:r>
+                <a:r>
+                  <a:rPr lang="fr-FR" sz="1800" i="1" dirty="0" err="1"/>
+                  <a:t>optimization</a:t>
+                </a:r>
+                <a:r>
+                  <a:rPr lang="fr-FR" sz="1800" i="1" dirty="0"/>
+                  <a:t> (</a:t>
+                </a:r>
+                <a:r>
+                  <a:rPr lang="fr-FR" sz="1800" i="1" dirty="0" err="1"/>
+                  <a:t>Optuna,Hyperopt</a:t>
+                </a:r>
+                <a:r>
+                  <a:rPr lang="fr-FR" sz="1800" i="1" dirty="0"/>
+                  <a:t> …) </a:t>
+                </a:r>
+              </a:p>
+              <a:p>
+                <a:endParaRPr lang="fr-FR" sz="1800" i="1" dirty="0"/>
+              </a:p>
+              <a:p>
+                <a:r>
+                  <a:rPr lang="fr-FR" sz="1800" b="1" i="1" dirty="0" err="1"/>
+                  <a:t>Random</a:t>
+                </a:r>
+                <a:r>
+                  <a:rPr lang="fr-FR" sz="1800" b="1" i="1" dirty="0"/>
+                  <a:t> </a:t>
+                </a:r>
+                <a:r>
+                  <a:rPr lang="fr-FR" sz="1800" b="1" i="1" dirty="0" err="1"/>
+                  <a:t>search</a:t>
+                </a:r>
+                <a:r>
+                  <a:rPr lang="fr-FR" sz="1800" b="1" i="1" dirty="0"/>
+                  <a:t> CV </a:t>
+                </a:r>
+                <a:r>
+                  <a:rPr lang="fr-FR" sz="1800" i="1" dirty="0"/>
+                  <a:t>: </a:t>
+                </a:r>
+                <a:r>
+                  <a:rPr lang="fr-FR" sz="1800" i="1" dirty="0" err="1"/>
+                  <a:t>you</a:t>
+                </a:r>
+                <a:r>
+                  <a:rPr lang="fr-FR" sz="1800" i="1" dirty="0"/>
+                  <a:t> fix a fix </a:t>
+                </a:r>
+                <a:r>
+                  <a:rPr lang="fr-FR" sz="1800" i="1" dirty="0" err="1"/>
+                  <a:t>number</a:t>
+                </a:r>
+                <a:r>
+                  <a:rPr lang="fr-FR" sz="1800" i="1" dirty="0"/>
+                  <a:t> of trials (ex : 50 </a:t>
+                </a:r>
+                <a:r>
+                  <a:rPr lang="fr-FR" sz="1800" i="1" dirty="0" err="1"/>
+                  <a:t>random</a:t>
+                </a:r>
+                <a:r>
+                  <a:rPr lang="fr-FR" sz="1800" i="1" dirty="0"/>
+                  <a:t> </a:t>
+                </a:r>
+                <a:r>
+                  <a:rPr lang="fr-FR" sz="1800" i="1" dirty="0" err="1"/>
+                  <a:t>draw</a:t>
+                </a:r>
+                <a:r>
+                  <a:rPr lang="fr-FR" sz="1800" i="1" dirty="0"/>
+                  <a:t> in the </a:t>
+                </a:r>
+                <a:r>
+                  <a:rPr lang="fr-FR" sz="1800" i="1" dirty="0" err="1"/>
+                  <a:t>spae</a:t>
+                </a:r>
+                <a:r>
+                  <a:rPr lang="fr-FR" sz="1800" i="1" dirty="0"/>
+                  <a:t> of </a:t>
+                </a:r>
+                <a:r>
+                  <a:rPr lang="fr-FR" sz="1800" i="1" dirty="0" err="1"/>
+                  <a:t>hpp</a:t>
+                </a:r>
+                <a:r>
+                  <a:rPr lang="fr-FR" sz="1800" i="1" dirty="0"/>
+                  <a:t>=) more speed</a:t>
+                </a:r>
+              </a:p>
+              <a:p>
+                <a:r>
+                  <a:rPr lang="fr-FR" sz="1800" b="1" i="1" dirty="0" err="1"/>
+                  <a:t>Bayesian</a:t>
+                </a:r>
+                <a:r>
+                  <a:rPr lang="fr-FR" sz="1800" b="1" i="1" dirty="0"/>
+                  <a:t> </a:t>
+                </a:r>
+                <a:r>
+                  <a:rPr lang="fr-FR" sz="1800" b="1" i="1" dirty="0" err="1"/>
+                  <a:t>optimization</a:t>
+                </a:r>
+                <a:r>
+                  <a:rPr lang="fr-FR" sz="1800" b="1" i="1" dirty="0"/>
+                  <a:t> </a:t>
+                </a:r>
+                <a:r>
+                  <a:rPr lang="fr-FR" sz="1800" i="1" dirty="0"/>
+                  <a:t>: Not </a:t>
+                </a:r>
+                <a:r>
+                  <a:rPr lang="fr-FR" sz="1800" i="1" dirty="0" err="1"/>
+                  <a:t>random</a:t>
+                </a:r>
+                <a:r>
+                  <a:rPr lang="fr-FR" sz="1800" i="1" dirty="0"/>
+                  <a:t>, the </a:t>
+                </a:r>
+                <a:r>
+                  <a:rPr lang="fr-FR" sz="1800" i="1" dirty="0" err="1"/>
+                  <a:t>algorithm</a:t>
+                </a:r>
+                <a:r>
+                  <a:rPr lang="fr-FR" sz="1800" i="1" dirty="0"/>
+                  <a:t> </a:t>
+                </a:r>
+                <a:r>
+                  <a:rPr lang="fr-FR" sz="1800" i="1" dirty="0" err="1"/>
+                  <a:t>learns</a:t>
+                </a:r>
+                <a:r>
+                  <a:rPr lang="fr-FR" sz="1800" i="1" dirty="0"/>
+                  <a:t> a </a:t>
+                </a:r>
+                <a:r>
+                  <a:rPr lang="fr-FR" sz="1800" i="1" dirty="0" err="1"/>
+                  <a:t>it</a:t>
+                </a:r>
+                <a:r>
+                  <a:rPr lang="fr-FR" sz="1800" i="1" dirty="0"/>
+                  <a:t> </a:t>
+                </a:r>
+                <a:r>
+                  <a:rPr lang="fr-FR" sz="1800" i="1" dirty="0" err="1"/>
+                  <a:t>goes</a:t>
+                </a:r>
+                <a:r>
+                  <a:rPr lang="fr-FR" sz="1800" i="1" dirty="0"/>
+                  <a:t> </a:t>
+                </a:r>
+                <a:r>
+                  <a:rPr lang="fr-FR" sz="1800" i="1" dirty="0" err="1"/>
+                  <a:t>along</a:t>
+                </a:r>
+                <a:r>
+                  <a:rPr lang="fr-FR" sz="1800" i="1" dirty="0"/>
+                  <a:t> </a:t>
+                </a:r>
+                <a:r>
+                  <a:rPr lang="fr-FR" sz="1800" i="1" dirty="0" err="1"/>
+                  <a:t>which</a:t>
+                </a:r>
+                <a:r>
+                  <a:rPr lang="fr-FR" sz="1800" i="1" dirty="0"/>
+                  <a:t> areas of the </a:t>
+                </a:r>
+                <a:r>
+                  <a:rPr lang="fr-FR" sz="1800" i="1" dirty="0" err="1"/>
+                  <a:t>hyperparameter</a:t>
+                </a:r>
+                <a:r>
+                  <a:rPr lang="fr-FR" sz="1800" i="1" dirty="0"/>
+                  <a:t> </a:t>
+                </a:r>
+                <a:r>
+                  <a:rPr lang="fr-FR" sz="1800" i="1" dirty="0" err="1"/>
+                  <a:t>space</a:t>
+                </a:r>
+                <a:r>
+                  <a:rPr lang="fr-FR" sz="1800" i="1" dirty="0"/>
+                  <a:t> </a:t>
+                </a:r>
+                <a:r>
+                  <a:rPr lang="fr-FR" sz="1800" i="1" dirty="0" err="1"/>
+                  <a:t>seem</a:t>
+                </a:r>
+                <a:r>
+                  <a:rPr lang="fr-FR" sz="1800" i="1" dirty="0"/>
+                  <a:t> </a:t>
+                </a:r>
+                <a:r>
+                  <a:rPr lang="fr-FR" sz="1800" i="1" dirty="0" err="1"/>
+                  <a:t>promishing</a:t>
+                </a:r>
+                <a:r>
+                  <a:rPr lang="fr-FR" sz="1800" i="1" dirty="0"/>
+                  <a:t> </a:t>
+                </a:r>
+              </a:p>
+              <a:p>
+                <a:endParaRPr lang="fr-FR" sz="1800" i="1" dirty="0"/>
+              </a:p>
+              <a:p>
+                <a:endParaRPr lang="fr-FR" sz="1800" dirty="0"/>
+              </a:p>
+            </p:txBody>
+          </p:sp>
+        </mc:Choice>
+        <mc:Fallback>
+          <p:sp>
+            <p:nvSpPr>
+              <p:cNvPr id="3" name="Espace réservé du contenu 2">
+                <a:extLst>
+                  <a:ext uri="{FF2B5EF4-FFF2-40B4-BE49-F238E27FC236}">
+                    <a16:creationId xmlns:a16="http://schemas.microsoft.com/office/drawing/2014/main" id="{55DF8D25-1874-AB64-4C6C-325738D2742A}"/>
+                  </a:ext>
+                </a:extLst>
+              </p:cNvPr>
+              <p:cNvSpPr>
+                <a:spLocks noGrp="1" noRot="1" noChangeAspect="1" noMove="1" noResize="1" noEditPoints="1" noAdjustHandles="1" noChangeArrowheads="1" noChangeShapeType="1" noTextEdit="1"/>
+              </p:cNvSpPr>
+              <p:nvPr>
+                <p:ph idx="1"/>
+              </p:nvPr>
+            </p:nvSpPr>
+            <p:spPr>
+              <a:blipFill>
+                <a:blip r:embed="rId2"/>
+                <a:stretch>
+                  <a:fillRect l="-406" t="-1261"/>
+                </a:stretch>
+              </a:blipFill>
+            </p:spPr>
+            <p:txBody>
+              <a:bodyPr/>
+              <a:lstStyle/>
+              <a:p>
+                <a:r>
+                  <a:rPr lang="fr-FR">
+                    <a:noFill/>
+                  </a:rPr>
+                  <a:t> </a:t>
+                </a:r>
+              </a:p>
+            </p:txBody>
+          </p:sp>
+        </mc:Fallback>
+      </mc:AlternateContent>
+    </p:spTree>
+    <p:extLst>
+      <p:ext uri="{BB962C8B-B14F-4D97-AF65-F5344CB8AC3E}">
+        <p14:creationId xmlns:p14="http://schemas.microsoft.com/office/powerpoint/2010/main" val="261430430"/>
+      </p:ext>
+    </p:extLst>
+  </p:cSld>
+  <p:clrMapOvr>
+    <a:masterClrMapping/>
+  </p:clrMapOvr>
+</p:sld>
+</file>
+
+<file path=ppt/slides/slide11.xml><?xml version="1.0" encoding="utf-8"?>
+<p:sld xmlns:a="http://schemas.openxmlformats.org/drawingml/2006/main" xmlns:r="http://schemas.openxmlformats.org/officeDocument/2006/relationships" xmlns:p="http://schemas.openxmlformats.org/presentationml/2006/main">
+  <p:cSld>
+    <p:spTree>
+      <p:nvGrpSpPr>
+        <p:cNvPr id="1" name=""/>
+        <p:cNvGrpSpPr/>
+        <p:nvPr/>
+      </p:nvGrpSpPr>
+      <p:grpSpPr>
+        <a:xfrm>
+          <a:off x="0" y="0"/>
+          <a:ext cx="0" cy="0"/>
+          <a:chOff x="0" y="0"/>
+          <a:chExt cx="0" cy="0"/>
+        </a:xfrm>
+      </p:grpSpPr>
+      <p:sp>
+        <p:nvSpPr>
+          <p:cNvPr id="2" name="Titre 1">
+            <a:extLst>
+              <a:ext uri="{FF2B5EF4-FFF2-40B4-BE49-F238E27FC236}">
+                <a16:creationId xmlns:a16="http://schemas.microsoft.com/office/drawing/2014/main" id="{39BCCF50-9377-7F3F-855F-36B15C4688B2}"/>
+              </a:ext>
+            </a:extLst>
+          </p:cNvPr>
+          <p:cNvSpPr>
+            <a:spLocks noGrp="1"/>
+          </p:cNvSpPr>
+          <p:nvPr>
+            <p:ph type="title"/>
+          </p:nvPr>
+        </p:nvSpPr>
+        <p:spPr/>
+        <p:txBody>
+          <a:bodyPr/>
+          <a:lstStyle/>
+          <a:p>
+            <a:r>
+              <a:rPr lang="fr-FR" dirty="0"/>
+              <a:t>Ensemble </a:t>
+            </a:r>
+            <a:r>
+              <a:rPr lang="fr-FR" dirty="0" err="1"/>
+              <a:t>method</a:t>
+            </a:r>
+            <a:r>
+              <a:rPr lang="fr-FR" dirty="0"/>
+              <a:t> (Bagging </a:t>
+            </a:r>
+            <a:r>
+              <a:rPr lang="fr-FR" dirty="0" err="1"/>
+              <a:t>Random</a:t>
+            </a:r>
+            <a:r>
+              <a:rPr lang="fr-FR" dirty="0"/>
+              <a:t> Forest) </a:t>
+            </a:r>
+          </a:p>
+        </p:txBody>
+      </p:sp>
+      <p:sp>
+        <p:nvSpPr>
+          <p:cNvPr id="3" name="Espace réservé du contenu 2">
+            <a:extLst>
+              <a:ext uri="{FF2B5EF4-FFF2-40B4-BE49-F238E27FC236}">
+                <a16:creationId xmlns:a16="http://schemas.microsoft.com/office/drawing/2014/main" id="{0FC3C83F-AE17-9BC5-6B51-9FCDA39F241D}"/>
+              </a:ext>
+            </a:extLst>
+          </p:cNvPr>
+          <p:cNvSpPr>
+            <a:spLocks noGrp="1"/>
+          </p:cNvSpPr>
+          <p:nvPr>
+            <p:ph idx="1"/>
+          </p:nvPr>
+        </p:nvSpPr>
+        <p:spPr>
+          <a:xfrm>
+            <a:off x="838200" y="2727055"/>
+            <a:ext cx="10515600" cy="1908445"/>
+          </a:xfrm>
+        </p:spPr>
+        <p:txBody>
+          <a:bodyPr>
+            <a:normAutofit/>
+          </a:bodyPr>
+          <a:lstStyle/>
+          <a:p>
+            <a:r>
+              <a:rPr lang="fr-FR" sz="1800" dirty="0"/>
+              <a:t>Even </a:t>
+            </a:r>
+            <a:r>
+              <a:rPr lang="fr-FR" sz="1800" dirty="0" err="1"/>
+              <a:t>after</a:t>
+            </a:r>
+            <a:r>
+              <a:rPr lang="fr-FR" sz="1800" dirty="0"/>
+              <a:t> </a:t>
+            </a:r>
+            <a:r>
+              <a:rPr lang="fr-FR" sz="1800" dirty="0" err="1"/>
+              <a:t>pruning</a:t>
+            </a:r>
+            <a:r>
+              <a:rPr lang="fr-FR" sz="1800" dirty="0"/>
+              <a:t> a simple </a:t>
+            </a:r>
+            <a:r>
+              <a:rPr lang="fr-FR" sz="1800" dirty="0" err="1"/>
+              <a:t>tree</a:t>
+            </a:r>
+            <a:r>
+              <a:rPr lang="fr-FR" sz="1800" dirty="0"/>
+              <a:t> has high variance</a:t>
+            </a:r>
+          </a:p>
+          <a:p>
+            <a:endParaRPr lang="fr-FR" sz="1800" dirty="0"/>
+          </a:p>
+          <a:p>
+            <a:r>
+              <a:rPr lang="fr-FR" sz="1800" dirty="0"/>
+              <a:t>To </a:t>
+            </a:r>
+            <a:r>
+              <a:rPr lang="fr-FR" sz="1800" dirty="0" err="1"/>
+              <a:t>improve</a:t>
+            </a:r>
+            <a:r>
+              <a:rPr lang="fr-FR" sz="1800" dirty="0"/>
+              <a:t> </a:t>
+            </a:r>
+            <a:r>
+              <a:rPr lang="fr-FR" sz="1800" dirty="0" err="1"/>
+              <a:t>stability</a:t>
+            </a:r>
+            <a:r>
+              <a:rPr lang="fr-FR" sz="1800" dirty="0"/>
+              <a:t> and </a:t>
+            </a:r>
+            <a:r>
+              <a:rPr lang="fr-FR" sz="1800" dirty="0" err="1"/>
+              <a:t>accuracy</a:t>
+            </a:r>
+            <a:r>
+              <a:rPr lang="fr-FR" sz="1800" dirty="0"/>
+              <a:t> </a:t>
+            </a:r>
+            <a:r>
+              <a:rPr lang="fr-FR" sz="1800" dirty="0" err="1"/>
+              <a:t>we</a:t>
+            </a:r>
+            <a:r>
+              <a:rPr lang="fr-FR" sz="1800" dirty="0"/>
+              <a:t> combine </a:t>
+            </a:r>
+            <a:r>
+              <a:rPr lang="fr-FR" sz="1800" dirty="0" err="1"/>
+              <a:t>many</a:t>
+            </a:r>
+            <a:r>
+              <a:rPr lang="fr-FR" sz="1800" dirty="0"/>
+              <a:t> simple </a:t>
+            </a:r>
+            <a:r>
+              <a:rPr lang="fr-FR" sz="1800" dirty="0" err="1"/>
+              <a:t>trees</a:t>
+            </a:r>
+            <a:r>
+              <a:rPr lang="fr-FR" sz="1800" dirty="0"/>
+              <a:t> </a:t>
+            </a:r>
+            <a:r>
+              <a:rPr lang="fr-FR" sz="1800" dirty="0" err="1"/>
+              <a:t>together</a:t>
+            </a:r>
+            <a:r>
+              <a:rPr lang="fr-FR" sz="1800" dirty="0"/>
+              <a:t> (</a:t>
+            </a:r>
+            <a:r>
+              <a:rPr lang="fr-FR" sz="1800" dirty="0" err="1"/>
+              <a:t>weak</a:t>
+            </a:r>
+            <a:r>
+              <a:rPr lang="fr-FR" sz="1800" dirty="0"/>
+              <a:t> </a:t>
+            </a:r>
+            <a:r>
+              <a:rPr lang="fr-FR" sz="1800" dirty="0" err="1"/>
+              <a:t>learners</a:t>
+            </a:r>
+            <a:r>
+              <a:rPr lang="fr-FR" sz="1800" dirty="0"/>
+              <a:t>) :</a:t>
+            </a:r>
+          </a:p>
+          <a:p>
+            <a:pPr marL="0" indent="0">
+              <a:buNone/>
+            </a:pPr>
+            <a:r>
+              <a:rPr lang="fr-FR" sz="1800" dirty="0"/>
+              <a:t>	</a:t>
+            </a:r>
+            <a:r>
+              <a:rPr lang="fr-FR" sz="1800" dirty="0" err="1"/>
+              <a:t>Different</a:t>
+            </a:r>
+            <a:r>
+              <a:rPr lang="fr-FR" sz="1800" dirty="0"/>
+              <a:t> </a:t>
+            </a:r>
+            <a:r>
+              <a:rPr lang="fr-FR" sz="1800" dirty="0" err="1"/>
+              <a:t>methods</a:t>
+            </a:r>
+            <a:r>
+              <a:rPr lang="fr-FR" sz="1800" dirty="0"/>
+              <a:t> </a:t>
+            </a:r>
+            <a:r>
+              <a:rPr lang="fr-FR" sz="1800" dirty="0" err="1"/>
+              <a:t>exist</a:t>
+            </a:r>
+            <a:r>
+              <a:rPr lang="fr-FR" sz="1800" dirty="0"/>
+              <a:t> : bagging, </a:t>
+            </a:r>
+            <a:r>
+              <a:rPr lang="fr-FR" sz="1800" dirty="0" err="1"/>
+              <a:t>Random</a:t>
+            </a:r>
+            <a:r>
+              <a:rPr lang="fr-FR" sz="1800" dirty="0"/>
+              <a:t> </a:t>
+            </a:r>
+            <a:r>
+              <a:rPr lang="fr-FR" sz="1800" dirty="0" err="1"/>
+              <a:t>Forests</a:t>
+            </a:r>
+            <a:r>
+              <a:rPr lang="fr-FR" sz="1800" dirty="0"/>
+              <a:t>, </a:t>
+            </a:r>
+            <a:r>
+              <a:rPr lang="fr-FR" sz="1800" dirty="0" err="1"/>
+              <a:t>Boosting</a:t>
+            </a:r>
+            <a:r>
+              <a:rPr lang="fr-FR" sz="1800" dirty="0"/>
+              <a:t> (Elyes) </a:t>
+            </a:r>
+          </a:p>
+          <a:p>
+            <a:endParaRPr lang="fr-FR" sz="1400" dirty="0"/>
+          </a:p>
+        </p:txBody>
+      </p:sp>
+    </p:spTree>
+    <p:extLst>
+      <p:ext uri="{BB962C8B-B14F-4D97-AF65-F5344CB8AC3E}">
+        <p14:creationId xmlns:p14="http://schemas.microsoft.com/office/powerpoint/2010/main" val="2174694771"/>
+      </p:ext>
+    </p:extLst>
+  </p:cSld>
+  <p:clrMapOvr>
+    <a:masterClrMapping/>
+  </p:clrMapOvr>
+</p:sld>
+</file>
+
+<file path=ppt/slides/slide12.xml><?xml version="1.0" encoding="utf-8"?>
+<p:sld xmlns:a="http://schemas.openxmlformats.org/drawingml/2006/main" xmlns:r="http://schemas.openxmlformats.org/officeDocument/2006/relationships" xmlns:p="http://schemas.openxmlformats.org/presentationml/2006/main">
+  <p:cSld>
+    <p:spTree>
+      <p:nvGrpSpPr>
+        <p:cNvPr id="1" name=""/>
+        <p:cNvGrpSpPr/>
+        <p:nvPr/>
+      </p:nvGrpSpPr>
+      <p:grpSpPr>
+        <a:xfrm>
+          <a:off x="0" y="0"/>
+          <a:ext cx="0" cy="0"/>
+          <a:chOff x="0" y="0"/>
+          <a:chExt cx="0" cy="0"/>
+        </a:xfrm>
+      </p:grpSpPr>
+      <p:sp>
+        <p:nvSpPr>
+          <p:cNvPr id="2" name="Titre 1">
+            <a:extLst>
+              <a:ext uri="{FF2B5EF4-FFF2-40B4-BE49-F238E27FC236}">
+                <a16:creationId xmlns:a16="http://schemas.microsoft.com/office/drawing/2014/main" id="{E8C277BC-62E2-1C63-D0A1-66D2EC526EB0}"/>
+              </a:ext>
+            </a:extLst>
+          </p:cNvPr>
+          <p:cNvSpPr>
+            <a:spLocks noGrp="1"/>
+          </p:cNvSpPr>
+          <p:nvPr>
+            <p:ph type="title"/>
+          </p:nvPr>
+        </p:nvSpPr>
+        <p:spPr/>
+        <p:txBody>
+          <a:bodyPr/>
+          <a:lstStyle/>
+          <a:p>
+            <a:r>
+              <a:rPr lang="fr-FR" dirty="0"/>
+              <a:t>Bagging </a:t>
+            </a:r>
+          </a:p>
+        </p:txBody>
+      </p:sp>
+      <mc:AlternateContent xmlns:mc="http://schemas.openxmlformats.org/markup-compatibility/2006" xmlns:a14="http://schemas.microsoft.com/office/drawing/2010/main">
+        <mc:Choice Requires="a14">
+          <p:sp>
+            <p:nvSpPr>
+              <p:cNvPr id="3" name="Espace réservé du contenu 2">
+                <a:extLst>
+                  <a:ext uri="{FF2B5EF4-FFF2-40B4-BE49-F238E27FC236}">
+                    <a16:creationId xmlns:a16="http://schemas.microsoft.com/office/drawing/2014/main" id="{F169C3A2-9321-94B6-809D-4860E25E7A1F}"/>
+                  </a:ext>
+                </a:extLst>
+              </p:cNvPr>
+              <p:cNvSpPr>
+                <a:spLocks noGrp="1"/>
+              </p:cNvSpPr>
+              <p:nvPr>
+                <p:ph idx="1"/>
+              </p:nvPr>
+            </p:nvSpPr>
+            <p:spPr/>
+            <p:txBody>
+              <a:bodyPr>
+                <a:normAutofit/>
+              </a:bodyPr>
+              <a:lstStyle/>
+              <a:p>
+                <a:r>
+                  <a:rPr lang="fr-FR" sz="1600" dirty="0"/>
+                  <a:t>Bagging : </a:t>
+                </a:r>
+                <a:r>
+                  <a:rPr lang="fr-FR" sz="1600" dirty="0" err="1"/>
+                  <a:t>procedure</a:t>
+                </a:r>
+                <a:r>
+                  <a:rPr lang="fr-FR" sz="1600" dirty="0"/>
+                  <a:t> for </a:t>
+                </a:r>
+                <a:r>
+                  <a:rPr lang="fr-FR" sz="1600" dirty="0" err="1"/>
+                  <a:t>reducing</a:t>
+                </a:r>
+                <a:r>
+                  <a:rPr lang="fr-FR" sz="1600" dirty="0"/>
+                  <a:t> the variance of </a:t>
+                </a:r>
+                <a:r>
+                  <a:rPr lang="fr-FR" sz="1600" dirty="0" err="1"/>
+                  <a:t>statistical</a:t>
+                </a:r>
+                <a:r>
+                  <a:rPr lang="fr-FR" sz="1600" dirty="0"/>
+                  <a:t> </a:t>
+                </a:r>
+                <a:r>
+                  <a:rPr lang="fr-FR" sz="1600" dirty="0" err="1"/>
+                  <a:t>learning</a:t>
+                </a:r>
+                <a:r>
+                  <a:rPr lang="fr-FR" sz="1600" dirty="0"/>
+                  <a:t> </a:t>
+                </a:r>
+                <a:r>
+                  <a:rPr lang="fr-FR" sz="1600" dirty="0" err="1"/>
+                  <a:t>method</a:t>
+                </a:r>
+                <a:r>
+                  <a:rPr lang="fr-FR" sz="1600" dirty="0"/>
+                  <a:t> </a:t>
+                </a:r>
+              </a:p>
+              <a:p>
+                <a:r>
+                  <a:rPr lang="fr-FR" sz="1600" dirty="0"/>
+                  <a:t>How : by </a:t>
+                </a:r>
+                <a:r>
+                  <a:rPr lang="fr-FR" sz="1600" dirty="0" err="1"/>
+                  <a:t>averaging</a:t>
+                </a:r>
+                <a:r>
+                  <a:rPr lang="fr-FR" sz="1600" dirty="0"/>
+                  <a:t> : </a:t>
+                </a:r>
+                <a:r>
+                  <a:rPr lang="fr-FR" sz="1600" dirty="0" err="1"/>
+                  <a:t>it</a:t>
+                </a:r>
+                <a:r>
+                  <a:rPr lang="fr-FR" sz="1600" dirty="0"/>
+                  <a:t> </a:t>
+                </a:r>
+                <a:r>
+                  <a:rPr lang="fr-FR" sz="1600" dirty="0" err="1"/>
+                  <a:t>reduces</a:t>
+                </a:r>
+                <a:r>
+                  <a:rPr lang="fr-FR" sz="1600" dirty="0"/>
+                  <a:t> variance(if </a:t>
+                </a:r>
+                <a:r>
+                  <a:rPr lang="fr-FR" sz="1600" dirty="0" err="1"/>
+                  <a:t>each</a:t>
+                </a:r>
+                <a:r>
+                  <a:rPr lang="fr-FR" sz="1600" dirty="0"/>
+                  <a:t> model </a:t>
+                </a:r>
+                <a:r>
+                  <a:rPr lang="fr-FR" sz="1600" dirty="0" err="1"/>
+                  <a:t>is</a:t>
+                </a:r>
+                <a:r>
+                  <a:rPr lang="fr-FR" sz="1600" dirty="0"/>
+                  <a:t> </a:t>
+                </a:r>
+                <a:r>
+                  <a:rPr lang="fr-FR" sz="1600" dirty="0" err="1"/>
+                  <a:t>noisy</a:t>
+                </a:r>
+                <a:r>
+                  <a:rPr lang="fr-FR" sz="1600" dirty="0"/>
+                  <a:t> </a:t>
+                </a:r>
+                <a:r>
+                  <a:rPr lang="fr-FR" sz="1600" dirty="0" err="1"/>
+                  <a:t>combining</a:t>
+                </a:r>
+                <a:r>
+                  <a:rPr lang="fr-FR" sz="1600" dirty="0"/>
+                  <a:t> </a:t>
+                </a:r>
+                <a:r>
+                  <a:rPr lang="fr-FR" sz="1600" dirty="0" err="1"/>
+                  <a:t>many</a:t>
+                </a:r>
+                <a:r>
+                  <a:rPr lang="fr-FR" sz="1600" dirty="0"/>
+                  <a:t> of </a:t>
+                </a:r>
+                <a:r>
+                  <a:rPr lang="fr-FR" sz="1600" dirty="0" err="1"/>
+                  <a:t>them</a:t>
+                </a:r>
+                <a:r>
+                  <a:rPr lang="fr-FR" sz="1600" dirty="0"/>
+                  <a:t> </a:t>
+                </a:r>
+                <a:r>
+                  <a:rPr lang="fr-FR" sz="1600" dirty="0" err="1"/>
+                  <a:t>smooths</a:t>
+                </a:r>
+                <a:r>
+                  <a:rPr lang="fr-FR" sz="1600" dirty="0"/>
+                  <a:t> out the fluctuations)</a:t>
+                </a:r>
+              </a:p>
+              <a:p>
+                <a:pPr marL="0" indent="0">
+                  <a:buNone/>
+                </a:pPr>
+                <a:r>
+                  <a:rPr lang="fr-FR" sz="1050" dirty="0"/>
+                  <a:t>	</a:t>
+                </a:r>
+                <a:r>
+                  <a:rPr lang="fr-FR" sz="1050" dirty="0" err="1"/>
+                  <a:t>Mean</a:t>
+                </a:r>
+                <a:r>
+                  <a:rPr lang="fr-FR" sz="1050" dirty="0"/>
+                  <a:t> of n </a:t>
+                </a:r>
+                <a:r>
+                  <a:rPr lang="fr-FR" sz="1050" dirty="0" err="1"/>
+                  <a:t>independant</a:t>
+                </a:r>
+                <a:r>
+                  <a:rPr lang="fr-FR" sz="1050" dirty="0"/>
+                  <a:t> observation of variance </a:t>
+                </a:r>
+                <a14:m>
+                  <m:oMath xmlns:m="http://schemas.openxmlformats.org/officeDocument/2006/math">
+                    <m:sSup>
+                      <m:sSupPr>
+                        <m:ctrlPr>
+                          <a:rPr lang="fr-FR" sz="1200" i="1">
+                            <a:latin typeface="Cambria Math" panose="02040503050406030204" pitchFamily="18" charset="0"/>
+                          </a:rPr>
+                        </m:ctrlPr>
+                      </m:sSupPr>
+                      <m:e>
+                        <m:r>
+                          <a:rPr lang="fr-FR" sz="1200" i="1">
+                            <a:latin typeface="Cambria Math" panose="02040503050406030204" pitchFamily="18" charset="0"/>
+                          </a:rPr>
+                          <m:t>𝜎</m:t>
+                        </m:r>
+                      </m:e>
+                      <m:sup>
+                        <m:r>
+                          <a:rPr lang="fr-FR" sz="1200">
+                            <a:latin typeface="Cambria Math" panose="02040503050406030204" pitchFamily="18" charset="0"/>
+                          </a:rPr>
+                          <m:t>2</m:t>
+                        </m:r>
+                      </m:sup>
+                    </m:sSup>
+                  </m:oMath>
+                </a14:m>
+                <a:r>
+                  <a:rPr lang="fr-FR" sz="1050" dirty="0"/>
+                  <a:t> </a:t>
+                </a:r>
+                <a:r>
+                  <a:rPr lang="fr-FR" sz="1050" dirty="0" err="1"/>
+                  <a:t>is</a:t>
+                </a:r>
+                <a:r>
+                  <a:rPr lang="fr-FR" sz="1050" dirty="0"/>
+                  <a:t> </a:t>
+                </a:r>
+                <a14:m>
+                  <m:oMath xmlns:m="http://schemas.openxmlformats.org/officeDocument/2006/math">
+                    <m:f>
+                      <m:fPr>
+                        <m:ctrlPr>
+                          <a:rPr lang="fr-FR" sz="1050" i="1">
+                            <a:latin typeface="Cambria Math" panose="02040503050406030204" pitchFamily="18" charset="0"/>
+                          </a:rPr>
+                        </m:ctrlPr>
+                      </m:fPr>
+                      <m:num>
+                        <m:sSup>
+                          <m:sSupPr>
+                            <m:ctrlPr>
+                              <a:rPr lang="fr-FR" sz="1050" i="1">
+                                <a:latin typeface="Cambria Math" panose="02040503050406030204" pitchFamily="18" charset="0"/>
+                              </a:rPr>
+                            </m:ctrlPr>
+                          </m:sSupPr>
+                          <m:e>
+                            <m:r>
+                              <a:rPr lang="fr-FR" sz="1050" i="1">
+                                <a:latin typeface="Cambria Math" panose="02040503050406030204" pitchFamily="18" charset="0"/>
+                              </a:rPr>
+                              <m:t>𝜎</m:t>
+                            </m:r>
+                          </m:e>
+                          <m:sup>
+                            <m:r>
+                              <a:rPr lang="fr-FR" sz="1050">
+                                <a:latin typeface="Cambria Math" panose="02040503050406030204" pitchFamily="18" charset="0"/>
+                              </a:rPr>
+                              <m:t>2</m:t>
+                            </m:r>
+                          </m:sup>
+                        </m:sSup>
+                      </m:num>
+                      <m:den>
+                        <m:r>
+                          <a:rPr lang="fr-FR" sz="1050" i="1">
+                            <a:latin typeface="Cambria Math" panose="02040503050406030204" pitchFamily="18" charset="0"/>
+                          </a:rPr>
+                          <m:t>𝑛</m:t>
+                        </m:r>
+                      </m:den>
+                    </m:f>
+                  </m:oMath>
+                </a14:m>
+                <a:endParaRPr lang="fr-FR" sz="1050" dirty="0"/>
+              </a:p>
+              <a:p>
+                <a:r>
+                  <a:rPr lang="fr-FR" sz="1600" dirty="0"/>
+                  <a:t>If </a:t>
+                </a:r>
+                <a:r>
+                  <a:rPr lang="fr-FR" sz="1600" dirty="0" err="1"/>
+                  <a:t>we</a:t>
+                </a:r>
+                <a:r>
+                  <a:rPr lang="fr-FR" sz="1600" dirty="0"/>
+                  <a:t> </a:t>
+                </a:r>
+                <a:r>
+                  <a:rPr lang="fr-FR" sz="1600" dirty="0" err="1"/>
+                  <a:t>could</a:t>
+                </a:r>
+                <a:r>
+                  <a:rPr lang="fr-FR" sz="1600" dirty="0"/>
+                  <a:t> </a:t>
+                </a:r>
+                <a:r>
+                  <a:rPr lang="fr-FR" sz="1600" dirty="0" err="1"/>
+                  <a:t>make</a:t>
+                </a:r>
+                <a:r>
+                  <a:rPr lang="fr-FR" sz="1600" dirty="0"/>
+                  <a:t> the </a:t>
+                </a:r>
+                <a:r>
+                  <a:rPr lang="fr-FR" sz="1600" dirty="0" err="1"/>
+                  <a:t>same</a:t>
+                </a:r>
+                <a:r>
+                  <a:rPr lang="fr-FR" sz="1600" dirty="0"/>
+                  <a:t> </a:t>
+                </a:r>
+                <a:r>
+                  <a:rPr lang="fr-FR" sz="1600" dirty="0" err="1"/>
+                  <a:t>experience</a:t>
+                </a:r>
+                <a:r>
+                  <a:rPr lang="fr-FR" sz="1600" dirty="0"/>
+                  <a:t> </a:t>
+                </a:r>
+                <a:r>
+                  <a:rPr lang="fr-FR" sz="1600" dirty="0" err="1"/>
+                  <a:t>with</a:t>
+                </a:r>
+                <a:r>
+                  <a:rPr lang="fr-FR" sz="1600" dirty="0"/>
+                  <a:t> a large </a:t>
+                </a:r>
+                <a:r>
+                  <a:rPr lang="fr-FR" sz="1600" dirty="0" err="1"/>
+                  <a:t>number</a:t>
+                </a:r>
+                <a:r>
+                  <a:rPr lang="fr-FR" sz="1600" dirty="0"/>
+                  <a:t> of </a:t>
+                </a:r>
+                <a:r>
+                  <a:rPr lang="fr-FR" sz="1600" dirty="0" err="1"/>
+                  <a:t>datasets</a:t>
+                </a:r>
+                <a:r>
+                  <a:rPr lang="fr-FR" sz="1600" dirty="0"/>
+                  <a:t> </a:t>
+                </a:r>
+                <a:r>
+                  <a:rPr lang="fr-FR" sz="1600" dirty="0" err="1"/>
+                  <a:t>different</a:t>
+                </a:r>
+                <a:r>
+                  <a:rPr lang="fr-FR" sz="1600" dirty="0"/>
+                  <a:t> </a:t>
+                </a:r>
+                <a:r>
+                  <a:rPr lang="fr-FR" sz="1600" dirty="0" err="1"/>
+                  <a:t>from</a:t>
+                </a:r>
+                <a:r>
+                  <a:rPr lang="fr-FR" sz="1600" dirty="0"/>
+                  <a:t> the </a:t>
+                </a:r>
+                <a:r>
+                  <a:rPr lang="fr-FR" sz="1600" dirty="0" err="1"/>
+                  <a:t>true</a:t>
+                </a:r>
+                <a:r>
+                  <a:rPr lang="fr-FR" sz="1600" dirty="0"/>
+                  <a:t> population : </a:t>
+                </a:r>
+                <a:r>
+                  <a:rPr lang="fr-FR" sz="1600" dirty="0" err="1"/>
+                  <a:t>we</a:t>
+                </a:r>
+                <a:r>
+                  <a:rPr lang="fr-FR" sz="1600" dirty="0"/>
+                  <a:t> </a:t>
+                </a:r>
+                <a:r>
+                  <a:rPr lang="fr-FR" sz="1600" dirty="0" err="1"/>
+                  <a:t>could</a:t>
+                </a:r>
+                <a:r>
+                  <a:rPr lang="fr-FR" sz="1600" dirty="0"/>
+                  <a:t> train a </a:t>
+                </a:r>
+                <a:r>
+                  <a:rPr lang="fr-FR" sz="1600" dirty="0" err="1"/>
+                  <a:t>tree</a:t>
+                </a:r>
+                <a:r>
+                  <a:rPr lang="fr-FR" sz="1600" dirty="0"/>
+                  <a:t> on </a:t>
+                </a:r>
+                <a:r>
+                  <a:rPr lang="fr-FR" sz="1600" dirty="0" err="1"/>
+                  <a:t>each</a:t>
+                </a:r>
+                <a:r>
+                  <a:rPr lang="fr-FR" sz="1600" dirty="0"/>
+                  <a:t> </a:t>
+                </a:r>
+                <a:r>
+                  <a:rPr lang="fr-FR" sz="1600" dirty="0" err="1"/>
+                  <a:t>dataset</a:t>
+                </a:r>
+                <a:r>
+                  <a:rPr lang="fr-FR" sz="1600" dirty="0"/>
+                  <a:t> :</a:t>
+                </a:r>
+              </a:p>
+              <a:p>
+                <a:pPr marL="0" indent="0">
+                  <a:buNone/>
+                </a:pPr>
+                <a14:m>
+                  <m:oMathPara xmlns:m="http://schemas.openxmlformats.org/officeDocument/2006/math">
+                    <m:oMathParaPr>
+                      <m:jc m:val="centerGroup"/>
+                    </m:oMathParaPr>
+                    <m:oMath xmlns:m="http://schemas.openxmlformats.org/officeDocument/2006/math">
+                      <m:sSub>
+                        <m:sSubPr>
+                          <m:ctrlPr>
+                            <a:rPr lang="fr-FR" sz="1050" i="1">
+                              <a:latin typeface="Cambria Math" panose="02040503050406030204" pitchFamily="18" charset="0"/>
+                            </a:rPr>
+                          </m:ctrlPr>
+                        </m:sSubPr>
+                        <m:e>
+                          <m:acc>
+                            <m:accPr>
+                              <m:chr m:val="̂"/>
+                              <m:ctrlPr>
+                                <a:rPr lang="fr-FR" sz="1050" i="1">
+                                  <a:latin typeface="Cambria Math" panose="02040503050406030204" pitchFamily="18" charset="0"/>
+                                </a:rPr>
+                              </m:ctrlPr>
+                            </m:accPr>
+                            <m:e>
+                              <m:r>
+                                <a:rPr lang="fr-FR" sz="1050" i="1">
+                                  <a:latin typeface="Cambria Math" panose="02040503050406030204" pitchFamily="18" charset="0"/>
+                                </a:rPr>
+                                <m:t>𝑓</m:t>
+                              </m:r>
+                            </m:e>
+                          </m:acc>
+                        </m:e>
+                        <m:sub>
+                          <m:r>
+                            <a:rPr lang="fr-FR" sz="1050" i="1">
+                              <a:latin typeface="Cambria Math" panose="02040503050406030204" pitchFamily="18" charset="0"/>
+                            </a:rPr>
+                            <m:t>𝑎𝑣𝑔</m:t>
+                          </m:r>
+                        </m:sub>
+                      </m:sSub>
+                      <m:d>
+                        <m:dPr>
+                          <m:ctrlPr>
+                            <a:rPr lang="fr-FR" sz="1050" i="1">
+                              <a:latin typeface="Cambria Math" panose="02040503050406030204" pitchFamily="18" charset="0"/>
+                            </a:rPr>
+                          </m:ctrlPr>
+                        </m:dPr>
+                        <m:e>
+                          <m:r>
+                            <a:rPr lang="fr-FR" sz="1050" i="1">
+                              <a:latin typeface="Cambria Math" panose="02040503050406030204" pitchFamily="18" charset="0"/>
+                            </a:rPr>
+                            <m:t>𝑥</m:t>
+                          </m:r>
+                        </m:e>
+                      </m:d>
+                      <m:r>
+                        <a:rPr lang="fr-FR" sz="1050" i="1">
+                          <a:latin typeface="Cambria Math" panose="02040503050406030204" pitchFamily="18" charset="0"/>
+                        </a:rPr>
+                        <m:t>= </m:t>
+                      </m:r>
+                      <m:f>
+                        <m:fPr>
+                          <m:ctrlPr>
+                            <a:rPr lang="fr-FR" sz="1050" i="1">
+                              <a:latin typeface="Cambria Math" panose="02040503050406030204" pitchFamily="18" charset="0"/>
+                            </a:rPr>
+                          </m:ctrlPr>
+                        </m:fPr>
+                        <m:num>
+                          <m:r>
+                            <a:rPr lang="fr-FR" sz="1050" i="1">
+                              <a:latin typeface="Cambria Math" panose="02040503050406030204" pitchFamily="18" charset="0"/>
+                            </a:rPr>
+                            <m:t>1</m:t>
+                          </m:r>
+                        </m:num>
+                        <m:den>
+                          <m:r>
+                            <a:rPr lang="fr-FR" sz="1050" i="1">
+                              <a:latin typeface="Cambria Math" panose="02040503050406030204" pitchFamily="18" charset="0"/>
+                            </a:rPr>
+                            <m:t>𝐵</m:t>
+                          </m:r>
+                        </m:den>
+                      </m:f>
+                      <m:r>
+                        <a:rPr lang="fr-FR" sz="1050" i="1">
+                          <a:latin typeface="Cambria Math" panose="02040503050406030204" pitchFamily="18" charset="0"/>
+                        </a:rPr>
+                        <m:t> </m:t>
+                      </m:r>
+                      <m:nary>
+                        <m:naryPr>
+                          <m:chr m:val="∑"/>
+                          <m:ctrlPr>
+                            <a:rPr lang="fr-FR" sz="1050" i="1">
+                              <a:latin typeface="Cambria Math" panose="02040503050406030204" pitchFamily="18" charset="0"/>
+                            </a:rPr>
+                          </m:ctrlPr>
+                        </m:naryPr>
+                        <m:sub>
+                          <m:r>
+                            <m:rPr>
+                              <m:brk m:alnAt="23"/>
+                            </m:rPr>
+                            <a:rPr lang="fr-FR" sz="1050" i="1">
+                              <a:latin typeface="Cambria Math" panose="02040503050406030204" pitchFamily="18" charset="0"/>
+                            </a:rPr>
+                            <m:t>𝑏</m:t>
+                          </m:r>
+                          <m:r>
+                            <a:rPr lang="fr-FR" sz="1050" i="1">
+                              <a:latin typeface="Cambria Math" panose="02040503050406030204" pitchFamily="18" charset="0"/>
+                            </a:rPr>
+                            <m:t>=1</m:t>
+                          </m:r>
+                        </m:sub>
+                        <m:sup>
+                          <m:r>
+                            <a:rPr lang="fr-FR" sz="1050" i="1">
+                              <a:latin typeface="Cambria Math" panose="02040503050406030204" pitchFamily="18" charset="0"/>
+                            </a:rPr>
+                            <m:t>𝐵</m:t>
+                          </m:r>
+                        </m:sup>
+                        <m:e>
+                          <m:sSup>
+                            <m:sSupPr>
+                              <m:ctrlPr>
+                                <a:rPr lang="fr-FR" sz="1050" i="1">
+                                  <a:latin typeface="Cambria Math" panose="02040503050406030204" pitchFamily="18" charset="0"/>
+                                </a:rPr>
+                              </m:ctrlPr>
+                            </m:sSupPr>
+                            <m:e>
+                              <m:acc>
+                                <m:accPr>
+                                  <m:chr m:val="̂"/>
+                                  <m:ctrlPr>
+                                    <a:rPr lang="fr-FR" sz="1050" i="1">
+                                      <a:latin typeface="Cambria Math" panose="02040503050406030204" pitchFamily="18" charset="0"/>
+                                    </a:rPr>
+                                  </m:ctrlPr>
+                                </m:accPr>
+                                <m:e>
+                                  <m:r>
+                                    <a:rPr lang="fr-FR" sz="1050" i="1">
+                                      <a:latin typeface="Cambria Math" panose="02040503050406030204" pitchFamily="18" charset="0"/>
+                                    </a:rPr>
+                                    <m:t>𝑓</m:t>
+                                  </m:r>
+                                </m:e>
+                              </m:acc>
+                            </m:e>
+                            <m:sup>
+                              <m:r>
+                                <a:rPr lang="fr-FR" sz="1050" i="1">
+                                  <a:latin typeface="Cambria Math" panose="02040503050406030204" pitchFamily="18" charset="0"/>
+                                </a:rPr>
+                                <m:t>𝑏</m:t>
+                              </m:r>
+                            </m:sup>
+                          </m:sSup>
+                          <m:r>
+                            <a:rPr lang="fr-FR" sz="1050" i="1">
+                              <a:latin typeface="Cambria Math" panose="02040503050406030204" pitchFamily="18" charset="0"/>
+                            </a:rPr>
+                            <m:t>(</m:t>
+                          </m:r>
+                          <m:r>
+                            <a:rPr lang="fr-FR" sz="1050" i="1">
+                              <a:latin typeface="Cambria Math" panose="02040503050406030204" pitchFamily="18" charset="0"/>
+                            </a:rPr>
+                            <m:t>𝑥</m:t>
+                          </m:r>
+                          <m:r>
+                            <a:rPr lang="fr-FR" sz="1050" i="1">
+                              <a:latin typeface="Cambria Math" panose="02040503050406030204" pitchFamily="18" charset="0"/>
+                            </a:rPr>
+                            <m:t>)</m:t>
+                          </m:r>
+                        </m:e>
+                      </m:nary>
+                    </m:oMath>
+                  </m:oMathPara>
+                </a14:m>
+                <a:endParaRPr lang="fr-FR" sz="1050" dirty="0"/>
+              </a:p>
+              <a:p>
+                <a:pPr marL="0" indent="0">
+                  <a:buNone/>
+                </a:pPr>
+                <a:r>
+                  <a:rPr lang="fr-FR" sz="1050" dirty="0"/>
+                  <a:t>In practice </a:t>
+                </a:r>
+                <a:r>
+                  <a:rPr lang="fr-FR" sz="1050" dirty="0" err="1"/>
+                  <a:t>we</a:t>
+                </a:r>
+                <a:r>
+                  <a:rPr lang="fr-FR" sz="1050" dirty="0"/>
+                  <a:t> do not have </a:t>
+                </a:r>
+                <a:r>
+                  <a:rPr lang="fr-FR" sz="1050" dirty="0" err="1"/>
+                  <a:t>accees</a:t>
+                </a:r>
+                <a:r>
+                  <a:rPr lang="fr-FR" sz="1050" dirty="0"/>
+                  <a:t> to multiple training test -&gt; </a:t>
+                </a:r>
+                <a:r>
+                  <a:rPr lang="fr-FR" sz="1050" dirty="0" err="1"/>
+                  <a:t>this</a:t>
+                </a:r>
+                <a:r>
+                  <a:rPr lang="fr-FR" sz="1050" dirty="0"/>
+                  <a:t> </a:t>
+                </a:r>
+                <a:r>
+                  <a:rPr lang="fr-FR" sz="1050" dirty="0" err="1"/>
+                  <a:t>is</a:t>
+                </a:r>
+                <a:r>
+                  <a:rPr lang="fr-FR" sz="1050" dirty="0"/>
+                  <a:t> </a:t>
+                </a:r>
+                <a:r>
+                  <a:rPr lang="fr-FR" sz="1050" dirty="0" err="1"/>
+                  <a:t>why</a:t>
+                </a:r>
+                <a:r>
+                  <a:rPr lang="fr-FR" sz="1050" dirty="0"/>
+                  <a:t> </a:t>
+                </a:r>
+                <a:r>
+                  <a:rPr lang="fr-FR" sz="1050" dirty="0" err="1"/>
+                  <a:t>we</a:t>
+                </a:r>
+                <a:r>
+                  <a:rPr lang="fr-FR" sz="1050" dirty="0"/>
+                  <a:t> </a:t>
+                </a:r>
+                <a:r>
+                  <a:rPr lang="fr-FR" sz="1050" dirty="0" err="1"/>
+                  <a:t>will</a:t>
+                </a:r>
+                <a:r>
+                  <a:rPr lang="fr-FR" sz="1050" dirty="0"/>
+                  <a:t> </a:t>
+                </a:r>
+                <a:r>
+                  <a:rPr lang="fr-FR" sz="1050" dirty="0" err="1"/>
+                  <a:t>artificially</a:t>
+                </a:r>
+                <a:r>
+                  <a:rPr lang="fr-FR" sz="1050" dirty="0"/>
+                  <a:t> </a:t>
+                </a:r>
+                <a:r>
+                  <a:rPr lang="fr-FR" sz="1050" dirty="0" err="1"/>
+                  <a:t>simulate</a:t>
+                </a:r>
+                <a:r>
+                  <a:rPr lang="fr-FR" sz="1050" dirty="0"/>
+                  <a:t> train set (</a:t>
+                </a:r>
+                <a:r>
+                  <a:rPr lang="fr-FR" sz="1050" dirty="0" err="1"/>
+                  <a:t>boostrap</a:t>
+                </a:r>
+                <a:r>
+                  <a:rPr lang="fr-FR" sz="1050" dirty="0"/>
+                  <a:t>) </a:t>
+                </a:r>
+              </a:p>
+              <a:p>
+                <a:pPr marL="0" indent="0">
+                  <a:buNone/>
+                </a:pPr>
+                <a:r>
+                  <a:rPr lang="fr-FR" sz="1050" b="1" dirty="0"/>
+                  <a:t>(tirage </a:t>
+                </a:r>
+                <a:r>
+                  <a:rPr lang="fr-FR" sz="1050" b="1" dirty="0" err="1"/>
+                  <a:t>with</a:t>
+                </a:r>
+                <a:r>
+                  <a:rPr lang="fr-FR" sz="1050" b="1" dirty="0"/>
+                  <a:t> remise) </a:t>
+                </a:r>
+              </a:p>
+              <a:p>
+                <a:pPr marL="0" indent="0">
+                  <a:buNone/>
+                </a:pPr>
+                <a:endParaRPr lang="fr-FR" sz="1050" i="1" dirty="0">
+                  <a:latin typeface="Cambria Math" panose="02040503050406030204" pitchFamily="18" charset="0"/>
+                </a:endParaRPr>
+              </a:p>
+              <a:p>
+                <a:pPr marL="0" indent="0">
+                  <a:buNone/>
+                </a:pPr>
+                <a14:m>
+                  <m:oMathPara xmlns:m="http://schemas.openxmlformats.org/officeDocument/2006/math">
+                    <m:oMathParaPr>
+                      <m:jc m:val="center"/>
+                    </m:oMathParaPr>
+                    <m:oMath xmlns:m="http://schemas.openxmlformats.org/officeDocument/2006/math">
+                      <m:sSub>
+                        <m:sSubPr>
+                          <m:ctrlPr>
+                            <a:rPr lang="fr-FR" sz="1600" i="1">
+                              <a:latin typeface="Cambria Math" panose="02040503050406030204" pitchFamily="18" charset="0"/>
+                            </a:rPr>
+                          </m:ctrlPr>
+                        </m:sSubPr>
+                        <m:e>
+                          <m:acc>
+                            <m:accPr>
+                              <m:chr m:val="̂"/>
+                              <m:ctrlPr>
+                                <a:rPr lang="fr-FR" sz="1600" i="1">
+                                  <a:latin typeface="Cambria Math" panose="02040503050406030204" pitchFamily="18" charset="0"/>
+                                </a:rPr>
+                              </m:ctrlPr>
+                            </m:accPr>
+                            <m:e>
+                              <m:r>
+                                <a:rPr lang="fr-FR" sz="1600" i="1">
+                                  <a:latin typeface="Cambria Math" panose="02040503050406030204" pitchFamily="18" charset="0"/>
+                                </a:rPr>
+                                <m:t>𝑓</m:t>
+                              </m:r>
+                            </m:e>
+                          </m:acc>
+                        </m:e>
+                        <m:sub>
+                          <m:r>
+                            <a:rPr lang="fr-FR" sz="1600" b="0" i="1" smtClean="0">
+                              <a:latin typeface="Cambria Math" panose="02040503050406030204" pitchFamily="18" charset="0"/>
+                            </a:rPr>
+                            <m:t>𝑏𝑎𝑔</m:t>
+                          </m:r>
+                        </m:sub>
+                      </m:sSub>
+                      <m:d>
+                        <m:dPr>
+                          <m:ctrlPr>
+                            <a:rPr lang="fr-FR" sz="1600" i="1">
+                              <a:latin typeface="Cambria Math" panose="02040503050406030204" pitchFamily="18" charset="0"/>
+                            </a:rPr>
+                          </m:ctrlPr>
+                        </m:dPr>
+                        <m:e>
+                          <m:r>
+                            <a:rPr lang="fr-FR" sz="1600" i="1">
+                              <a:latin typeface="Cambria Math" panose="02040503050406030204" pitchFamily="18" charset="0"/>
+                            </a:rPr>
+                            <m:t>𝑥</m:t>
+                          </m:r>
+                        </m:e>
+                      </m:d>
+                      <m:r>
+                        <a:rPr lang="fr-FR" sz="1600" i="1">
+                          <a:latin typeface="Cambria Math" panose="02040503050406030204" pitchFamily="18" charset="0"/>
+                        </a:rPr>
+                        <m:t>= </m:t>
+                      </m:r>
+                      <m:f>
+                        <m:fPr>
+                          <m:ctrlPr>
+                            <a:rPr lang="fr-FR" sz="1600" i="1">
+                              <a:latin typeface="Cambria Math" panose="02040503050406030204" pitchFamily="18" charset="0"/>
+                            </a:rPr>
+                          </m:ctrlPr>
+                        </m:fPr>
+                        <m:num>
+                          <m:r>
+                            <a:rPr lang="fr-FR" sz="1600" i="1">
+                              <a:latin typeface="Cambria Math" panose="02040503050406030204" pitchFamily="18" charset="0"/>
+                            </a:rPr>
+                            <m:t>1</m:t>
+                          </m:r>
+                        </m:num>
+                        <m:den>
+                          <m:r>
+                            <a:rPr lang="fr-FR" sz="1600" i="1">
+                              <a:latin typeface="Cambria Math" panose="02040503050406030204" pitchFamily="18" charset="0"/>
+                            </a:rPr>
+                            <m:t>𝐵</m:t>
+                          </m:r>
+                        </m:den>
+                      </m:f>
+                      <m:r>
+                        <a:rPr lang="fr-FR" sz="1600" i="1">
+                          <a:latin typeface="Cambria Math" panose="02040503050406030204" pitchFamily="18" charset="0"/>
+                        </a:rPr>
+                        <m:t> </m:t>
+                      </m:r>
+                      <m:nary>
+                        <m:naryPr>
+                          <m:chr m:val="∑"/>
+                          <m:ctrlPr>
+                            <a:rPr lang="fr-FR" sz="1600" i="1">
+                              <a:latin typeface="Cambria Math" panose="02040503050406030204" pitchFamily="18" charset="0"/>
+                            </a:rPr>
+                          </m:ctrlPr>
+                        </m:naryPr>
+                        <m:sub>
+                          <m:r>
+                            <m:rPr>
+                              <m:brk m:alnAt="23"/>
+                            </m:rPr>
+                            <a:rPr lang="fr-FR" sz="1600" i="1">
+                              <a:latin typeface="Cambria Math" panose="02040503050406030204" pitchFamily="18" charset="0"/>
+                            </a:rPr>
+                            <m:t>𝑏</m:t>
+                          </m:r>
+                          <m:r>
+                            <a:rPr lang="fr-FR" sz="1600" i="1">
+                              <a:latin typeface="Cambria Math" panose="02040503050406030204" pitchFamily="18" charset="0"/>
+                            </a:rPr>
+                            <m:t>=1</m:t>
+                          </m:r>
+                        </m:sub>
+                        <m:sup>
+                          <m:r>
+                            <a:rPr lang="fr-FR" sz="1600" i="1">
+                              <a:latin typeface="Cambria Math" panose="02040503050406030204" pitchFamily="18" charset="0"/>
+                            </a:rPr>
+                            <m:t>𝐵</m:t>
+                          </m:r>
+                        </m:sup>
+                        <m:e>
+                          <m:sSup>
+                            <m:sSupPr>
+                              <m:ctrlPr>
+                                <a:rPr lang="fr-FR" sz="1600" i="1">
+                                  <a:latin typeface="Cambria Math" panose="02040503050406030204" pitchFamily="18" charset="0"/>
+                                </a:rPr>
+                              </m:ctrlPr>
+                            </m:sSupPr>
+                            <m:e>
+                              <m:acc>
+                                <m:accPr>
+                                  <m:chr m:val="̂"/>
+                                  <m:ctrlPr>
+                                    <a:rPr lang="fr-FR" sz="1600" i="1">
+                                      <a:latin typeface="Cambria Math" panose="02040503050406030204" pitchFamily="18" charset="0"/>
+                                    </a:rPr>
+                                  </m:ctrlPr>
+                                </m:accPr>
+                                <m:e>
+                                  <m:r>
+                                    <a:rPr lang="fr-FR" sz="1600" i="1">
+                                      <a:latin typeface="Cambria Math" panose="02040503050406030204" pitchFamily="18" charset="0"/>
+                                    </a:rPr>
+                                    <m:t>𝑓</m:t>
+                                  </m:r>
+                                </m:e>
+                              </m:acc>
+                            </m:e>
+                            <m:sup>
+                              <m:r>
+                                <a:rPr lang="fr-FR" sz="1600" b="0" i="1" smtClean="0">
+                                  <a:latin typeface="Cambria Math" panose="02040503050406030204" pitchFamily="18" charset="0"/>
+                                </a:rPr>
+                                <m:t>∗</m:t>
+                              </m:r>
+                              <m:r>
+                                <a:rPr lang="fr-FR" sz="1600" i="1">
+                                  <a:latin typeface="Cambria Math" panose="02040503050406030204" pitchFamily="18" charset="0"/>
+                                </a:rPr>
+                                <m:t>𝑏</m:t>
+                              </m:r>
+                            </m:sup>
+                          </m:sSup>
+                          <m:r>
+                            <a:rPr lang="fr-FR" sz="1600" i="1">
+                              <a:latin typeface="Cambria Math" panose="02040503050406030204" pitchFamily="18" charset="0"/>
+                            </a:rPr>
+                            <m:t>(</m:t>
+                          </m:r>
+                          <m:r>
+                            <a:rPr lang="fr-FR" sz="1600" i="1">
+                              <a:latin typeface="Cambria Math" panose="02040503050406030204" pitchFamily="18" charset="0"/>
+                            </a:rPr>
+                            <m:t>𝑥</m:t>
+                          </m:r>
+                          <m:r>
+                            <a:rPr lang="fr-FR" sz="1600" i="1">
+                              <a:latin typeface="Cambria Math" panose="02040503050406030204" pitchFamily="18" charset="0"/>
+                            </a:rPr>
+                            <m:t>)</m:t>
+                          </m:r>
+                        </m:e>
+                      </m:nary>
+                    </m:oMath>
+                  </m:oMathPara>
+                </a14:m>
+                <a:endParaRPr lang="fr-FR" sz="1600" dirty="0"/>
+              </a:p>
+              <a:p>
+                <a14:m>
+                  <m:oMath xmlns:m="http://schemas.openxmlformats.org/officeDocument/2006/math">
+                    <m:sSup>
+                      <m:sSupPr>
+                        <m:ctrlPr>
+                          <a:rPr lang="fr-FR" sz="1800" i="1">
+                            <a:latin typeface="Cambria Math" panose="02040503050406030204" pitchFamily="18" charset="0"/>
+                          </a:rPr>
+                        </m:ctrlPr>
+                      </m:sSupPr>
+                      <m:e>
+                        <m:acc>
+                          <m:accPr>
+                            <m:chr m:val="̂"/>
+                            <m:ctrlPr>
+                              <a:rPr lang="fr-FR" sz="1800" i="1">
+                                <a:latin typeface="Cambria Math" panose="02040503050406030204" pitchFamily="18" charset="0"/>
+                              </a:rPr>
+                            </m:ctrlPr>
+                          </m:accPr>
+                          <m:e>
+                            <m:r>
+                              <a:rPr lang="fr-FR" sz="1800" i="1">
+                                <a:latin typeface="Cambria Math" panose="02040503050406030204" pitchFamily="18" charset="0"/>
+                              </a:rPr>
+                              <m:t>𝑓</m:t>
+                            </m:r>
+                          </m:e>
+                        </m:acc>
+                      </m:e>
+                      <m:sup>
+                        <m:r>
+                          <a:rPr lang="fr-FR" sz="1800" i="1">
+                            <a:latin typeface="Cambria Math" panose="02040503050406030204" pitchFamily="18" charset="0"/>
+                          </a:rPr>
+                          <m:t>∗</m:t>
+                        </m:r>
+                        <m:r>
+                          <a:rPr lang="fr-FR" sz="1800" i="1">
+                            <a:latin typeface="Cambria Math" panose="02040503050406030204" pitchFamily="18" charset="0"/>
+                          </a:rPr>
+                          <m:t>𝑏</m:t>
+                        </m:r>
+                      </m:sup>
+                    </m:sSup>
+                    <m:r>
+                      <a:rPr lang="fr-FR" sz="1800" i="1">
+                        <a:latin typeface="Cambria Math" panose="02040503050406030204" pitchFamily="18" charset="0"/>
+                      </a:rPr>
+                      <m:t> </m:t>
+                    </m:r>
+                  </m:oMath>
+                </a14:m>
+                <a:r>
+                  <a:rPr lang="fr-FR" sz="1800" dirty="0"/>
+                  <a:t>: bth </a:t>
+                </a:r>
+                <a:r>
+                  <a:rPr lang="fr-FR" sz="1800" dirty="0" err="1"/>
+                  <a:t>bootstrapped</a:t>
+                </a:r>
+                <a:r>
+                  <a:rPr lang="fr-FR" sz="1800" dirty="0"/>
+                  <a:t> training set</a:t>
+                </a:r>
+                <a:endParaRPr lang="fr-FR" sz="1100" dirty="0"/>
+              </a:p>
+            </p:txBody>
+          </p:sp>
+        </mc:Choice>
+        <mc:Fallback xmlns="">
+          <p:sp>
+            <p:nvSpPr>
+              <p:cNvPr id="3" name="Espace réservé du contenu 2">
+                <a:extLst>
+                  <a:ext uri="{FF2B5EF4-FFF2-40B4-BE49-F238E27FC236}">
+                    <a16:creationId xmlns:a16="http://schemas.microsoft.com/office/drawing/2014/main" id="{F169C3A2-9321-94B6-809D-4860E25E7A1F}"/>
+                  </a:ext>
+                </a:extLst>
+              </p:cNvPr>
+              <p:cNvSpPr>
+                <a:spLocks noGrp="1" noRot="1" noChangeAspect="1" noMove="1" noResize="1" noEditPoints="1" noAdjustHandles="1" noChangeArrowheads="1" noChangeShapeType="1" noTextEdit="1"/>
+              </p:cNvSpPr>
+              <p:nvPr>
+                <p:ph idx="1"/>
+              </p:nvPr>
+            </p:nvSpPr>
+            <p:spPr>
+              <a:blipFill>
+                <a:blip r:embed="rId2"/>
+                <a:stretch>
+                  <a:fillRect l="-406" t="-980"/>
+                </a:stretch>
+              </a:blipFill>
+            </p:spPr>
+            <p:txBody>
+              <a:bodyPr/>
+              <a:lstStyle/>
+              <a:p>
+                <a:r>
+                  <a:rPr lang="fr-FR">
+                    <a:noFill/>
+                  </a:rPr>
+                  <a:t> </a:t>
+                </a:r>
+              </a:p>
+            </p:txBody>
+          </p:sp>
+        </mc:Fallback>
+      </mc:AlternateContent>
+      <p:pic>
+        <p:nvPicPr>
+          <p:cNvPr id="5" name="Image 4">
+            <a:extLst>
+              <a:ext uri="{FF2B5EF4-FFF2-40B4-BE49-F238E27FC236}">
+                <a16:creationId xmlns:a16="http://schemas.microsoft.com/office/drawing/2014/main" id="{087525F4-498B-51E1-C77F-965D37682588}"/>
+              </a:ext>
+            </a:extLst>
+          </p:cNvPr>
+          <p:cNvPicPr>
+            <a:picLocks noChangeAspect="1"/>
+          </p:cNvPicPr>
+          <p:nvPr/>
+        </p:nvPicPr>
+        <p:blipFill>
+          <a:blip r:embed="rId3"/>
+          <a:stretch>
+            <a:fillRect/>
+          </a:stretch>
+        </p:blipFill>
+        <p:spPr>
+          <a:xfrm>
+            <a:off x="7779412" y="3429000"/>
+            <a:ext cx="3913233" cy="1642230"/>
+          </a:xfrm>
+          <a:prstGeom prst="rect">
+            <a:avLst/>
+          </a:prstGeom>
+        </p:spPr>
+      </p:pic>
+    </p:spTree>
+    <p:extLst>
+      <p:ext uri="{BB962C8B-B14F-4D97-AF65-F5344CB8AC3E}">
+        <p14:creationId xmlns:p14="http://schemas.microsoft.com/office/powerpoint/2010/main" val="3874242400"/>
+      </p:ext>
+    </p:extLst>
+  </p:cSld>
+  <p:clrMapOvr>
+    <a:masterClrMapping/>
+  </p:clrMapOvr>
+</p:sld>
+</file>
+
+<file path=ppt/slides/slide13.xml><?xml version="1.0" encoding="utf-8"?>
+<p:sld xmlns:a="http://schemas.openxmlformats.org/drawingml/2006/main" xmlns:r="http://schemas.openxmlformats.org/officeDocument/2006/relationships" xmlns:p="http://schemas.openxmlformats.org/presentationml/2006/main">
+  <p:cSld>
+    <p:spTree>
+      <p:nvGrpSpPr>
+        <p:cNvPr id="1" name=""/>
+        <p:cNvGrpSpPr/>
+        <p:nvPr/>
+      </p:nvGrpSpPr>
+      <p:grpSpPr>
+        <a:xfrm>
+          <a:off x="0" y="0"/>
+          <a:ext cx="0" cy="0"/>
+          <a:chOff x="0" y="0"/>
+          <a:chExt cx="0" cy="0"/>
+        </a:xfrm>
+      </p:grpSpPr>
+      <p:sp>
+        <p:nvSpPr>
+          <p:cNvPr id="2" name="Titre 1">
+            <a:extLst>
+              <a:ext uri="{FF2B5EF4-FFF2-40B4-BE49-F238E27FC236}">
                 <a16:creationId xmlns:a16="http://schemas.microsoft.com/office/drawing/2014/main" id="{BF358108-4F3C-7EA8-D115-B4C67A6E6D09}"/>
               </a:ext>
             </a:extLst>
@@ -3480,12 +5594,566 @@
           </a:p>
         </p:txBody>
       </p:sp>
+      <mc:AlternateContent xmlns:mc="http://schemas.openxmlformats.org/markup-compatibility/2006" xmlns:a14="http://schemas.microsoft.com/office/drawing/2010/main">
+        <mc:Choice Requires="a14">
+          <p:sp>
+            <p:nvSpPr>
+              <p:cNvPr id="3" name="Espace réservé du contenu 2">
+                <a:extLst>
+                  <a:ext uri="{FF2B5EF4-FFF2-40B4-BE49-F238E27FC236}">
+                    <a16:creationId xmlns:a16="http://schemas.microsoft.com/office/drawing/2014/main" id="{A9320EFB-8302-8643-1EAC-F7BF7252B4D1}"/>
+                  </a:ext>
+                </a:extLst>
+              </p:cNvPr>
+              <p:cNvSpPr>
+                <a:spLocks noGrp="1"/>
+              </p:cNvSpPr>
+              <p:nvPr>
+                <p:ph idx="1"/>
+              </p:nvPr>
+            </p:nvSpPr>
+            <p:spPr/>
+            <p:txBody>
+              <a:bodyPr>
+                <a:normAutofit/>
+              </a:bodyPr>
+              <a:lstStyle/>
+              <a:p>
+                <a:r>
+                  <a:rPr lang="fr-FR" sz="1800" dirty="0"/>
+                  <a:t>Pb of bagging : if a variable </a:t>
+                </a:r>
+                <a:r>
+                  <a:rPr lang="fr-FR" sz="1800" dirty="0" err="1"/>
+                  <a:t>is</a:t>
+                </a:r>
+                <a:r>
+                  <a:rPr lang="fr-FR" sz="1800" dirty="0"/>
+                  <a:t> dominant all the </a:t>
+                </a:r>
+                <a:r>
+                  <a:rPr lang="fr-FR" sz="1800" dirty="0" err="1"/>
+                  <a:t>subset</a:t>
+                </a:r>
+                <a:r>
+                  <a:rPr lang="fr-FR" sz="1800" dirty="0"/>
+                  <a:t> </a:t>
+                </a:r>
+                <a:r>
+                  <a:rPr lang="fr-FR" sz="1800" dirty="0" err="1"/>
+                  <a:t>will</a:t>
+                </a:r>
+                <a:r>
+                  <a:rPr lang="fr-FR" sz="1800" dirty="0"/>
+                  <a:t> </a:t>
+                </a:r>
+                <a:r>
+                  <a:rPr lang="fr-FR" sz="1800" dirty="0" err="1"/>
+                  <a:t>choose</a:t>
+                </a:r>
+                <a:r>
+                  <a:rPr lang="fr-FR" sz="1800" dirty="0"/>
+                  <a:t> the </a:t>
+                </a:r>
+                <a:r>
+                  <a:rPr lang="fr-FR" sz="1800" dirty="0" err="1"/>
+                  <a:t>same</a:t>
+                </a:r>
+                <a:r>
+                  <a:rPr lang="fr-FR" sz="1800" dirty="0"/>
+                  <a:t> variable to start : </a:t>
+                </a:r>
+                <a:r>
+                  <a:rPr lang="fr-FR" sz="1800" dirty="0" err="1"/>
+                  <a:t>trees</a:t>
+                </a:r>
+                <a:r>
+                  <a:rPr lang="fr-FR" sz="1800" dirty="0"/>
+                  <a:t> are </a:t>
+                </a:r>
+                <a:r>
+                  <a:rPr lang="fr-FR" sz="1800" dirty="0" err="1"/>
+                  <a:t>highly</a:t>
+                </a:r>
+                <a:r>
+                  <a:rPr lang="fr-FR" sz="1800" dirty="0"/>
+                  <a:t> </a:t>
+                </a:r>
+                <a:r>
+                  <a:rPr lang="fr-FR" sz="1800" dirty="0" err="1"/>
+                  <a:t>correlated</a:t>
+                </a:r>
+                <a:r>
+                  <a:rPr lang="fr-FR" sz="1800" dirty="0"/>
+                  <a:t> </a:t>
+                </a:r>
+              </a:p>
+              <a:p>
+                <a:endParaRPr lang="fr-FR" sz="1800" dirty="0"/>
+              </a:p>
+              <a:p>
+                <a:r>
+                  <a:rPr lang="fr-FR" sz="1800" dirty="0"/>
+                  <a:t>RF : </a:t>
+                </a:r>
+                <a:r>
+                  <a:rPr lang="fr-FR" sz="1800" dirty="0" err="1"/>
+                  <a:t>Add</a:t>
+                </a:r>
+                <a:r>
+                  <a:rPr lang="fr-FR" sz="1800" dirty="0"/>
+                  <a:t> </a:t>
+                </a:r>
+                <a:r>
+                  <a:rPr lang="fr-FR" sz="1800" dirty="0" err="1"/>
+                  <a:t>random</a:t>
+                </a:r>
+                <a:r>
+                  <a:rPr lang="fr-FR" sz="1800" dirty="0"/>
+                  <a:t> ; </a:t>
+                </a:r>
+                <a:r>
+                  <a:rPr lang="fr-FR" sz="1800" dirty="0" err="1"/>
+                  <a:t>each</a:t>
+                </a:r>
+                <a:r>
+                  <a:rPr lang="fr-FR" sz="1800" dirty="0"/>
+                  <a:t> time a </a:t>
+                </a:r>
+                <a:r>
+                  <a:rPr lang="fr-FR" sz="1800" dirty="0" err="1"/>
+                  <a:t>random</a:t>
+                </a:r>
+                <a:r>
+                  <a:rPr lang="fr-FR" sz="1800" dirty="0"/>
+                  <a:t> </a:t>
+                </a:r>
+                <a:r>
+                  <a:rPr lang="fr-FR" sz="1800" dirty="0" err="1"/>
+                  <a:t>sample</a:t>
+                </a:r>
+                <a:r>
+                  <a:rPr lang="fr-FR" sz="1800" dirty="0"/>
+                  <a:t> of m </a:t>
+                </a:r>
+                <a:r>
+                  <a:rPr lang="fr-FR" sz="1800" dirty="0" err="1"/>
+                  <a:t>predictors</a:t>
+                </a:r>
+                <a:r>
+                  <a:rPr lang="fr-FR" sz="1800" dirty="0"/>
+                  <a:t> </a:t>
+                </a:r>
+                <a:r>
+                  <a:rPr lang="fr-FR" sz="1800" dirty="0" err="1"/>
+                  <a:t>is</a:t>
+                </a:r>
+                <a:r>
+                  <a:rPr lang="fr-FR" sz="1800" dirty="0"/>
+                  <a:t> </a:t>
+                </a:r>
+                <a:r>
+                  <a:rPr lang="fr-FR" sz="1800" dirty="0" err="1"/>
+                  <a:t>chosen</a:t>
+                </a:r>
+                <a:endParaRPr lang="fr-FR" sz="1800" dirty="0"/>
+              </a:p>
+              <a:p>
+                <a:endParaRPr lang="fr-FR" sz="1800" dirty="0"/>
+              </a:p>
+              <a:p>
+                <a:r>
+                  <a:rPr lang="fr-FR" sz="1800" dirty="0" err="1"/>
+                  <a:t>We</a:t>
+                </a:r>
+                <a:r>
+                  <a:rPr lang="fr-FR" sz="1800" dirty="0"/>
+                  <a:t> </a:t>
+                </a:r>
+                <a:r>
+                  <a:rPr lang="fr-FR" sz="1800" dirty="0" err="1"/>
+                  <a:t>often</a:t>
+                </a:r>
+                <a:r>
+                  <a:rPr lang="fr-FR" sz="1800" dirty="0"/>
+                  <a:t> </a:t>
+                </a:r>
+                <a:r>
+                  <a:rPr lang="fr-FR" sz="1800" dirty="0" err="1"/>
+                  <a:t>choose</a:t>
+                </a:r>
+                <a:r>
+                  <a:rPr lang="fr-FR" sz="1800" dirty="0"/>
+                  <a:t> to </a:t>
+                </a:r>
+                <a:r>
+                  <a:rPr lang="fr-FR" sz="1800" dirty="0" err="1"/>
+                  <a:t>take</a:t>
+                </a:r>
+                <a:r>
+                  <a:rPr lang="fr-FR" sz="1800" dirty="0"/>
+                  <a:t> </a:t>
+                </a:r>
+                <a14:m>
+                  <m:oMath xmlns:m="http://schemas.openxmlformats.org/officeDocument/2006/math">
+                    <m:r>
+                      <m:rPr>
+                        <m:sty m:val="p"/>
+                      </m:rPr>
+                      <a:rPr lang="fr-FR" sz="1800" b="0" i="0" smtClean="0">
+                        <a:latin typeface="Cambria Math" panose="02040503050406030204" pitchFamily="18" charset="0"/>
+                      </a:rPr>
+                      <m:t>m</m:t>
+                    </m:r>
+                    <m:r>
+                      <a:rPr lang="fr-FR" sz="1800" b="0" i="0" smtClean="0">
+                        <a:latin typeface="Cambria Math" panose="02040503050406030204" pitchFamily="18" charset="0"/>
+                      </a:rPr>
+                      <m:t>=</m:t>
+                    </m:r>
+                    <m:rad>
+                      <m:radPr>
+                        <m:degHide m:val="on"/>
+                        <m:ctrlPr>
+                          <a:rPr lang="fr-FR" sz="1800" i="1" smtClean="0">
+                            <a:latin typeface="Cambria Math" panose="02040503050406030204" pitchFamily="18" charset="0"/>
+                          </a:rPr>
+                        </m:ctrlPr>
+                      </m:radPr>
+                      <m:deg/>
+                      <m:e>
+                        <m:r>
+                          <a:rPr lang="fr-FR" sz="1800" b="0" i="1" smtClean="0">
+                            <a:latin typeface="Cambria Math" panose="02040503050406030204" pitchFamily="18" charset="0"/>
+                          </a:rPr>
+                          <m:t>𝑝</m:t>
+                        </m:r>
+                      </m:e>
+                    </m:rad>
+                  </m:oMath>
+                </a14:m>
+                <a:r>
+                  <a:rPr lang="fr-FR" sz="1800" dirty="0"/>
+                  <a:t> for classification and m=</a:t>
+                </a:r>
+                <a14:m>
+                  <m:oMath xmlns:m="http://schemas.openxmlformats.org/officeDocument/2006/math">
+                    <m:f>
+                      <m:fPr>
+                        <m:ctrlPr>
+                          <a:rPr lang="fr-FR" sz="1800" i="1" smtClean="0">
+                            <a:latin typeface="Cambria Math" panose="02040503050406030204" pitchFamily="18" charset="0"/>
+                          </a:rPr>
+                        </m:ctrlPr>
+                      </m:fPr>
+                      <m:num>
+                        <m:r>
+                          <a:rPr lang="fr-FR" sz="1800" b="0" i="1" smtClean="0">
+                            <a:latin typeface="Cambria Math" panose="02040503050406030204" pitchFamily="18" charset="0"/>
+                          </a:rPr>
+                          <m:t>𝑝</m:t>
+                        </m:r>
+                      </m:num>
+                      <m:den>
+                        <m:r>
+                          <a:rPr lang="fr-FR" sz="1800" b="0" i="1" smtClean="0">
+                            <a:latin typeface="Cambria Math" panose="02040503050406030204" pitchFamily="18" charset="0"/>
+                          </a:rPr>
+                          <m:t>3</m:t>
+                        </m:r>
+                      </m:den>
+                    </m:f>
+                  </m:oMath>
+                </a14:m>
+                <a:r>
+                  <a:rPr lang="fr-FR" sz="1800" dirty="0"/>
+                  <a:t> for </a:t>
+                </a:r>
+                <a:r>
+                  <a:rPr lang="fr-FR" sz="1800" dirty="0" err="1"/>
+                  <a:t>regression</a:t>
+                </a:r>
+                <a:endParaRPr lang="fr-FR" sz="1800" dirty="0"/>
+              </a:p>
+              <a:p>
+                <a:endParaRPr lang="fr-FR" sz="1800" dirty="0"/>
+              </a:p>
+              <a:p>
+                <a:r>
+                  <a:rPr lang="fr-FR" sz="1800" dirty="0"/>
+                  <a:t>So the </a:t>
+                </a:r>
+                <a:r>
+                  <a:rPr lang="fr-FR" sz="1800" dirty="0" err="1"/>
+                  <a:t>probability</a:t>
+                </a:r>
+                <a:r>
+                  <a:rPr lang="fr-FR" sz="1800" dirty="0"/>
+                  <a:t> </a:t>
+                </a:r>
+                <a:r>
+                  <a:rPr lang="fr-FR" sz="1800" dirty="0" err="1"/>
+                  <a:t>that</a:t>
+                </a:r>
+                <a:r>
+                  <a:rPr lang="fr-FR" sz="1800" dirty="0"/>
+                  <a:t> the </a:t>
+                </a:r>
+                <a:r>
+                  <a:rPr lang="fr-FR" sz="1800" dirty="0" err="1"/>
+                  <a:t>strong</a:t>
+                </a:r>
+                <a:r>
+                  <a:rPr lang="fr-FR" sz="1800" dirty="0"/>
+                  <a:t> </a:t>
+                </a:r>
+                <a:r>
+                  <a:rPr lang="fr-FR" sz="1800" dirty="0" err="1"/>
+                  <a:t>predictor</a:t>
+                </a:r>
+                <a:r>
+                  <a:rPr lang="fr-FR" sz="1800" dirty="0"/>
+                  <a:t> </a:t>
+                </a:r>
+                <a:r>
+                  <a:rPr lang="fr-FR" sz="1800" dirty="0" err="1"/>
+                  <a:t>is</a:t>
+                </a:r>
+                <a:r>
+                  <a:rPr lang="fr-FR" sz="1800" dirty="0"/>
+                  <a:t> not </a:t>
+                </a:r>
+                <a:r>
+                  <a:rPr lang="fr-FR" sz="1800" dirty="0" err="1"/>
+                  <a:t>choosen</a:t>
+                </a:r>
+                <a:r>
+                  <a:rPr lang="fr-FR" sz="1800" dirty="0"/>
+                  <a:t> </a:t>
+                </a:r>
+                <a:r>
+                  <a:rPr lang="fr-FR" sz="1800" dirty="0" err="1"/>
+                  <a:t>is</a:t>
+                </a:r>
+                <a:r>
+                  <a:rPr lang="fr-FR" sz="1800" dirty="0"/>
+                  <a:t> </a:t>
+                </a:r>
+                <a14:m>
+                  <m:oMath xmlns:m="http://schemas.openxmlformats.org/officeDocument/2006/math">
+                    <m:f>
+                      <m:fPr>
+                        <m:ctrlPr>
+                          <a:rPr lang="fr-FR" sz="1800" i="1" smtClean="0">
+                            <a:latin typeface="Cambria Math" panose="02040503050406030204" pitchFamily="18" charset="0"/>
+                          </a:rPr>
+                        </m:ctrlPr>
+                      </m:fPr>
+                      <m:num>
+                        <m:r>
+                          <a:rPr lang="fr-FR" sz="1800" b="0" i="1" smtClean="0">
+                            <a:latin typeface="Cambria Math" panose="02040503050406030204" pitchFamily="18" charset="0"/>
+                          </a:rPr>
+                          <m:t>𝑝</m:t>
+                        </m:r>
+                        <m:r>
+                          <a:rPr lang="fr-FR" sz="1800" b="0" i="1" smtClean="0">
+                            <a:latin typeface="Cambria Math" panose="02040503050406030204" pitchFamily="18" charset="0"/>
+                          </a:rPr>
+                          <m:t>−</m:t>
+                        </m:r>
+                        <m:r>
+                          <a:rPr lang="fr-FR" sz="1800" b="0" i="1" smtClean="0">
+                            <a:latin typeface="Cambria Math" panose="02040503050406030204" pitchFamily="18" charset="0"/>
+                          </a:rPr>
+                          <m:t>𝑚</m:t>
+                        </m:r>
+                      </m:num>
+                      <m:den>
+                        <m:r>
+                          <a:rPr lang="fr-FR" sz="1800" b="0" i="1" smtClean="0">
+                            <a:latin typeface="Cambria Math" panose="02040503050406030204" pitchFamily="18" charset="0"/>
+                          </a:rPr>
+                          <m:t>𝑝</m:t>
+                        </m:r>
+                      </m:den>
+                    </m:f>
+                  </m:oMath>
+                </a14:m>
+                <a:r>
+                  <a:rPr lang="fr-FR" sz="1800" dirty="0"/>
+                  <a:t> (proba of bing </a:t>
+                </a:r>
+                <a:r>
+                  <a:rPr lang="fr-FR" sz="1800" dirty="0" err="1"/>
+                  <a:t>chosen</a:t>
+                </a:r>
+                <a:r>
+                  <a:rPr lang="fr-FR" sz="1800" dirty="0"/>
+                  <a:t> </a:t>
+                </a:r>
+                <a:r>
+                  <a:rPr lang="fr-FR" sz="1800" dirty="0" err="1"/>
+                  <a:t>is</a:t>
+                </a:r>
+                <a:r>
+                  <a:rPr lang="fr-FR" sz="1800" dirty="0"/>
+                  <a:t> </a:t>
+                </a:r>
+                <a14:m>
+                  <m:oMath xmlns:m="http://schemas.openxmlformats.org/officeDocument/2006/math">
+                    <m:f>
+                      <m:fPr>
+                        <m:ctrlPr>
+                          <a:rPr lang="fr-FR" sz="1800" i="1">
+                            <a:latin typeface="Cambria Math" panose="02040503050406030204" pitchFamily="18" charset="0"/>
+                          </a:rPr>
+                        </m:ctrlPr>
+                      </m:fPr>
+                      <m:num>
+                        <m:r>
+                          <a:rPr lang="fr-FR" sz="1800" i="1">
+                            <a:latin typeface="Cambria Math" panose="02040503050406030204" pitchFamily="18" charset="0"/>
+                          </a:rPr>
+                          <m:t>𝑚</m:t>
+                        </m:r>
+                      </m:num>
+                      <m:den>
+                        <m:r>
+                          <a:rPr lang="fr-FR" sz="1800" i="1">
+                            <a:latin typeface="Cambria Math" panose="02040503050406030204" pitchFamily="18" charset="0"/>
+                          </a:rPr>
+                          <m:t>𝑝</m:t>
+                        </m:r>
+                      </m:den>
+                    </m:f>
+                  </m:oMath>
+                </a14:m>
+                <a:r>
+                  <a:rPr lang="fr-FR" sz="1800" dirty="0"/>
+                  <a:t> )</a:t>
+                </a:r>
+              </a:p>
+              <a:p>
+                <a:endParaRPr lang="fr-FR" sz="1800" dirty="0"/>
+              </a:p>
+              <a:p>
+                <a:r>
+                  <a:rPr lang="fr-FR" sz="1800" dirty="0"/>
+                  <a:t>At the end </a:t>
+                </a:r>
+                <a:r>
+                  <a:rPr lang="fr-FR" sz="1800" dirty="0" err="1"/>
+                  <a:t>we</a:t>
+                </a:r>
+                <a:r>
+                  <a:rPr lang="fr-FR" sz="1800" dirty="0"/>
+                  <a:t> </a:t>
+                </a:r>
+                <a:r>
+                  <a:rPr lang="fr-FR" sz="1800" dirty="0" err="1"/>
+                  <a:t>also</a:t>
+                </a:r>
+                <a:r>
+                  <a:rPr lang="fr-FR" sz="1800" dirty="0"/>
+                  <a:t> </a:t>
+                </a:r>
+                <a:r>
+                  <a:rPr lang="fr-FR" sz="1800" dirty="0" err="1"/>
+                  <a:t>proceed</a:t>
+                </a:r>
+                <a:r>
+                  <a:rPr lang="fr-FR" sz="1800" dirty="0"/>
+                  <a:t> to a </a:t>
+                </a:r>
+                <a:r>
+                  <a:rPr lang="fr-FR" sz="1800" dirty="0" err="1"/>
+                  <a:t>mean</a:t>
+                </a:r>
+                <a:r>
+                  <a:rPr lang="fr-FR" sz="1800" dirty="0"/>
+                  <a:t>  </a:t>
+                </a:r>
+              </a:p>
+            </p:txBody>
+          </p:sp>
+        </mc:Choice>
+        <mc:Fallback xmlns="">
+          <p:sp>
+            <p:nvSpPr>
+              <p:cNvPr id="3" name="Espace réservé du contenu 2">
+                <a:extLst>
+                  <a:ext uri="{FF2B5EF4-FFF2-40B4-BE49-F238E27FC236}">
+                    <a16:creationId xmlns:a16="http://schemas.microsoft.com/office/drawing/2014/main" id="{A9320EFB-8302-8643-1EAC-F7BF7252B4D1}"/>
+                  </a:ext>
+                </a:extLst>
+              </p:cNvPr>
+              <p:cNvSpPr>
+                <a:spLocks noGrp="1" noRot="1" noChangeAspect="1" noMove="1" noResize="1" noEditPoints="1" noAdjustHandles="1" noChangeArrowheads="1" noChangeShapeType="1" noTextEdit="1"/>
+              </p:cNvSpPr>
+              <p:nvPr>
+                <p:ph idx="1"/>
+              </p:nvPr>
+            </p:nvSpPr>
+            <p:spPr>
+              <a:blipFill>
+                <a:blip r:embed="rId2"/>
+                <a:stretch>
+                  <a:fillRect l="-406" t="-1261"/>
+                </a:stretch>
+              </a:blipFill>
+            </p:spPr>
+            <p:txBody>
+              <a:bodyPr/>
+              <a:lstStyle/>
+              <a:p>
+                <a:r>
+                  <a:rPr lang="fr-FR">
+                    <a:noFill/>
+                  </a:rPr>
+                  <a:t> </a:t>
+                </a:r>
+              </a:p>
+            </p:txBody>
+          </p:sp>
+        </mc:Fallback>
+      </mc:AlternateContent>
+    </p:spTree>
+    <p:extLst>
+      <p:ext uri="{BB962C8B-B14F-4D97-AF65-F5344CB8AC3E}">
+        <p14:creationId xmlns:p14="http://schemas.microsoft.com/office/powerpoint/2010/main" val="2584178817"/>
+      </p:ext>
+    </p:extLst>
+  </p:cSld>
+  <p:clrMapOvr>
+    <a:masterClrMapping/>
+  </p:clrMapOvr>
+</p:sld>
+</file>
+
+<file path=ppt/slides/slide14.xml><?xml version="1.0" encoding="utf-8"?>
+<p:sld xmlns:a="http://schemas.openxmlformats.org/drawingml/2006/main" xmlns:r="http://schemas.openxmlformats.org/officeDocument/2006/relationships" xmlns:p="http://schemas.openxmlformats.org/presentationml/2006/main">
+  <p:cSld>
+    <p:spTree>
+      <p:nvGrpSpPr>
+        <p:cNvPr id="1" name=""/>
+        <p:cNvGrpSpPr/>
+        <p:nvPr/>
+      </p:nvGrpSpPr>
+      <p:grpSpPr>
+        <a:xfrm>
+          <a:off x="0" y="0"/>
+          <a:ext cx="0" cy="0"/>
+          <a:chOff x="0" y="0"/>
+          <a:chExt cx="0" cy="0"/>
+        </a:xfrm>
+      </p:grpSpPr>
       <p:sp>
         <p:nvSpPr>
-          <p:cNvPr id="3" name="Espace réservé du contenu 2">
+          <p:cNvPr id="2" name="Titre 1">
             <a:extLst>
               <a:ext uri="{FF2B5EF4-FFF2-40B4-BE49-F238E27FC236}">
-                <a16:creationId xmlns:a16="http://schemas.microsoft.com/office/drawing/2014/main" id="{A9320EFB-8302-8643-1EAC-F7BF7252B4D1}"/>
+                <a16:creationId xmlns:a16="http://schemas.microsoft.com/office/drawing/2014/main" id="{4D98FDAD-8903-11BB-947C-3BE27EBA1105}"/>
               </a:ext>
             </a:extLst>
           </p:cNvPr>
@@ -3493,195 +6161,1105 @@
             <a:spLocks noGrp="1"/>
           </p:cNvSpPr>
           <p:nvPr>
-            <p:ph idx="1"/>
+            <p:ph type="title"/>
           </p:nvPr>
         </p:nvSpPr>
         <p:spPr/>
         <p:txBody>
-          <a:bodyPr/>
+          <a:bodyPr>
+            <a:normAutofit/>
+          </a:bodyPr>
           <a:lstStyle/>
           <a:p>
-            <a:r>
-              <a:rPr lang="fr-FR" dirty="0"/>
-              <a:t>Pb of bagging : if a variable </a:t>
-            </a:r>
-            <a:r>
-              <a:rPr lang="fr-FR" dirty="0" err="1"/>
-              <a:t>is</a:t>
-            </a:r>
-            <a:r>
-              <a:rPr lang="fr-FR" dirty="0"/>
-              <a:t> dominant all the </a:t>
-            </a:r>
-            <a:r>
-              <a:rPr lang="fr-FR" dirty="0" err="1"/>
-              <a:t>subset</a:t>
-            </a:r>
-            <a:r>
-              <a:rPr lang="fr-FR" dirty="0"/>
-              <a:t> </a:t>
-            </a:r>
-            <a:r>
-              <a:rPr lang="fr-FR" dirty="0" err="1"/>
-              <a:t>will</a:t>
-            </a:r>
-            <a:r>
-              <a:rPr lang="fr-FR" dirty="0"/>
-              <a:t> </a:t>
-            </a:r>
-            <a:r>
-              <a:rPr lang="fr-FR" dirty="0" err="1"/>
-              <a:t>choose</a:t>
-            </a:r>
-            <a:r>
-              <a:rPr lang="fr-FR" dirty="0"/>
-              <a:t> the </a:t>
-            </a:r>
-            <a:r>
-              <a:rPr lang="fr-FR" dirty="0" err="1"/>
-              <a:t>same</a:t>
-            </a:r>
-            <a:r>
-              <a:rPr lang="fr-FR" dirty="0"/>
-              <a:t> variable to start : </a:t>
-            </a:r>
-            <a:r>
-              <a:rPr lang="fr-FR" dirty="0" err="1"/>
-              <a:t>trees</a:t>
-            </a:r>
-            <a:r>
-              <a:rPr lang="fr-FR" dirty="0"/>
-              <a:t> are </a:t>
-            </a:r>
-            <a:r>
-              <a:rPr lang="fr-FR" dirty="0" err="1"/>
-              <a:t>highly</a:t>
-            </a:r>
-            <a:r>
-              <a:rPr lang="fr-FR" dirty="0"/>
-              <a:t> </a:t>
-            </a:r>
-            <a:r>
-              <a:rPr lang="fr-FR" dirty="0" err="1"/>
-              <a:t>correlated</a:t>
-            </a:r>
-            <a:r>
-              <a:rPr lang="fr-FR" dirty="0"/>
-              <a:t> </a:t>
-            </a:r>
-          </a:p>
-          <a:p>
-            <a:endParaRPr lang="fr-FR" dirty="0"/>
-          </a:p>
-          <a:p>
-            <a:r>
-              <a:rPr lang="fr-FR" dirty="0"/>
-              <a:t>RF : </a:t>
-            </a:r>
-            <a:r>
-              <a:rPr lang="fr-FR" dirty="0" err="1"/>
-              <a:t>Add</a:t>
-            </a:r>
-            <a:r>
-              <a:rPr lang="fr-FR" dirty="0"/>
-              <a:t> </a:t>
-            </a:r>
-            <a:r>
-              <a:rPr lang="fr-FR" dirty="0" err="1"/>
-              <a:t>random</a:t>
-            </a:r>
-            <a:r>
-              <a:rPr lang="fr-FR" dirty="0"/>
-              <a:t> ; </a:t>
-            </a:r>
-            <a:r>
-              <a:rPr lang="fr-FR" dirty="0" err="1"/>
-              <a:t>each</a:t>
-            </a:r>
-            <a:r>
-              <a:rPr lang="fr-FR" dirty="0"/>
-              <a:t> time </a:t>
-            </a:r>
-            <a:r>
-              <a:rPr lang="fr-FR" dirty="0" err="1"/>
-              <a:t>we</a:t>
-            </a:r>
-            <a:r>
-              <a:rPr lang="fr-FR" dirty="0"/>
-              <a:t> </a:t>
-            </a:r>
-            <a:r>
-              <a:rPr lang="fr-FR" dirty="0" err="1"/>
-              <a:t>see</a:t>
-            </a:r>
-            <a:r>
-              <a:rPr lang="fr-FR" dirty="0"/>
-              <a:t> </a:t>
-            </a:r>
-            <a:r>
-              <a:rPr lang="fr-FR" dirty="0" err="1"/>
-              <a:t>only</a:t>
-            </a:r>
-            <a:r>
-              <a:rPr lang="fr-FR" dirty="0"/>
-              <a:t> a </a:t>
-            </a:r>
-            <a:r>
-              <a:rPr lang="fr-FR" dirty="0" err="1"/>
-              <a:t>random</a:t>
-            </a:r>
-            <a:r>
-              <a:rPr lang="fr-FR" dirty="0"/>
-              <a:t> </a:t>
-            </a:r>
-            <a:r>
-              <a:rPr lang="fr-FR" dirty="0" err="1"/>
-              <a:t>subset</a:t>
-            </a:r>
-            <a:r>
-              <a:rPr lang="fr-FR" dirty="0"/>
-              <a:t> of the variable </a:t>
-            </a:r>
-          </a:p>
-          <a:p>
-            <a:endParaRPr lang="fr-FR" dirty="0"/>
+            <a:pPr algn="ctr"/>
+            <a:r>
+              <a:rPr lang="fr-FR" sz="3200" dirty="0" err="1"/>
+              <a:t>Understand</a:t>
+            </a:r>
+            <a:r>
+              <a:rPr lang="fr-FR" sz="3200" dirty="0"/>
+              <a:t> bagging and RF </a:t>
+            </a:r>
+            <a:r>
+              <a:rPr lang="fr-FR" sz="3200" dirty="0" err="1"/>
+              <a:t>through</a:t>
+            </a:r>
+            <a:r>
+              <a:rPr lang="fr-FR" sz="3200" dirty="0"/>
+              <a:t> data </a:t>
+            </a:r>
           </a:p>
         </p:txBody>
       </p:sp>
-      <p:pic>
-        <p:nvPicPr>
-          <p:cNvPr id="5" name="Image 4">
+      <p:graphicFrame>
+        <p:nvGraphicFramePr>
+          <p:cNvPr id="4" name="Espace réservé du contenu 3">
             <a:extLst>
               <a:ext uri="{FF2B5EF4-FFF2-40B4-BE49-F238E27FC236}">
-                <a16:creationId xmlns:a16="http://schemas.microsoft.com/office/drawing/2014/main" id="{1F04B0BC-B445-2ECB-39A5-BA02579DF485}"/>
+                <a16:creationId xmlns:a16="http://schemas.microsoft.com/office/drawing/2014/main" id="{4C7CC260-38E8-818E-B54F-2A06A072AE20}"/>
               </a:ext>
             </a:extLst>
           </p:cNvPr>
-          <p:cNvPicPr>
-            <a:picLocks noChangeAspect="1"/>
-          </p:cNvPicPr>
+          <p:cNvGraphicFramePr>
+            <a:graphicFrameLocks noGrp="1"/>
+          </p:cNvGraphicFramePr>
+          <p:nvPr>
+            <p:ph idx="1"/>
+            <p:extLst>
+              <p:ext uri="{D42A27DB-BD31-4B8C-83A1-F6EECF244321}">
+                <p14:modId xmlns:p14="http://schemas.microsoft.com/office/powerpoint/2010/main" val="4215828654"/>
+              </p:ext>
+            </p:extLst>
+          </p:nvPr>
+        </p:nvGraphicFramePr>
+        <p:xfrm>
+          <a:off x="774700" y="1737018"/>
+          <a:ext cx="10579100" cy="1934784"/>
+        </p:xfrm>
+        <a:graphic>
+          <a:graphicData uri="http://schemas.openxmlformats.org/drawingml/2006/table">
+            <a:tbl>
+              <a:tblPr/>
+              <a:tblGrid>
+                <a:gridCol w="2124143">
+                  <a:extLst>
+                    <a:ext uri="{9D8B030D-6E8A-4147-A177-3AD203B41FA5}">
+                      <a16:colId xmlns:a16="http://schemas.microsoft.com/office/drawing/2014/main" val="1704201768"/>
+                    </a:ext>
+                  </a:extLst>
+                </a:gridCol>
+                <a:gridCol w="2145597">
+                  <a:extLst>
+                    <a:ext uri="{9D8B030D-6E8A-4147-A177-3AD203B41FA5}">
+                      <a16:colId xmlns:a16="http://schemas.microsoft.com/office/drawing/2014/main" val="2293282685"/>
+                    </a:ext>
+                  </a:extLst>
+                </a:gridCol>
+                <a:gridCol w="2103120">
+                  <a:extLst>
+                    <a:ext uri="{9D8B030D-6E8A-4147-A177-3AD203B41FA5}">
+                      <a16:colId xmlns:a16="http://schemas.microsoft.com/office/drawing/2014/main" val="916772769"/>
+                    </a:ext>
+                  </a:extLst>
+                </a:gridCol>
+                <a:gridCol w="2103120">
+                  <a:extLst>
+                    <a:ext uri="{9D8B030D-6E8A-4147-A177-3AD203B41FA5}">
+                      <a16:colId xmlns:a16="http://schemas.microsoft.com/office/drawing/2014/main" val="3205007953"/>
+                    </a:ext>
+                  </a:extLst>
+                </a:gridCol>
+                <a:gridCol w="2103120">
+                  <a:extLst>
+                    <a:ext uri="{9D8B030D-6E8A-4147-A177-3AD203B41FA5}">
+                      <a16:colId xmlns:a16="http://schemas.microsoft.com/office/drawing/2014/main" val="2169656713"/>
+                    </a:ext>
+                  </a:extLst>
+                </a:gridCol>
+              </a:tblGrid>
+              <a:tr h="472208">
+                <a:tc>
+                  <a:txBody>
+                    <a:bodyPr/>
+                    <a:lstStyle/>
+                    <a:p>
+                      <a:pPr>
+                        <a:buNone/>
+                      </a:pPr>
+                      <a:r>
+                        <a:rPr lang="fr-FR" sz="1400" dirty="0"/>
+                        <a:t>Observation (</a:t>
+                      </a:r>
+                      <a:r>
+                        <a:rPr lang="fr-FR" sz="1400" dirty="0">
+                          <a:solidFill>
+                            <a:srgbClr val="FF0000"/>
+                          </a:solidFill>
+                        </a:rPr>
+                        <a:t>individu</a:t>
+                      </a:r>
+                      <a:r>
+                        <a:rPr lang="fr-FR" sz="1400" dirty="0"/>
+                        <a:t>)</a:t>
+                      </a:r>
+                    </a:p>
+                  </a:txBody>
+                  <a:tcPr anchor="ctr">
+                    <a:lnL>
+                      <a:noFill/>
+                    </a:lnL>
+                    <a:lnR>
+                      <a:noFill/>
+                    </a:lnR>
+                    <a:lnT>
+                      <a:noFill/>
+                    </a:lnT>
+                    <a:lnB>
+                      <a:noFill/>
+                    </a:lnB>
+                    <a:noFill/>
+                  </a:tcPr>
+                </a:tc>
+                <a:tc>
+                  <a:txBody>
+                    <a:bodyPr/>
+                    <a:lstStyle/>
+                    <a:p>
+                      <a:pPr>
+                        <a:buNone/>
+                      </a:pPr>
+                      <a:r>
+                        <a:rPr lang="fr-FR" sz="1400" dirty="0"/>
+                        <a:t>Age (</a:t>
+                      </a:r>
+                      <a:r>
+                        <a:rPr lang="fr-FR" sz="1400" dirty="0" err="1">
+                          <a:solidFill>
+                            <a:schemeClr val="accent6">
+                              <a:lumMod val="75000"/>
+                            </a:schemeClr>
+                          </a:solidFill>
+                        </a:rPr>
+                        <a:t>feature</a:t>
+                      </a:r>
+                      <a:r>
+                        <a:rPr lang="fr-FR" sz="1400" dirty="0"/>
+                        <a:t> 1)</a:t>
+                      </a:r>
+                    </a:p>
+                  </a:txBody>
+                  <a:tcPr anchor="ctr">
+                    <a:lnL>
+                      <a:noFill/>
+                    </a:lnL>
+                    <a:lnR>
+                      <a:noFill/>
+                    </a:lnR>
+                    <a:lnT>
+                      <a:noFill/>
+                    </a:lnT>
+                    <a:lnB>
+                      <a:noFill/>
+                    </a:lnB>
+                    <a:noFill/>
+                  </a:tcPr>
+                </a:tc>
+                <a:tc>
+                  <a:txBody>
+                    <a:bodyPr/>
+                    <a:lstStyle/>
+                    <a:p>
+                      <a:pPr>
+                        <a:buNone/>
+                      </a:pPr>
+                      <a:r>
+                        <a:rPr lang="fr-FR" sz="1400" dirty="0"/>
+                        <a:t>Revenu (</a:t>
+                      </a:r>
+                      <a:r>
+                        <a:rPr lang="fr-FR" sz="1400" dirty="0" err="1"/>
+                        <a:t>feature</a:t>
+                      </a:r>
+                      <a:r>
+                        <a:rPr lang="fr-FR" sz="1400" dirty="0"/>
+                        <a:t> 2)</a:t>
+                      </a:r>
+                    </a:p>
+                  </a:txBody>
+                  <a:tcPr anchor="ctr">
+                    <a:lnL>
+                      <a:noFill/>
+                    </a:lnL>
+                    <a:lnR>
+                      <a:noFill/>
+                    </a:lnR>
+                    <a:lnT>
+                      <a:noFill/>
+                    </a:lnT>
+                    <a:lnB>
+                      <a:noFill/>
+                    </a:lnB>
+                    <a:noFill/>
+                  </a:tcPr>
+                </a:tc>
+                <a:tc>
+                  <a:txBody>
+                    <a:bodyPr/>
+                    <a:lstStyle/>
+                    <a:p>
+                      <a:pPr>
+                        <a:buNone/>
+                      </a:pPr>
+                      <a:r>
+                        <a:rPr lang="fr-FR" sz="1400" dirty="0"/>
+                        <a:t>Ville (</a:t>
+                      </a:r>
+                      <a:r>
+                        <a:rPr lang="fr-FR" sz="1400" dirty="0" err="1"/>
+                        <a:t>feature</a:t>
+                      </a:r>
+                      <a:r>
+                        <a:rPr lang="fr-FR" sz="1400" dirty="0"/>
+                        <a:t> 3)</a:t>
+                      </a:r>
+                    </a:p>
+                  </a:txBody>
+                  <a:tcPr anchor="ctr">
+                    <a:lnL>
+                      <a:noFill/>
+                    </a:lnL>
+                    <a:lnR>
+                      <a:noFill/>
+                    </a:lnR>
+                    <a:lnT>
+                      <a:noFill/>
+                    </a:lnT>
+                    <a:lnB>
+                      <a:noFill/>
+                    </a:lnB>
+                    <a:noFill/>
+                  </a:tcPr>
+                </a:tc>
+                <a:tc>
+                  <a:txBody>
+                    <a:bodyPr/>
+                    <a:lstStyle/>
+                    <a:p>
+                      <a:pPr>
+                        <a:buNone/>
+                      </a:pPr>
+                      <a:r>
+                        <a:rPr lang="fr-FR" sz="1400" dirty="0"/>
+                        <a:t>y (cible)</a:t>
+                      </a:r>
+                    </a:p>
+                  </a:txBody>
+                  <a:tcPr anchor="ctr">
+                    <a:lnL>
+                      <a:noFill/>
+                    </a:lnL>
+                    <a:lnR>
+                      <a:noFill/>
+                    </a:lnR>
+                    <a:lnT>
+                      <a:noFill/>
+                    </a:lnT>
+                    <a:lnB>
+                      <a:noFill/>
+                    </a:lnB>
+                    <a:noFill/>
+                  </a:tcPr>
+                </a:tc>
+                <a:extLst>
+                  <a:ext uri="{0D108BD9-81ED-4DB2-BD59-A6C34878D82A}">
+                    <a16:rowId xmlns:a16="http://schemas.microsoft.com/office/drawing/2014/main" val="2901651719"/>
+                  </a:ext>
+                </a:extLst>
+              </a:tr>
+              <a:tr h="472208">
+                <a:tc>
+                  <a:txBody>
+                    <a:bodyPr/>
+                    <a:lstStyle/>
+                    <a:p>
+                      <a:pPr>
+                        <a:buNone/>
+                      </a:pPr>
+                      <a:r>
+                        <a:rPr lang="fr-FR" sz="1400" dirty="0">
+                          <a:solidFill>
+                            <a:srgbClr val="FF0000"/>
+                          </a:solidFill>
+                        </a:rPr>
+                        <a:t>1</a:t>
+                      </a:r>
+                    </a:p>
+                  </a:txBody>
+                  <a:tcPr anchor="ctr">
+                    <a:lnL>
+                      <a:noFill/>
+                    </a:lnL>
+                    <a:lnR>
+                      <a:noFill/>
+                    </a:lnR>
+                    <a:lnT>
+                      <a:noFill/>
+                    </a:lnT>
+                    <a:lnB>
+                      <a:noFill/>
+                    </a:lnB>
+                    <a:noFill/>
+                  </a:tcPr>
+                </a:tc>
+                <a:tc>
+                  <a:txBody>
+                    <a:bodyPr/>
+                    <a:lstStyle/>
+                    <a:p>
+                      <a:pPr>
+                        <a:buNone/>
+                      </a:pPr>
+                      <a:r>
+                        <a:rPr lang="fr-FR" sz="1400" dirty="0">
+                          <a:solidFill>
+                            <a:schemeClr val="accent6">
+                              <a:lumMod val="75000"/>
+                            </a:schemeClr>
+                          </a:solidFill>
+                        </a:rPr>
+                        <a:t>25 </a:t>
+                      </a:r>
+                      <a:r>
+                        <a:rPr lang="fr-FR" sz="1400" dirty="0">
+                          <a:solidFill>
+                            <a:srgbClr val="FF0000"/>
+                          </a:solidFill>
+                        </a:rPr>
+                        <a:t>25</a:t>
+                      </a:r>
+                    </a:p>
+                  </a:txBody>
+                  <a:tcPr anchor="ctr">
+                    <a:lnL>
+                      <a:noFill/>
+                    </a:lnL>
+                    <a:lnR>
+                      <a:noFill/>
+                    </a:lnR>
+                    <a:lnT>
+                      <a:noFill/>
+                    </a:lnT>
+                    <a:lnB>
+                      <a:noFill/>
+                    </a:lnB>
+                    <a:noFill/>
+                  </a:tcPr>
+                </a:tc>
+                <a:tc>
+                  <a:txBody>
+                    <a:bodyPr/>
+                    <a:lstStyle/>
+                    <a:p>
+                      <a:pPr>
+                        <a:buNone/>
+                      </a:pPr>
+                      <a:r>
+                        <a:rPr lang="fr-FR" sz="1400" dirty="0">
+                          <a:solidFill>
+                            <a:srgbClr val="FF0000"/>
+                          </a:solidFill>
+                        </a:rPr>
+                        <a:t>30k</a:t>
+                      </a:r>
+                    </a:p>
+                  </a:txBody>
+                  <a:tcPr anchor="ctr">
+                    <a:lnL>
+                      <a:noFill/>
+                    </a:lnL>
+                    <a:lnR>
+                      <a:noFill/>
+                    </a:lnR>
+                    <a:lnT>
+                      <a:noFill/>
+                    </a:lnT>
+                    <a:lnB>
+                      <a:noFill/>
+                    </a:lnB>
+                    <a:noFill/>
+                  </a:tcPr>
+                </a:tc>
+                <a:tc>
+                  <a:txBody>
+                    <a:bodyPr/>
+                    <a:lstStyle/>
+                    <a:p>
+                      <a:pPr>
+                        <a:buNone/>
+                      </a:pPr>
+                      <a:r>
+                        <a:rPr lang="fr-FR" sz="1400" dirty="0">
+                          <a:solidFill>
+                            <a:srgbClr val="FF0000"/>
+                          </a:solidFill>
+                        </a:rPr>
+                        <a:t>Paris</a:t>
+                      </a:r>
+                    </a:p>
+                  </a:txBody>
+                  <a:tcPr anchor="ctr">
+                    <a:lnL>
+                      <a:noFill/>
+                    </a:lnL>
+                    <a:lnR>
+                      <a:noFill/>
+                    </a:lnR>
+                    <a:lnT>
+                      <a:noFill/>
+                    </a:lnT>
+                    <a:lnB>
+                      <a:noFill/>
+                    </a:lnB>
+                    <a:noFill/>
+                  </a:tcPr>
+                </a:tc>
+                <a:tc>
+                  <a:txBody>
+                    <a:bodyPr/>
+                    <a:lstStyle/>
+                    <a:p>
+                      <a:pPr>
+                        <a:buNone/>
+                      </a:pPr>
+                      <a:r>
+                        <a:rPr lang="fr-FR" sz="1400" dirty="0">
+                          <a:solidFill>
+                            <a:schemeClr val="tx1"/>
+                          </a:solidFill>
+                        </a:rPr>
+                        <a:t>0</a:t>
+                      </a:r>
+                    </a:p>
+                  </a:txBody>
+                  <a:tcPr anchor="ctr">
+                    <a:lnL>
+                      <a:noFill/>
+                    </a:lnL>
+                    <a:lnR>
+                      <a:noFill/>
+                    </a:lnR>
+                    <a:lnT>
+                      <a:noFill/>
+                    </a:lnT>
+                    <a:lnB>
+                      <a:noFill/>
+                    </a:lnB>
+                    <a:noFill/>
+                  </a:tcPr>
+                </a:tc>
+                <a:extLst>
+                  <a:ext uri="{0D108BD9-81ED-4DB2-BD59-A6C34878D82A}">
+                    <a16:rowId xmlns:a16="http://schemas.microsoft.com/office/drawing/2014/main" val="1310547654"/>
+                  </a:ext>
+                </a:extLst>
+              </a:tr>
+              <a:tr h="472208">
+                <a:tc>
+                  <a:txBody>
+                    <a:bodyPr/>
+                    <a:lstStyle/>
+                    <a:p>
+                      <a:pPr>
+                        <a:buNone/>
+                      </a:pPr>
+                      <a:r>
+                        <a:rPr lang="fr-FR" sz="1400" dirty="0"/>
+                        <a:t>2</a:t>
+                      </a:r>
+                    </a:p>
+                  </a:txBody>
+                  <a:tcPr anchor="ctr">
+                    <a:lnL>
+                      <a:noFill/>
+                    </a:lnL>
+                    <a:lnR>
+                      <a:noFill/>
+                    </a:lnR>
+                    <a:lnT>
+                      <a:noFill/>
+                    </a:lnT>
+                    <a:lnB>
+                      <a:noFill/>
+                    </a:lnB>
+                    <a:noFill/>
+                  </a:tcPr>
+                </a:tc>
+                <a:tc>
+                  <a:txBody>
+                    <a:bodyPr/>
+                    <a:lstStyle/>
+                    <a:p>
+                      <a:pPr>
+                        <a:buNone/>
+                      </a:pPr>
+                      <a:r>
+                        <a:rPr lang="fr-FR" sz="1400" dirty="0">
+                          <a:solidFill>
+                            <a:schemeClr val="accent6">
+                              <a:lumMod val="75000"/>
+                            </a:schemeClr>
+                          </a:solidFill>
+                        </a:rPr>
+                        <a:t>40</a:t>
+                      </a:r>
+                    </a:p>
+                  </a:txBody>
+                  <a:tcPr anchor="ctr">
+                    <a:lnL>
+                      <a:noFill/>
+                    </a:lnL>
+                    <a:lnR>
+                      <a:noFill/>
+                    </a:lnR>
+                    <a:lnT>
+                      <a:noFill/>
+                    </a:lnT>
+                    <a:lnB>
+                      <a:noFill/>
+                    </a:lnB>
+                    <a:noFill/>
+                  </a:tcPr>
+                </a:tc>
+                <a:tc>
+                  <a:txBody>
+                    <a:bodyPr/>
+                    <a:lstStyle/>
+                    <a:p>
+                      <a:pPr>
+                        <a:buNone/>
+                      </a:pPr>
+                      <a:r>
+                        <a:rPr lang="fr-FR" sz="1400" dirty="0"/>
+                        <a:t>70k</a:t>
+                      </a:r>
+                    </a:p>
+                  </a:txBody>
+                  <a:tcPr anchor="ctr">
+                    <a:lnL>
+                      <a:noFill/>
+                    </a:lnL>
+                    <a:lnR>
+                      <a:noFill/>
+                    </a:lnR>
+                    <a:lnT>
+                      <a:noFill/>
+                    </a:lnT>
+                    <a:lnB>
+                      <a:noFill/>
+                    </a:lnB>
+                    <a:noFill/>
+                  </a:tcPr>
+                </a:tc>
+                <a:tc>
+                  <a:txBody>
+                    <a:bodyPr/>
+                    <a:lstStyle/>
+                    <a:p>
+                      <a:pPr>
+                        <a:buNone/>
+                      </a:pPr>
+                      <a:r>
+                        <a:rPr lang="fr-FR" sz="1400"/>
+                        <a:t>Lyon</a:t>
+                      </a:r>
+                    </a:p>
+                  </a:txBody>
+                  <a:tcPr anchor="ctr">
+                    <a:lnL>
+                      <a:noFill/>
+                    </a:lnL>
+                    <a:lnR>
+                      <a:noFill/>
+                    </a:lnR>
+                    <a:lnT>
+                      <a:noFill/>
+                    </a:lnT>
+                    <a:lnB>
+                      <a:noFill/>
+                    </a:lnB>
+                    <a:noFill/>
+                  </a:tcPr>
+                </a:tc>
+                <a:tc>
+                  <a:txBody>
+                    <a:bodyPr/>
+                    <a:lstStyle/>
+                    <a:p>
+                      <a:pPr>
+                        <a:buNone/>
+                      </a:pPr>
+                      <a:r>
+                        <a:rPr lang="fr-FR" sz="1400"/>
+                        <a:t>1</a:t>
+                      </a:r>
+                    </a:p>
+                  </a:txBody>
+                  <a:tcPr anchor="ctr">
+                    <a:lnL>
+                      <a:noFill/>
+                    </a:lnL>
+                    <a:lnR>
+                      <a:noFill/>
+                    </a:lnR>
+                    <a:lnT>
+                      <a:noFill/>
+                    </a:lnT>
+                    <a:lnB>
+                      <a:noFill/>
+                    </a:lnB>
+                    <a:noFill/>
+                  </a:tcPr>
+                </a:tc>
+                <a:extLst>
+                  <a:ext uri="{0D108BD9-81ED-4DB2-BD59-A6C34878D82A}">
+                    <a16:rowId xmlns:a16="http://schemas.microsoft.com/office/drawing/2014/main" val="803882572"/>
+                  </a:ext>
+                </a:extLst>
+              </a:tr>
+              <a:tr h="472208">
+                <a:tc>
+                  <a:txBody>
+                    <a:bodyPr/>
+                    <a:lstStyle/>
+                    <a:p>
+                      <a:pPr>
+                        <a:buNone/>
+                      </a:pPr>
+                      <a:r>
+                        <a:rPr lang="fr-FR" sz="1400" dirty="0"/>
+                        <a:t>3</a:t>
+                      </a:r>
+                    </a:p>
+                  </a:txBody>
+                  <a:tcPr anchor="ctr">
+                    <a:lnL>
+                      <a:noFill/>
+                    </a:lnL>
+                    <a:lnR>
+                      <a:noFill/>
+                    </a:lnR>
+                    <a:lnT>
+                      <a:noFill/>
+                    </a:lnT>
+                    <a:lnB>
+                      <a:noFill/>
+                    </a:lnB>
+                    <a:noFill/>
+                  </a:tcPr>
+                </a:tc>
+                <a:tc>
+                  <a:txBody>
+                    <a:bodyPr/>
+                    <a:lstStyle/>
+                    <a:p>
+                      <a:pPr>
+                        <a:buNone/>
+                      </a:pPr>
+                      <a:r>
+                        <a:rPr lang="fr-FR" sz="1400" dirty="0">
+                          <a:solidFill>
+                            <a:schemeClr val="accent6">
+                              <a:lumMod val="75000"/>
+                            </a:schemeClr>
+                          </a:solidFill>
+                        </a:rPr>
+                        <a:t>32</a:t>
+                      </a:r>
+                    </a:p>
+                  </a:txBody>
+                  <a:tcPr anchor="ctr">
+                    <a:lnL>
+                      <a:noFill/>
+                    </a:lnL>
+                    <a:lnR>
+                      <a:noFill/>
+                    </a:lnR>
+                    <a:lnT>
+                      <a:noFill/>
+                    </a:lnT>
+                    <a:lnB>
+                      <a:noFill/>
+                    </a:lnB>
+                    <a:noFill/>
+                  </a:tcPr>
+                </a:tc>
+                <a:tc>
+                  <a:txBody>
+                    <a:bodyPr/>
+                    <a:lstStyle/>
+                    <a:p>
+                      <a:pPr>
+                        <a:buNone/>
+                      </a:pPr>
+                      <a:r>
+                        <a:rPr lang="fr-FR" sz="1400" dirty="0"/>
+                        <a:t>50k</a:t>
+                      </a:r>
+                    </a:p>
+                  </a:txBody>
+                  <a:tcPr anchor="ctr">
+                    <a:lnL>
+                      <a:noFill/>
+                    </a:lnL>
+                    <a:lnR>
+                      <a:noFill/>
+                    </a:lnR>
+                    <a:lnT>
+                      <a:noFill/>
+                    </a:lnT>
+                    <a:lnB>
+                      <a:noFill/>
+                    </a:lnB>
+                    <a:noFill/>
+                  </a:tcPr>
+                </a:tc>
+                <a:tc>
+                  <a:txBody>
+                    <a:bodyPr/>
+                    <a:lstStyle/>
+                    <a:p>
+                      <a:pPr>
+                        <a:buNone/>
+                      </a:pPr>
+                      <a:r>
+                        <a:rPr lang="fr-FR" sz="1400"/>
+                        <a:t>Paris</a:t>
+                      </a:r>
+                    </a:p>
+                  </a:txBody>
+                  <a:tcPr anchor="ctr">
+                    <a:lnL>
+                      <a:noFill/>
+                    </a:lnL>
+                    <a:lnR>
+                      <a:noFill/>
+                    </a:lnR>
+                    <a:lnT>
+                      <a:noFill/>
+                    </a:lnT>
+                    <a:lnB>
+                      <a:noFill/>
+                    </a:lnB>
+                    <a:noFill/>
+                  </a:tcPr>
+                </a:tc>
+                <a:tc>
+                  <a:txBody>
+                    <a:bodyPr/>
+                    <a:lstStyle/>
+                    <a:p>
+                      <a:pPr>
+                        <a:buNone/>
+                      </a:pPr>
+                      <a:r>
+                        <a:rPr lang="fr-FR" sz="1400" dirty="0"/>
+                        <a:t>0</a:t>
+                      </a:r>
+                    </a:p>
+                    <a:p>
+                      <a:pPr>
+                        <a:buNone/>
+                      </a:pPr>
+                      <a:endParaRPr lang="fr-FR" sz="1400" dirty="0"/>
+                    </a:p>
+                  </a:txBody>
+                  <a:tcPr anchor="ctr">
+                    <a:lnL>
+                      <a:noFill/>
+                    </a:lnL>
+                    <a:lnR>
+                      <a:noFill/>
+                    </a:lnR>
+                    <a:lnT>
+                      <a:noFill/>
+                    </a:lnT>
+                    <a:lnB>
+                      <a:noFill/>
+                    </a:lnB>
+                    <a:noFill/>
+                  </a:tcPr>
+                </a:tc>
+                <a:extLst>
+                  <a:ext uri="{0D108BD9-81ED-4DB2-BD59-A6C34878D82A}">
+                    <a16:rowId xmlns:a16="http://schemas.microsoft.com/office/drawing/2014/main" val="2924117134"/>
+                  </a:ext>
+                </a:extLst>
+              </a:tr>
+            </a:tbl>
+          </a:graphicData>
+        </a:graphic>
+      </p:graphicFrame>
+      <p:sp>
+        <p:nvSpPr>
+          <p:cNvPr id="5" name="ZoneTexte 4">
+            <a:extLst>
+              <a:ext uri="{FF2B5EF4-FFF2-40B4-BE49-F238E27FC236}">
+                <a16:creationId xmlns:a16="http://schemas.microsoft.com/office/drawing/2014/main" id="{94874860-BDEF-5F79-FBA1-33884DEFFED3}"/>
+              </a:ext>
+            </a:extLst>
+          </p:cNvPr>
+          <p:cNvSpPr txBox="1"/>
           <p:nvPr/>
-        </p:nvPicPr>
-        <p:blipFill>
-          <a:blip r:embed="rId2"/>
-          <a:stretch>
-            <a:fillRect/>
-          </a:stretch>
-        </p:blipFill>
+        </p:nvSpPr>
         <p:spPr>
           <a:xfrm>
-            <a:off x="1549191" y="4175147"/>
-            <a:ext cx="9288171" cy="647790"/>
+            <a:off x="635000" y="4445000"/>
+            <a:ext cx="10985500" cy="1199816"/>
           </a:xfrm>
           <a:prstGeom prst="rect">
             <a:avLst/>
           </a:prstGeom>
+          <a:noFill/>
         </p:spPr>
-      </p:pic>
+        <p:txBody>
+          <a:bodyPr wrap="square" rtlCol="0">
+            <a:spAutoFit/>
+          </a:bodyPr>
+          <a:lstStyle/>
+          <a:p>
+            <a:r>
+              <a:rPr lang="fr-FR" sz="1400" dirty="0"/>
+              <a:t>Bagging (</a:t>
+            </a:r>
+            <a:r>
+              <a:rPr lang="fr-FR" sz="1400" dirty="0" err="1"/>
+              <a:t>random</a:t>
+            </a:r>
+            <a:r>
+              <a:rPr lang="fr-FR" sz="1400" dirty="0"/>
+              <a:t> </a:t>
+            </a:r>
+            <a:r>
+              <a:rPr lang="fr-FR" sz="1400" dirty="0" err="1"/>
+              <a:t>only</a:t>
+            </a:r>
+            <a:r>
+              <a:rPr lang="fr-FR" sz="1400" dirty="0"/>
+              <a:t> on </a:t>
+            </a:r>
+            <a:r>
+              <a:rPr lang="fr-FR" sz="1400" dirty="0" err="1"/>
+              <a:t>individuals</a:t>
+            </a:r>
+            <a:r>
+              <a:rPr lang="fr-FR" sz="1400" dirty="0"/>
+              <a:t>):  </a:t>
+            </a:r>
+            <a:r>
+              <a:rPr lang="fr-FR" sz="1400" dirty="0" err="1"/>
+              <a:t>we</a:t>
+            </a:r>
+            <a:r>
+              <a:rPr lang="fr-FR" sz="1400" dirty="0"/>
+              <a:t> drag </a:t>
+            </a:r>
+            <a:r>
+              <a:rPr lang="fr-FR" sz="1400" dirty="0" err="1"/>
+              <a:t>individuals</a:t>
+            </a:r>
+            <a:r>
+              <a:rPr lang="fr-FR" sz="1400" dirty="0"/>
+              <a:t> </a:t>
+            </a:r>
+            <a:r>
+              <a:rPr lang="fr-FR" sz="1400" dirty="0" err="1"/>
+              <a:t>randomly</a:t>
+            </a:r>
+            <a:r>
+              <a:rPr lang="fr-FR" sz="1400" dirty="0"/>
+              <a:t> </a:t>
+            </a:r>
+            <a:r>
+              <a:rPr lang="fr-FR" sz="1400" dirty="0" err="1"/>
+              <a:t>with</a:t>
+            </a:r>
+            <a:r>
+              <a:rPr lang="fr-FR" sz="1400" dirty="0"/>
+              <a:t> replacement. Example : </a:t>
+            </a:r>
+            <a:r>
+              <a:rPr lang="fr-FR" sz="1400" dirty="0" err="1"/>
+              <a:t>Take</a:t>
+            </a:r>
+            <a:r>
+              <a:rPr lang="fr-FR" sz="1400" dirty="0"/>
+              <a:t> I1 one time / I2 3 times (</a:t>
+            </a:r>
+            <a:r>
+              <a:rPr lang="fr-FR" sz="1400" dirty="0" err="1"/>
+              <a:t>bootstrapped</a:t>
+            </a:r>
+            <a:r>
+              <a:rPr lang="fr-FR" sz="1400" dirty="0"/>
+              <a:t> </a:t>
+            </a:r>
+            <a:r>
+              <a:rPr lang="fr-FR" sz="1400" dirty="0" err="1"/>
+              <a:t>dataset</a:t>
+            </a:r>
+            <a:r>
+              <a:rPr lang="fr-FR" sz="1400" dirty="0"/>
+              <a:t>) / all the </a:t>
+            </a:r>
+            <a:r>
+              <a:rPr lang="fr-FR" sz="1400" dirty="0" err="1"/>
+              <a:t>features</a:t>
+            </a:r>
+            <a:r>
+              <a:rPr lang="fr-FR" sz="1400" dirty="0"/>
+              <a:t> are </a:t>
+            </a:r>
+            <a:r>
+              <a:rPr lang="fr-FR" sz="1400" dirty="0" err="1"/>
+              <a:t>always</a:t>
+            </a:r>
+            <a:r>
+              <a:rPr lang="fr-FR" sz="1400" dirty="0"/>
+              <a:t> </a:t>
+            </a:r>
+            <a:r>
+              <a:rPr lang="fr-FR" sz="1400" dirty="0" err="1"/>
+              <a:t>considered</a:t>
+            </a:r>
+            <a:r>
+              <a:rPr lang="fr-FR" sz="1400" dirty="0"/>
+              <a:t> to </a:t>
+            </a:r>
+            <a:r>
+              <a:rPr lang="fr-FR" sz="1400" dirty="0" err="1"/>
+              <a:t>build</a:t>
+            </a:r>
+            <a:r>
+              <a:rPr lang="fr-FR" sz="1400" dirty="0"/>
+              <a:t> the </a:t>
+            </a:r>
+            <a:r>
+              <a:rPr lang="fr-FR" sz="1400" dirty="0" err="1"/>
+              <a:t>tree</a:t>
+            </a:r>
+            <a:r>
+              <a:rPr lang="fr-FR" sz="1400" dirty="0"/>
+              <a:t> and </a:t>
+            </a:r>
+            <a:r>
+              <a:rPr lang="fr-FR" sz="1400" dirty="0" err="1"/>
+              <a:t>find</a:t>
+            </a:r>
+            <a:r>
+              <a:rPr lang="fr-FR" sz="1400" dirty="0"/>
+              <a:t> </a:t>
+            </a:r>
+            <a:r>
+              <a:rPr lang="fr-FR" sz="1400" dirty="0" err="1"/>
+              <a:t>better</a:t>
+            </a:r>
+            <a:r>
+              <a:rPr lang="fr-FR" sz="1400" dirty="0"/>
+              <a:t> split</a:t>
+            </a:r>
+          </a:p>
+          <a:p>
+            <a:endParaRPr lang="fr-FR" sz="1400" dirty="0"/>
+          </a:p>
+          <a:p>
+            <a:r>
+              <a:rPr lang="fr-FR" sz="1400" dirty="0" err="1"/>
+              <a:t>Random</a:t>
+            </a:r>
+            <a:r>
+              <a:rPr lang="fr-FR" sz="1400" dirty="0"/>
+              <a:t> Forest : </a:t>
+            </a:r>
+            <a:r>
+              <a:rPr lang="fr-FR" sz="1400" dirty="0" err="1"/>
+              <a:t>Same</a:t>
+            </a:r>
+            <a:r>
+              <a:rPr lang="fr-FR" sz="1400" dirty="0"/>
+              <a:t> but at </a:t>
+            </a:r>
+            <a:r>
+              <a:rPr lang="fr-FR" sz="1400" dirty="0" err="1"/>
+              <a:t>each</a:t>
+            </a:r>
+            <a:r>
+              <a:rPr lang="fr-FR" sz="1400" dirty="0"/>
+              <a:t> </a:t>
+            </a:r>
+            <a:r>
+              <a:rPr lang="fr-FR" sz="1400" dirty="0" err="1"/>
+              <a:t>nodes</a:t>
+            </a:r>
+            <a:r>
+              <a:rPr lang="fr-FR" sz="1400" dirty="0"/>
+              <a:t> </a:t>
+            </a:r>
+            <a:r>
+              <a:rPr lang="fr-FR" sz="1400" dirty="0" err="1"/>
+              <a:t>we</a:t>
+            </a:r>
+            <a:r>
+              <a:rPr lang="fr-FR" sz="1400" dirty="0"/>
+              <a:t> </a:t>
+            </a:r>
+            <a:r>
+              <a:rPr lang="fr-FR" sz="1400" dirty="0" err="1"/>
+              <a:t>only</a:t>
+            </a:r>
+            <a:r>
+              <a:rPr lang="fr-FR" sz="1400" dirty="0"/>
+              <a:t> </a:t>
+            </a:r>
+            <a:r>
+              <a:rPr lang="fr-FR" sz="1400" dirty="0" err="1"/>
+              <a:t>see</a:t>
+            </a:r>
+            <a:r>
+              <a:rPr lang="fr-FR" sz="1400" dirty="0"/>
+              <a:t> Age/ Revenu or Ville/ Revenu information </a:t>
+            </a:r>
+          </a:p>
+          <a:p>
+            <a:r>
+              <a:rPr lang="fr-FR" sz="1400" dirty="0"/>
+              <a:t> </a:t>
+            </a:r>
+          </a:p>
+        </p:txBody>
+      </p:sp>
+      <p:sp>
+        <p:nvSpPr>
+          <p:cNvPr id="6" name="ZoneTexte 5">
+            <a:extLst>
+              <a:ext uri="{FF2B5EF4-FFF2-40B4-BE49-F238E27FC236}">
+                <a16:creationId xmlns:a16="http://schemas.microsoft.com/office/drawing/2014/main" id="{A3A55147-2349-99A6-A8A1-0DCF3325DFA5}"/>
+              </a:ext>
+            </a:extLst>
+          </p:cNvPr>
+          <p:cNvSpPr txBox="1"/>
+          <p:nvPr/>
+        </p:nvSpPr>
+        <p:spPr>
+          <a:xfrm>
+            <a:off x="190500" y="304800"/>
+            <a:ext cx="2044700" cy="430887"/>
+          </a:xfrm>
+          <a:prstGeom prst="rect">
+            <a:avLst/>
+          </a:prstGeom>
+          <a:noFill/>
+        </p:spPr>
+        <p:txBody>
+          <a:bodyPr wrap="square" rtlCol="0">
+            <a:spAutoFit/>
+          </a:bodyPr>
+          <a:lstStyle/>
+          <a:p>
+            <a:r>
+              <a:rPr lang="fr-FR" sz="1050" dirty="0">
+                <a:highlight>
+                  <a:srgbClr val="FFFF00"/>
+                </a:highlight>
+              </a:rPr>
+              <a:t>Exemple d’arbre trop sensible aux données d’entrées </a:t>
+            </a:r>
+          </a:p>
+        </p:txBody>
+      </p:sp>
     </p:spTree>
     <p:extLst>
       <p:ext uri="{BB962C8B-B14F-4D97-AF65-F5344CB8AC3E}">
-        <p14:creationId xmlns:p14="http://schemas.microsoft.com/office/powerpoint/2010/main" val="2584178817"/>
+        <p14:creationId xmlns:p14="http://schemas.microsoft.com/office/powerpoint/2010/main" val="3934322309"/>
       </p:ext>
     </p:extLst>
   </p:cSld>
@@ -3815,6 +7393,12 @@
               <a:rPr lang="fr-FR" sz="1800" dirty="0"/>
               <a:t>)</a:t>
             </a:r>
+          </a:p>
+          <a:p>
+            <a:pPr marL="0" indent="0">
+              <a:buNone/>
+            </a:pPr>
+            <a:endParaRPr lang="fr-FR" sz="1800" dirty="0"/>
           </a:p>
           <a:p>
             <a:endParaRPr lang="fr-FR" sz="1800" dirty="0"/>
@@ -5543,7 +9127,7 @@
         </p:blipFill>
         <p:spPr>
           <a:xfrm>
-            <a:off x="6051550" y="302304"/>
+            <a:off x="8288236" y="139701"/>
             <a:ext cx="3021114" cy="2453769"/>
           </a:xfrm>
           <a:prstGeom prst="rect">
@@ -6268,6 +9852,970 @@
           <p:cNvPr id="2" name="Titre 1">
             <a:extLst>
               <a:ext uri="{FF2B5EF4-FFF2-40B4-BE49-F238E27FC236}">
+                <a16:creationId xmlns:a16="http://schemas.microsoft.com/office/drawing/2014/main" id="{E46D108D-7F83-C426-4DB6-E1C50B15845B}"/>
+              </a:ext>
+            </a:extLst>
+          </p:cNvPr>
+          <p:cNvSpPr>
+            <a:spLocks noGrp="1"/>
+          </p:cNvSpPr>
+          <p:nvPr>
+            <p:ph type="title"/>
+          </p:nvPr>
+        </p:nvSpPr>
+        <p:spPr/>
+        <p:txBody>
+          <a:bodyPr/>
+          <a:lstStyle/>
+          <a:p>
+            <a:r>
+              <a:rPr lang="fr-FR" dirty="0"/>
+              <a:t>Construction de l’arbre (Exemple concret)</a:t>
+            </a:r>
+          </a:p>
+        </p:txBody>
+      </p:sp>
+      <p:graphicFrame>
+        <p:nvGraphicFramePr>
+          <p:cNvPr id="4" name="Espace réservé du contenu 3">
+            <a:extLst>
+              <a:ext uri="{FF2B5EF4-FFF2-40B4-BE49-F238E27FC236}">
+                <a16:creationId xmlns:a16="http://schemas.microsoft.com/office/drawing/2014/main" id="{68F6B543-1604-0615-E1BF-A7EFFD5CBC88}"/>
+              </a:ext>
+            </a:extLst>
+          </p:cNvPr>
+          <p:cNvGraphicFramePr>
+            <a:graphicFrameLocks noGrp="1"/>
+          </p:cNvGraphicFramePr>
+          <p:nvPr>
+            <p:ph idx="1"/>
+            <p:extLst>
+              <p:ext uri="{D42A27DB-BD31-4B8C-83A1-F6EECF244321}">
+                <p14:modId xmlns:p14="http://schemas.microsoft.com/office/powerpoint/2010/main" val="1638067810"/>
+              </p:ext>
+            </p:extLst>
+          </p:nvPr>
+        </p:nvGraphicFramePr>
+        <p:xfrm>
+          <a:off x="3028950" y="1465336"/>
+          <a:ext cx="6902450" cy="1493520"/>
+        </p:xfrm>
+        <a:graphic>
+          <a:graphicData uri="http://schemas.openxmlformats.org/drawingml/2006/table">
+            <a:tbl>
+              <a:tblPr/>
+              <a:tblGrid>
+                <a:gridCol w="3451225">
+                  <a:extLst>
+                    <a:ext uri="{9D8B030D-6E8A-4147-A177-3AD203B41FA5}">
+                      <a16:colId xmlns:a16="http://schemas.microsoft.com/office/drawing/2014/main" val="3087377152"/>
+                    </a:ext>
+                  </a:extLst>
+                </a:gridCol>
+                <a:gridCol w="3451225">
+                  <a:extLst>
+                    <a:ext uri="{9D8B030D-6E8A-4147-A177-3AD203B41FA5}">
+                      <a16:colId xmlns:a16="http://schemas.microsoft.com/office/drawing/2014/main" val="592274631"/>
+                    </a:ext>
+                  </a:extLst>
+                </a:gridCol>
+              </a:tblGrid>
+              <a:tr h="167051">
+                <a:tc>
+                  <a:txBody>
+                    <a:bodyPr/>
+                    <a:lstStyle/>
+                    <a:p>
+                      <a:pPr>
+                        <a:buNone/>
+                      </a:pPr>
+                      <a:r>
+                        <a:rPr lang="fr-FR" sz="800"/>
+                        <a:t>Âge</a:t>
+                      </a:r>
+                    </a:p>
+                  </a:txBody>
+                  <a:tcPr anchor="ctr">
+                    <a:lnL>
+                      <a:noFill/>
+                    </a:lnL>
+                    <a:lnR>
+                      <a:noFill/>
+                    </a:lnR>
+                    <a:lnT>
+                      <a:noFill/>
+                    </a:lnT>
+                    <a:lnB>
+                      <a:noFill/>
+                    </a:lnB>
+                    <a:noFill/>
+                  </a:tcPr>
+                </a:tc>
+                <a:tc>
+                  <a:txBody>
+                    <a:bodyPr/>
+                    <a:lstStyle/>
+                    <a:p>
+                      <a:pPr>
+                        <a:buNone/>
+                      </a:pPr>
+                      <a:r>
+                        <a:rPr lang="fr-FR" sz="800"/>
+                        <a:t>y</a:t>
+                      </a:r>
+                    </a:p>
+                  </a:txBody>
+                  <a:tcPr anchor="ctr">
+                    <a:lnL>
+                      <a:noFill/>
+                    </a:lnL>
+                    <a:lnR>
+                      <a:noFill/>
+                    </a:lnR>
+                    <a:lnT>
+                      <a:noFill/>
+                    </a:lnT>
+                    <a:lnB>
+                      <a:noFill/>
+                    </a:lnB>
+                    <a:noFill/>
+                  </a:tcPr>
+                </a:tc>
+                <a:extLst>
+                  <a:ext uri="{0D108BD9-81ED-4DB2-BD59-A6C34878D82A}">
+                    <a16:rowId xmlns:a16="http://schemas.microsoft.com/office/drawing/2014/main" val="2803748581"/>
+                  </a:ext>
+                </a:extLst>
+              </a:tr>
+              <a:tr h="131967">
+                <a:tc>
+                  <a:txBody>
+                    <a:bodyPr/>
+                    <a:lstStyle/>
+                    <a:p>
+                      <a:pPr>
+                        <a:buNone/>
+                      </a:pPr>
+                      <a:r>
+                        <a:rPr lang="fr-FR" sz="800" dirty="0"/>
+                        <a:t>20</a:t>
+                      </a:r>
+                    </a:p>
+                  </a:txBody>
+                  <a:tcPr anchor="ctr">
+                    <a:lnL>
+                      <a:noFill/>
+                    </a:lnL>
+                    <a:lnR>
+                      <a:noFill/>
+                    </a:lnR>
+                    <a:lnT>
+                      <a:noFill/>
+                    </a:lnT>
+                    <a:lnB>
+                      <a:noFill/>
+                    </a:lnB>
+                    <a:noFill/>
+                  </a:tcPr>
+                </a:tc>
+                <a:tc>
+                  <a:txBody>
+                    <a:bodyPr/>
+                    <a:lstStyle/>
+                    <a:p>
+                      <a:pPr>
+                        <a:buNone/>
+                      </a:pPr>
+                      <a:r>
+                        <a:rPr lang="fr-FR" sz="800"/>
+                        <a:t>0</a:t>
+                      </a:r>
+                    </a:p>
+                  </a:txBody>
+                  <a:tcPr anchor="ctr">
+                    <a:lnL>
+                      <a:noFill/>
+                    </a:lnL>
+                    <a:lnR>
+                      <a:noFill/>
+                    </a:lnR>
+                    <a:lnT>
+                      <a:noFill/>
+                    </a:lnT>
+                    <a:lnB>
+                      <a:noFill/>
+                    </a:lnB>
+                    <a:noFill/>
+                  </a:tcPr>
+                </a:tc>
+                <a:extLst>
+                  <a:ext uri="{0D108BD9-81ED-4DB2-BD59-A6C34878D82A}">
+                    <a16:rowId xmlns:a16="http://schemas.microsoft.com/office/drawing/2014/main" val="3459905296"/>
+                  </a:ext>
+                </a:extLst>
+              </a:tr>
+              <a:tr h="131967">
+                <a:tc>
+                  <a:txBody>
+                    <a:bodyPr/>
+                    <a:lstStyle/>
+                    <a:p>
+                      <a:pPr>
+                        <a:buNone/>
+                      </a:pPr>
+                      <a:r>
+                        <a:rPr lang="fr-FR" sz="800"/>
+                        <a:t>22</a:t>
+                      </a:r>
+                    </a:p>
+                  </a:txBody>
+                  <a:tcPr anchor="ctr">
+                    <a:lnL>
+                      <a:noFill/>
+                    </a:lnL>
+                    <a:lnR>
+                      <a:noFill/>
+                    </a:lnR>
+                    <a:lnT>
+                      <a:noFill/>
+                    </a:lnT>
+                    <a:lnB>
+                      <a:noFill/>
+                    </a:lnB>
+                    <a:noFill/>
+                  </a:tcPr>
+                </a:tc>
+                <a:tc>
+                  <a:txBody>
+                    <a:bodyPr/>
+                    <a:lstStyle/>
+                    <a:p>
+                      <a:pPr>
+                        <a:buNone/>
+                      </a:pPr>
+                      <a:r>
+                        <a:rPr lang="fr-FR" sz="800"/>
+                        <a:t>0</a:t>
+                      </a:r>
+                    </a:p>
+                  </a:txBody>
+                  <a:tcPr anchor="ctr">
+                    <a:lnL>
+                      <a:noFill/>
+                    </a:lnL>
+                    <a:lnR>
+                      <a:noFill/>
+                    </a:lnR>
+                    <a:lnT>
+                      <a:noFill/>
+                    </a:lnT>
+                    <a:lnB>
+                      <a:noFill/>
+                    </a:lnB>
+                    <a:noFill/>
+                  </a:tcPr>
+                </a:tc>
+                <a:extLst>
+                  <a:ext uri="{0D108BD9-81ED-4DB2-BD59-A6C34878D82A}">
+                    <a16:rowId xmlns:a16="http://schemas.microsoft.com/office/drawing/2014/main" val="1757818362"/>
+                  </a:ext>
+                </a:extLst>
+              </a:tr>
+              <a:tr h="131967">
+                <a:tc>
+                  <a:txBody>
+                    <a:bodyPr/>
+                    <a:lstStyle/>
+                    <a:p>
+                      <a:pPr>
+                        <a:buNone/>
+                      </a:pPr>
+                      <a:r>
+                        <a:rPr lang="fr-FR" sz="800" dirty="0"/>
+                        <a:t>25</a:t>
+                      </a:r>
+                    </a:p>
+                  </a:txBody>
+                  <a:tcPr anchor="ctr">
+                    <a:lnL>
+                      <a:noFill/>
+                    </a:lnL>
+                    <a:lnR>
+                      <a:noFill/>
+                    </a:lnR>
+                    <a:lnT>
+                      <a:noFill/>
+                    </a:lnT>
+                    <a:lnB>
+                      <a:noFill/>
+                    </a:lnB>
+                    <a:noFill/>
+                  </a:tcPr>
+                </a:tc>
+                <a:tc>
+                  <a:txBody>
+                    <a:bodyPr/>
+                    <a:lstStyle/>
+                    <a:p>
+                      <a:pPr>
+                        <a:buNone/>
+                      </a:pPr>
+                      <a:r>
+                        <a:rPr lang="fr-FR" sz="800"/>
+                        <a:t>0</a:t>
+                      </a:r>
+                    </a:p>
+                  </a:txBody>
+                  <a:tcPr anchor="ctr">
+                    <a:lnL>
+                      <a:noFill/>
+                    </a:lnL>
+                    <a:lnR>
+                      <a:noFill/>
+                    </a:lnR>
+                    <a:lnT>
+                      <a:noFill/>
+                    </a:lnT>
+                    <a:lnB>
+                      <a:noFill/>
+                    </a:lnB>
+                    <a:noFill/>
+                  </a:tcPr>
+                </a:tc>
+                <a:extLst>
+                  <a:ext uri="{0D108BD9-81ED-4DB2-BD59-A6C34878D82A}">
+                    <a16:rowId xmlns:a16="http://schemas.microsoft.com/office/drawing/2014/main" val="1339106322"/>
+                  </a:ext>
+                </a:extLst>
+              </a:tr>
+              <a:tr h="131967">
+                <a:tc>
+                  <a:txBody>
+                    <a:bodyPr/>
+                    <a:lstStyle/>
+                    <a:p>
+                      <a:pPr>
+                        <a:buNone/>
+                      </a:pPr>
+                      <a:r>
+                        <a:rPr lang="fr-FR" sz="800" dirty="0"/>
+                        <a:t>30</a:t>
+                      </a:r>
+                    </a:p>
+                  </a:txBody>
+                  <a:tcPr anchor="ctr">
+                    <a:lnL>
+                      <a:noFill/>
+                    </a:lnL>
+                    <a:lnR>
+                      <a:noFill/>
+                    </a:lnR>
+                    <a:lnT>
+                      <a:noFill/>
+                    </a:lnT>
+                    <a:lnB>
+                      <a:noFill/>
+                    </a:lnB>
+                    <a:noFill/>
+                  </a:tcPr>
+                </a:tc>
+                <a:tc>
+                  <a:txBody>
+                    <a:bodyPr/>
+                    <a:lstStyle/>
+                    <a:p>
+                      <a:pPr>
+                        <a:buNone/>
+                      </a:pPr>
+                      <a:r>
+                        <a:rPr lang="fr-FR" sz="800"/>
+                        <a:t>1</a:t>
+                      </a:r>
+                    </a:p>
+                  </a:txBody>
+                  <a:tcPr anchor="ctr">
+                    <a:lnL>
+                      <a:noFill/>
+                    </a:lnL>
+                    <a:lnR>
+                      <a:noFill/>
+                    </a:lnR>
+                    <a:lnT>
+                      <a:noFill/>
+                    </a:lnT>
+                    <a:lnB>
+                      <a:noFill/>
+                    </a:lnB>
+                    <a:noFill/>
+                  </a:tcPr>
+                </a:tc>
+                <a:extLst>
+                  <a:ext uri="{0D108BD9-81ED-4DB2-BD59-A6C34878D82A}">
+                    <a16:rowId xmlns:a16="http://schemas.microsoft.com/office/drawing/2014/main" val="2232937013"/>
+                  </a:ext>
+                </a:extLst>
+              </a:tr>
+              <a:tr h="131967">
+                <a:tc>
+                  <a:txBody>
+                    <a:bodyPr/>
+                    <a:lstStyle/>
+                    <a:p>
+                      <a:pPr>
+                        <a:buNone/>
+                      </a:pPr>
+                      <a:r>
+                        <a:rPr lang="fr-FR" sz="800"/>
+                        <a:t>35</a:t>
+                      </a:r>
+                    </a:p>
+                  </a:txBody>
+                  <a:tcPr anchor="ctr">
+                    <a:lnL>
+                      <a:noFill/>
+                    </a:lnL>
+                    <a:lnR>
+                      <a:noFill/>
+                    </a:lnR>
+                    <a:lnT>
+                      <a:noFill/>
+                    </a:lnT>
+                    <a:lnB>
+                      <a:noFill/>
+                    </a:lnB>
+                    <a:noFill/>
+                  </a:tcPr>
+                </a:tc>
+                <a:tc>
+                  <a:txBody>
+                    <a:bodyPr/>
+                    <a:lstStyle/>
+                    <a:p>
+                      <a:pPr>
+                        <a:buNone/>
+                      </a:pPr>
+                      <a:r>
+                        <a:rPr lang="fr-FR" sz="800" dirty="0"/>
+                        <a:t>1</a:t>
+                      </a:r>
+                    </a:p>
+                  </a:txBody>
+                  <a:tcPr anchor="ctr">
+                    <a:lnL>
+                      <a:noFill/>
+                    </a:lnL>
+                    <a:lnR>
+                      <a:noFill/>
+                    </a:lnR>
+                    <a:lnT>
+                      <a:noFill/>
+                    </a:lnT>
+                    <a:lnB>
+                      <a:noFill/>
+                    </a:lnB>
+                    <a:noFill/>
+                  </a:tcPr>
+                </a:tc>
+                <a:extLst>
+                  <a:ext uri="{0D108BD9-81ED-4DB2-BD59-A6C34878D82A}">
+                    <a16:rowId xmlns:a16="http://schemas.microsoft.com/office/drawing/2014/main" val="423780401"/>
+                  </a:ext>
+                </a:extLst>
+              </a:tr>
+              <a:tr h="131967">
+                <a:tc>
+                  <a:txBody>
+                    <a:bodyPr/>
+                    <a:lstStyle/>
+                    <a:p>
+                      <a:pPr>
+                        <a:buNone/>
+                      </a:pPr>
+                      <a:r>
+                        <a:rPr lang="fr-FR" sz="800"/>
+                        <a:t>40</a:t>
+                      </a:r>
+                    </a:p>
+                  </a:txBody>
+                  <a:tcPr anchor="ctr">
+                    <a:lnL>
+                      <a:noFill/>
+                    </a:lnL>
+                    <a:lnR>
+                      <a:noFill/>
+                    </a:lnR>
+                    <a:lnT>
+                      <a:noFill/>
+                    </a:lnT>
+                    <a:lnB>
+                      <a:noFill/>
+                    </a:lnB>
+                    <a:noFill/>
+                  </a:tcPr>
+                </a:tc>
+                <a:tc>
+                  <a:txBody>
+                    <a:bodyPr/>
+                    <a:lstStyle/>
+                    <a:p>
+                      <a:pPr>
+                        <a:buNone/>
+                      </a:pPr>
+                      <a:r>
+                        <a:rPr lang="fr-FR" sz="800" dirty="0"/>
+                        <a:t>1</a:t>
+                      </a:r>
+                    </a:p>
+                  </a:txBody>
+                  <a:tcPr anchor="ctr">
+                    <a:lnL>
+                      <a:noFill/>
+                    </a:lnL>
+                    <a:lnR>
+                      <a:noFill/>
+                    </a:lnR>
+                    <a:lnT>
+                      <a:noFill/>
+                    </a:lnT>
+                    <a:lnB>
+                      <a:noFill/>
+                    </a:lnB>
+                    <a:noFill/>
+                  </a:tcPr>
+                </a:tc>
+                <a:extLst>
+                  <a:ext uri="{0D108BD9-81ED-4DB2-BD59-A6C34878D82A}">
+                    <a16:rowId xmlns:a16="http://schemas.microsoft.com/office/drawing/2014/main" val="560634838"/>
+                  </a:ext>
+                </a:extLst>
+              </a:tr>
+            </a:tbl>
+          </a:graphicData>
+        </a:graphic>
+      </p:graphicFrame>
+      <p:pic>
+        <p:nvPicPr>
+          <p:cNvPr id="7" name="Image 6">
+            <a:extLst>
+              <a:ext uri="{FF2B5EF4-FFF2-40B4-BE49-F238E27FC236}">
+                <a16:creationId xmlns:a16="http://schemas.microsoft.com/office/drawing/2014/main" id="{6DFB4584-D52A-CBA2-C724-96C458E84792}"/>
+              </a:ext>
+            </a:extLst>
+          </p:cNvPr>
+          <p:cNvPicPr>
+            <a:picLocks noChangeAspect="1"/>
+          </p:cNvPicPr>
+          <p:nvPr/>
+        </p:nvPicPr>
+        <p:blipFill>
+          <a:blip r:embed="rId3"/>
+          <a:stretch>
+            <a:fillRect/>
+          </a:stretch>
+        </p:blipFill>
+        <p:spPr>
+          <a:xfrm>
+            <a:off x="387350" y="3238759"/>
+            <a:ext cx="4476750" cy="1546220"/>
+          </a:xfrm>
+          <a:prstGeom prst="rect">
+            <a:avLst/>
+          </a:prstGeom>
+        </p:spPr>
+      </p:pic>
+      <p:pic>
+        <p:nvPicPr>
+          <p:cNvPr id="9" name="Image 8">
+            <a:extLst>
+              <a:ext uri="{FF2B5EF4-FFF2-40B4-BE49-F238E27FC236}">
+                <a16:creationId xmlns:a16="http://schemas.microsoft.com/office/drawing/2014/main" id="{C97B927E-0DB6-8403-86DF-EE32ECD3B28F}"/>
+              </a:ext>
+            </a:extLst>
+          </p:cNvPr>
+          <p:cNvPicPr>
+            <a:picLocks noChangeAspect="1"/>
+          </p:cNvPicPr>
+          <p:nvPr/>
+        </p:nvPicPr>
+        <p:blipFill>
+          <a:blip r:embed="rId4"/>
+          <a:stretch>
+            <a:fillRect/>
+          </a:stretch>
+        </p:blipFill>
+        <p:spPr>
+          <a:xfrm>
+            <a:off x="387350" y="5012154"/>
+            <a:ext cx="4328217" cy="1320896"/>
+          </a:xfrm>
+          <a:prstGeom prst="rect">
+            <a:avLst/>
+          </a:prstGeom>
+        </p:spPr>
+      </p:pic>
+      <p:pic>
+        <p:nvPicPr>
+          <p:cNvPr id="11" name="Image 10">
+            <a:extLst>
+              <a:ext uri="{FF2B5EF4-FFF2-40B4-BE49-F238E27FC236}">
+                <a16:creationId xmlns:a16="http://schemas.microsoft.com/office/drawing/2014/main" id="{C6B77DDB-3001-0B50-2348-7B46F1765D68}"/>
+              </a:ext>
+            </a:extLst>
+          </p:cNvPr>
+          <p:cNvPicPr>
+            <a:picLocks noChangeAspect="1"/>
+          </p:cNvPicPr>
+          <p:nvPr/>
+        </p:nvPicPr>
+        <p:blipFill>
+          <a:blip r:embed="rId5"/>
+          <a:stretch>
+            <a:fillRect/>
+          </a:stretch>
+        </p:blipFill>
+        <p:spPr>
+          <a:xfrm>
+            <a:off x="5283200" y="3196537"/>
+            <a:ext cx="4239187" cy="1588442"/>
+          </a:xfrm>
+          <a:prstGeom prst="rect">
+            <a:avLst/>
+          </a:prstGeom>
+        </p:spPr>
+      </p:pic>
+      <p:pic>
+        <p:nvPicPr>
+          <p:cNvPr id="13" name="Image 12">
+            <a:extLst>
+              <a:ext uri="{FF2B5EF4-FFF2-40B4-BE49-F238E27FC236}">
+                <a16:creationId xmlns:a16="http://schemas.microsoft.com/office/drawing/2014/main" id="{F435F23A-D4F1-FB25-8CC3-0B48977F8DB7}"/>
+              </a:ext>
+            </a:extLst>
+          </p:cNvPr>
+          <p:cNvPicPr>
+            <a:picLocks noChangeAspect="1"/>
+          </p:cNvPicPr>
+          <p:nvPr/>
+        </p:nvPicPr>
+        <p:blipFill>
+          <a:blip r:embed="rId6"/>
+          <a:stretch>
+            <a:fillRect/>
+          </a:stretch>
+        </p:blipFill>
+        <p:spPr>
+          <a:xfrm>
+            <a:off x="5467350" y="5180252"/>
+            <a:ext cx="4152153" cy="984700"/>
+          </a:xfrm>
+          <a:prstGeom prst="rect">
+            <a:avLst/>
+          </a:prstGeom>
+        </p:spPr>
+      </p:pic>
+      <p:sp>
+        <p:nvSpPr>
+          <p:cNvPr id="14" name="ZoneTexte 13">
+            <a:extLst>
+              <a:ext uri="{FF2B5EF4-FFF2-40B4-BE49-F238E27FC236}">
+                <a16:creationId xmlns:a16="http://schemas.microsoft.com/office/drawing/2014/main" id="{D162E49C-1575-4ECE-3E93-2BFD346E4D6A}"/>
+              </a:ext>
+            </a:extLst>
+          </p:cNvPr>
+          <p:cNvSpPr txBox="1"/>
+          <p:nvPr/>
+        </p:nvSpPr>
+        <p:spPr>
+          <a:xfrm>
+            <a:off x="9734550" y="5405855"/>
+            <a:ext cx="1746250" cy="507831"/>
+          </a:xfrm>
+          <a:prstGeom prst="rect">
+            <a:avLst/>
+          </a:prstGeom>
+          <a:noFill/>
+        </p:spPr>
+        <p:txBody>
+          <a:bodyPr wrap="square" rtlCol="0">
+            <a:spAutoFit/>
+          </a:bodyPr>
+          <a:lstStyle/>
+          <a:p>
+            <a:r>
+              <a:rPr lang="fr-FR" sz="900" dirty="0"/>
+              <a:t>Nœuds homogènes = tous la même classe ou proche de y en </a:t>
+            </a:r>
+            <a:r>
+              <a:rPr lang="fr-FR" sz="900" dirty="0" err="1"/>
+              <a:t>regression</a:t>
+            </a:r>
+            <a:r>
+              <a:rPr lang="fr-FR" sz="900" dirty="0"/>
+              <a:t> </a:t>
+            </a:r>
+          </a:p>
+        </p:txBody>
+      </p:sp>
+      <p:pic>
+        <p:nvPicPr>
+          <p:cNvPr id="16" name="Image 15">
+            <a:extLst>
+              <a:ext uri="{FF2B5EF4-FFF2-40B4-BE49-F238E27FC236}">
+                <a16:creationId xmlns:a16="http://schemas.microsoft.com/office/drawing/2014/main" id="{665DDF3A-D400-0D00-E889-5E6F23ACA420}"/>
+              </a:ext>
+            </a:extLst>
+          </p:cNvPr>
+          <p:cNvPicPr>
+            <a:picLocks noChangeAspect="1"/>
+          </p:cNvPicPr>
+          <p:nvPr/>
+        </p:nvPicPr>
+        <p:blipFill>
+          <a:blip r:embed="rId7"/>
+          <a:stretch>
+            <a:fillRect/>
+          </a:stretch>
+        </p:blipFill>
+        <p:spPr>
+          <a:xfrm>
+            <a:off x="9419852" y="1531907"/>
+            <a:ext cx="2445497" cy="1545789"/>
+          </a:xfrm>
+          <a:prstGeom prst="rect">
+            <a:avLst/>
+          </a:prstGeom>
+        </p:spPr>
+      </p:pic>
+      <p:sp>
+        <p:nvSpPr>
+          <p:cNvPr id="17" name="ZoneTexte 16">
+            <a:extLst>
+              <a:ext uri="{FF2B5EF4-FFF2-40B4-BE49-F238E27FC236}">
+                <a16:creationId xmlns:a16="http://schemas.microsoft.com/office/drawing/2014/main" id="{DA0587CF-698D-E7C7-EECE-08C17B0EC551}"/>
+              </a:ext>
+            </a:extLst>
+          </p:cNvPr>
+          <p:cNvSpPr txBox="1"/>
+          <p:nvPr/>
+        </p:nvSpPr>
+        <p:spPr>
+          <a:xfrm>
+            <a:off x="9734550" y="3697578"/>
+            <a:ext cx="2070100" cy="230832"/>
+          </a:xfrm>
+          <a:prstGeom prst="rect">
+            <a:avLst/>
+          </a:prstGeom>
+          <a:noFill/>
+        </p:spPr>
+        <p:txBody>
+          <a:bodyPr wrap="square" rtlCol="0">
+            <a:spAutoFit/>
+          </a:bodyPr>
+          <a:lstStyle/>
+          <a:p>
+            <a:r>
+              <a:rPr lang="fr-FR" sz="900" dirty="0"/>
+              <a:t>Plus </a:t>
+            </a:r>
+            <a:r>
+              <a:rPr lang="fr-FR" sz="900" dirty="0" err="1"/>
+              <a:t>gini</a:t>
+            </a:r>
+            <a:r>
+              <a:rPr lang="fr-FR" sz="900" dirty="0"/>
+              <a:t> proche de 1 mieux c’est</a:t>
+            </a:r>
+          </a:p>
+        </p:txBody>
+      </p:sp>
+    </p:spTree>
+    <p:extLst>
+      <p:ext uri="{BB962C8B-B14F-4D97-AF65-F5344CB8AC3E}">
+        <p14:creationId xmlns:p14="http://schemas.microsoft.com/office/powerpoint/2010/main" val="1051509814"/>
+      </p:ext>
+    </p:extLst>
+  </p:cSld>
+  <p:clrMapOvr>
+    <a:masterClrMapping/>
+  </p:clrMapOvr>
+  <p:extLst>
+    <p:ext uri="{6950BFC3-D8DA-4A85-94F7-54DA5524770B}">
+      <p188:commentRel xmlns:p188="http://schemas.microsoft.com/office/powerpoint/2018/8/main" r:id="rId2"/>
+    </p:ext>
+  </p:extLst>
+</p:sld>
+</file>
+
+<file path=ppt/slides/slide6.xml><?xml version="1.0" encoding="utf-8"?>
+<p:sld xmlns:a="http://schemas.openxmlformats.org/drawingml/2006/main" xmlns:r="http://schemas.openxmlformats.org/officeDocument/2006/relationships" xmlns:p="http://schemas.openxmlformats.org/presentationml/2006/main">
+  <p:cSld>
+    <p:spTree>
+      <p:nvGrpSpPr>
+        <p:cNvPr id="1" name=""/>
+        <p:cNvGrpSpPr/>
+        <p:nvPr/>
+      </p:nvGrpSpPr>
+      <p:grpSpPr>
+        <a:xfrm>
+          <a:off x="0" y="0"/>
+          <a:ext cx="0" cy="0"/>
+          <a:chOff x="0" y="0"/>
+          <a:chExt cx="0" cy="0"/>
+        </a:xfrm>
+      </p:grpSpPr>
+      <p:sp>
+        <p:nvSpPr>
+          <p:cNvPr id="2" name="Titre 1">
+            <a:extLst>
+              <a:ext uri="{FF2B5EF4-FFF2-40B4-BE49-F238E27FC236}">
+                <a16:creationId xmlns:a16="http://schemas.microsoft.com/office/drawing/2014/main" id="{754B916B-9E5A-221A-9649-CA961D8F5F22}"/>
+              </a:ext>
+            </a:extLst>
+          </p:cNvPr>
+          <p:cNvSpPr>
+            <a:spLocks noGrp="1"/>
+          </p:cNvSpPr>
+          <p:nvPr>
+            <p:ph type="title"/>
+          </p:nvPr>
+        </p:nvSpPr>
+        <p:spPr/>
+        <p:txBody>
+          <a:bodyPr/>
+          <a:lstStyle/>
+          <a:p>
+            <a:endParaRPr lang="fr-FR"/>
+          </a:p>
+        </p:txBody>
+      </p:sp>
+      <p:pic>
+        <p:nvPicPr>
+          <p:cNvPr id="5" name="Espace réservé du contenu 4">
+            <a:extLst>
+              <a:ext uri="{FF2B5EF4-FFF2-40B4-BE49-F238E27FC236}">
+                <a16:creationId xmlns:a16="http://schemas.microsoft.com/office/drawing/2014/main" id="{961E8898-1FFE-5E7D-37C7-94FAFFD42F2E}"/>
+              </a:ext>
+            </a:extLst>
+          </p:cNvPr>
+          <p:cNvPicPr>
+            <a:picLocks noGrp="1" noChangeAspect="1"/>
+          </p:cNvPicPr>
+          <p:nvPr>
+            <p:ph idx="1"/>
+          </p:nvPr>
+        </p:nvPicPr>
+        <p:blipFill>
+          <a:blip r:embed="rId2"/>
+          <a:stretch>
+            <a:fillRect/>
+          </a:stretch>
+        </p:blipFill>
+        <p:spPr>
+          <a:xfrm>
+            <a:off x="1117600" y="578644"/>
+            <a:ext cx="9105900" cy="2058594"/>
+          </a:xfrm>
+          <a:prstGeom prst="rect">
+            <a:avLst/>
+          </a:prstGeom>
+        </p:spPr>
+      </p:pic>
+      <p:pic>
+        <p:nvPicPr>
+          <p:cNvPr id="7" name="Image 6">
+            <a:extLst>
+              <a:ext uri="{FF2B5EF4-FFF2-40B4-BE49-F238E27FC236}">
+                <a16:creationId xmlns:a16="http://schemas.microsoft.com/office/drawing/2014/main" id="{6CB21B51-A996-60E5-7E43-BE28C220A6E9}"/>
+              </a:ext>
+            </a:extLst>
+          </p:cNvPr>
+          <p:cNvPicPr>
+            <a:picLocks noChangeAspect="1"/>
+          </p:cNvPicPr>
+          <p:nvPr/>
+        </p:nvPicPr>
+        <p:blipFill>
+          <a:blip r:embed="rId3"/>
+          <a:stretch>
+            <a:fillRect/>
+          </a:stretch>
+        </p:blipFill>
+        <p:spPr>
+          <a:xfrm>
+            <a:off x="2857500" y="2739780"/>
+            <a:ext cx="5876070" cy="2216179"/>
+          </a:xfrm>
+          <a:prstGeom prst="rect">
+            <a:avLst/>
+          </a:prstGeom>
+        </p:spPr>
+      </p:pic>
+      <p:pic>
+        <p:nvPicPr>
+          <p:cNvPr id="9" name="Image 8">
+            <a:extLst>
+              <a:ext uri="{FF2B5EF4-FFF2-40B4-BE49-F238E27FC236}">
+                <a16:creationId xmlns:a16="http://schemas.microsoft.com/office/drawing/2014/main" id="{CC111783-1C6D-B5A7-DE8A-64BA7BDAC570}"/>
+              </a:ext>
+            </a:extLst>
+          </p:cNvPr>
+          <p:cNvPicPr>
+            <a:picLocks noChangeAspect="1"/>
+          </p:cNvPicPr>
+          <p:nvPr/>
+        </p:nvPicPr>
+        <p:blipFill>
+          <a:blip r:embed="rId4"/>
+          <a:stretch>
+            <a:fillRect/>
+          </a:stretch>
+        </p:blipFill>
+        <p:spPr>
+          <a:xfrm>
+            <a:off x="3182510" y="5058502"/>
+            <a:ext cx="5226050" cy="1685198"/>
+          </a:xfrm>
+          <a:prstGeom prst="rect">
+            <a:avLst/>
+          </a:prstGeom>
+        </p:spPr>
+      </p:pic>
+    </p:spTree>
+    <p:extLst>
+      <p:ext uri="{BB962C8B-B14F-4D97-AF65-F5344CB8AC3E}">
+        <p14:creationId xmlns:p14="http://schemas.microsoft.com/office/powerpoint/2010/main" val="1194116124"/>
+      </p:ext>
+    </p:extLst>
+  </p:cSld>
+  <p:clrMapOvr>
+    <a:masterClrMapping/>
+  </p:clrMapOvr>
+</p:sld>
+</file>
+
+<file path=ppt/slides/slide7.xml><?xml version="1.0" encoding="utf-8"?>
+<p:sld xmlns:a="http://schemas.openxmlformats.org/drawingml/2006/main" xmlns:r="http://schemas.openxmlformats.org/officeDocument/2006/relationships" xmlns:p="http://schemas.openxmlformats.org/presentationml/2006/main">
+  <p:cSld>
+    <p:spTree>
+      <p:nvGrpSpPr>
+        <p:cNvPr id="1" name=""/>
+        <p:cNvGrpSpPr/>
+        <p:nvPr/>
+      </p:nvGrpSpPr>
+      <p:grpSpPr>
+        <a:xfrm>
+          <a:off x="0" y="0"/>
+          <a:ext cx="0" cy="0"/>
+          <a:chOff x="0" y="0"/>
+          <a:chExt cx="0" cy="0"/>
+        </a:xfrm>
+      </p:grpSpPr>
+      <p:sp>
+        <p:nvSpPr>
+          <p:cNvPr id="2" name="Titre 1">
+            <a:extLst>
+              <a:ext uri="{FF2B5EF4-FFF2-40B4-BE49-F238E27FC236}">
                 <a16:creationId xmlns:a16="http://schemas.microsoft.com/office/drawing/2014/main" id="{D76224C9-2C9E-5F88-99F7-F29CF1BD31D4}"/>
               </a:ext>
             </a:extLst>
@@ -6563,7 +11111,7 @@
 </p:sld>
 </file>
 
-<file path=ppt/slides/slide6.xml><?xml version="1.0" encoding="utf-8"?>
+<file path=ppt/slides/slide8.xml><?xml version="1.0" encoding="utf-8"?>
 <p:sld xmlns:a="http://schemas.openxmlformats.org/drawingml/2006/main" xmlns:r="http://schemas.openxmlformats.org/officeDocument/2006/relationships" xmlns:p="http://schemas.openxmlformats.org/presentationml/2006/main">
   <p:cSld>
     <p:spTree>
@@ -6905,7 +11453,7 @@
           <a:p>
             <a:r>
               <a:rPr lang="fr-FR" sz="1600" dirty="0" err="1"/>
-              <a:t>Pruing</a:t>
+              <a:t>Pruning</a:t>
             </a:r>
             <a:r>
               <a:rPr lang="fr-FR" sz="1600" dirty="0"/>
@@ -6954,7 +11502,7 @@
 </p:sld>
 </file>
 
-<file path=ppt/slides/slide7.xml><?xml version="1.0" encoding="utf-8"?>
+<file path=ppt/slides/slide9.xml><?xml version="1.0" encoding="utf-8"?>
 <p:sld xmlns:a="http://schemas.openxmlformats.org/drawingml/2006/main" xmlns:r="http://schemas.openxmlformats.org/officeDocument/2006/relationships" xmlns:p="http://schemas.openxmlformats.org/presentationml/2006/main">
   <p:cSld>
     <p:spTree>
@@ -7187,6 +11735,14 @@
             </a:r>
             <a:r>
               <a:rPr lang="fr-FR" sz="1400" dirty="0"/>
+              <a:t> :</a:t>
+            </a:r>
+            <a:r>
+              <a:rPr lang="fr-FR" sz="1400" dirty="0" err="1"/>
+              <a:t>hyperparameters</a:t>
+            </a:r>
+            <a:r>
+              <a:rPr lang="fr-FR" sz="1400" dirty="0"/>
               <a:t>)</a:t>
             </a:r>
           </a:p>
@@ -7234,9 +11790,6 @@
               <a:rPr lang="fr-FR" sz="1400" dirty="0"/>
               <a:t> </a:t>
             </a:r>
-          </a:p>
-          <a:p>
-            <a:endParaRPr lang="fr-FR" sz="1400" dirty="0"/>
           </a:p>
           <a:p>
             <a:pPr marL="0" indent="0">
@@ -7267,7 +11820,7 @@
                   <a:srgbClr val="FFFF00"/>
                 </a:highlight>
               </a:rPr>
-              <a:t>). La cross-validation permet de choisir la taille optimale de l’arbre.</a:t>
+              <a:t>). La cross-validation permet de choisir la taille optimale de l’arbre. (CV permet de retrouver les valeurs optimales des hyperparamètres de manière plus efficaces) </a:t>
             </a:r>
           </a:p>
           <a:p>
@@ -7297,7 +11850,7 @@
         </p:blipFill>
         <p:spPr>
           <a:xfrm>
-            <a:off x="9499726" y="849547"/>
+            <a:off x="9480676" y="849547"/>
             <a:ext cx="347034" cy="1527243"/>
           </a:xfrm>
           <a:prstGeom prst="rect">
@@ -7369,1363 +11922,6 @@
     <p:extLst>
       <p:ext uri="{BB962C8B-B14F-4D97-AF65-F5344CB8AC3E}">
         <p14:creationId xmlns:p14="http://schemas.microsoft.com/office/powerpoint/2010/main" val="3949551324"/>
-      </p:ext>
-    </p:extLst>
-  </p:cSld>
-  <p:clrMapOvr>
-    <a:masterClrMapping/>
-  </p:clrMapOvr>
-</p:sld>
-</file>
-
-<file path=ppt/slides/slide8.xml><?xml version="1.0" encoding="utf-8"?>
-<p:sld xmlns:a="http://schemas.openxmlformats.org/drawingml/2006/main" xmlns:r="http://schemas.openxmlformats.org/officeDocument/2006/relationships" xmlns:p="http://schemas.openxmlformats.org/presentationml/2006/main">
-  <p:cSld>
-    <p:spTree>
-      <p:nvGrpSpPr>
-        <p:cNvPr id="1" name=""/>
-        <p:cNvGrpSpPr/>
-        <p:nvPr/>
-      </p:nvGrpSpPr>
-      <p:grpSpPr>
-        <a:xfrm>
-          <a:off x="0" y="0"/>
-          <a:ext cx="0" cy="0"/>
-          <a:chOff x="0" y="0"/>
-          <a:chExt cx="0" cy="0"/>
-        </a:xfrm>
-      </p:grpSpPr>
-      <p:sp>
-        <p:nvSpPr>
-          <p:cNvPr id="2" name="Titre 1">
-            <a:extLst>
-              <a:ext uri="{FF2B5EF4-FFF2-40B4-BE49-F238E27FC236}">
-                <a16:creationId xmlns:a16="http://schemas.microsoft.com/office/drawing/2014/main" id="{39BCCF50-9377-7F3F-855F-36B15C4688B2}"/>
-              </a:ext>
-            </a:extLst>
-          </p:cNvPr>
-          <p:cNvSpPr>
-            <a:spLocks noGrp="1"/>
-          </p:cNvSpPr>
-          <p:nvPr>
-            <p:ph type="title"/>
-          </p:nvPr>
-        </p:nvSpPr>
-        <p:spPr/>
-        <p:txBody>
-          <a:bodyPr/>
-          <a:lstStyle/>
-          <a:p>
-            <a:r>
-              <a:rPr lang="fr-FR" dirty="0"/>
-              <a:t>Ensemble </a:t>
-            </a:r>
-            <a:r>
-              <a:rPr lang="fr-FR" dirty="0" err="1"/>
-              <a:t>method</a:t>
-            </a:r>
-            <a:r>
-              <a:rPr lang="fr-FR" dirty="0"/>
-              <a:t> (Bagging </a:t>
-            </a:r>
-            <a:r>
-              <a:rPr lang="fr-FR" dirty="0" err="1"/>
-              <a:t>Random</a:t>
-            </a:r>
-            <a:r>
-              <a:rPr lang="fr-FR" dirty="0"/>
-              <a:t> Forest) </a:t>
-            </a:r>
-          </a:p>
-        </p:txBody>
-      </p:sp>
-      <p:sp>
-        <p:nvSpPr>
-          <p:cNvPr id="3" name="Espace réservé du contenu 2">
-            <a:extLst>
-              <a:ext uri="{FF2B5EF4-FFF2-40B4-BE49-F238E27FC236}">
-                <a16:creationId xmlns:a16="http://schemas.microsoft.com/office/drawing/2014/main" id="{0FC3C83F-AE17-9BC5-6B51-9FCDA39F241D}"/>
-              </a:ext>
-            </a:extLst>
-          </p:cNvPr>
-          <p:cNvSpPr>
-            <a:spLocks noGrp="1"/>
-          </p:cNvSpPr>
-          <p:nvPr>
-            <p:ph idx="1"/>
-          </p:nvPr>
-        </p:nvSpPr>
-        <p:spPr>
-          <a:xfrm>
-            <a:off x="838200" y="2727055"/>
-            <a:ext cx="10515600" cy="1222375"/>
-          </a:xfrm>
-        </p:spPr>
-        <p:txBody>
-          <a:bodyPr>
-            <a:normAutofit/>
-          </a:bodyPr>
-          <a:lstStyle/>
-          <a:p>
-            <a:r>
-              <a:rPr lang="fr-FR" sz="1800" dirty="0"/>
-              <a:t>Even </a:t>
-            </a:r>
-            <a:r>
-              <a:rPr lang="fr-FR" sz="1800" dirty="0" err="1"/>
-              <a:t>after</a:t>
-            </a:r>
-            <a:r>
-              <a:rPr lang="fr-FR" sz="1800" dirty="0"/>
-              <a:t> </a:t>
-            </a:r>
-            <a:r>
-              <a:rPr lang="fr-FR" sz="1800" dirty="0" err="1"/>
-              <a:t>pruning</a:t>
-            </a:r>
-            <a:r>
-              <a:rPr lang="fr-FR" sz="1800" dirty="0"/>
-              <a:t> a </a:t>
-            </a:r>
-            <a:r>
-              <a:rPr lang="fr-FR" sz="1800" dirty="0" err="1"/>
-              <a:t>simgle</a:t>
-            </a:r>
-            <a:r>
-              <a:rPr lang="fr-FR" sz="1800" dirty="0"/>
-              <a:t> </a:t>
-            </a:r>
-            <a:r>
-              <a:rPr lang="fr-FR" sz="1800" dirty="0" err="1"/>
-              <a:t>tree</a:t>
-            </a:r>
-            <a:r>
-              <a:rPr lang="fr-FR" sz="1800" dirty="0"/>
-              <a:t> has high variance</a:t>
-            </a:r>
-          </a:p>
-          <a:p>
-            <a:endParaRPr lang="fr-FR" sz="1800" dirty="0"/>
-          </a:p>
-          <a:p>
-            <a:r>
-              <a:rPr lang="fr-FR" sz="1800" dirty="0"/>
-              <a:t>To </a:t>
-            </a:r>
-            <a:r>
-              <a:rPr lang="fr-FR" sz="1800" dirty="0" err="1"/>
-              <a:t>improve</a:t>
-            </a:r>
-            <a:r>
-              <a:rPr lang="fr-FR" sz="1800" dirty="0"/>
-              <a:t> </a:t>
-            </a:r>
-            <a:r>
-              <a:rPr lang="fr-FR" sz="1800" dirty="0" err="1"/>
-              <a:t>stability</a:t>
-            </a:r>
-            <a:r>
-              <a:rPr lang="fr-FR" sz="1800" dirty="0"/>
-              <a:t> and </a:t>
-            </a:r>
-            <a:r>
-              <a:rPr lang="fr-FR" sz="1800" dirty="0" err="1"/>
-              <a:t>accuracy</a:t>
-            </a:r>
-            <a:r>
-              <a:rPr lang="fr-FR" sz="1800" dirty="0"/>
-              <a:t> </a:t>
-            </a:r>
-            <a:r>
-              <a:rPr lang="fr-FR" sz="1800" dirty="0" err="1"/>
-              <a:t>we</a:t>
-            </a:r>
-            <a:r>
-              <a:rPr lang="fr-FR" sz="1800" dirty="0"/>
-              <a:t> combine </a:t>
-            </a:r>
-            <a:r>
-              <a:rPr lang="fr-FR" sz="1800" dirty="0" err="1"/>
-              <a:t>many</a:t>
-            </a:r>
-            <a:r>
-              <a:rPr lang="fr-FR" sz="1800" dirty="0"/>
-              <a:t> simple </a:t>
-            </a:r>
-            <a:r>
-              <a:rPr lang="fr-FR" sz="1800" dirty="0" err="1"/>
-              <a:t>trees</a:t>
-            </a:r>
-            <a:r>
-              <a:rPr lang="fr-FR" sz="1800" dirty="0"/>
-              <a:t> </a:t>
-            </a:r>
-            <a:r>
-              <a:rPr lang="fr-FR" sz="1800" dirty="0" err="1"/>
-              <a:t>together</a:t>
-            </a:r>
-            <a:r>
-              <a:rPr lang="fr-FR" sz="1800" dirty="0"/>
-              <a:t> (</a:t>
-            </a:r>
-            <a:r>
-              <a:rPr lang="fr-FR" sz="1800" dirty="0" err="1"/>
-              <a:t>weak</a:t>
-            </a:r>
-            <a:r>
-              <a:rPr lang="fr-FR" sz="1800" dirty="0"/>
-              <a:t> </a:t>
-            </a:r>
-            <a:r>
-              <a:rPr lang="fr-FR" sz="1800" dirty="0" err="1"/>
-              <a:t>learners</a:t>
-            </a:r>
-            <a:r>
-              <a:rPr lang="fr-FR" sz="1800" dirty="0"/>
-              <a:t>) </a:t>
-            </a:r>
-          </a:p>
-          <a:p>
-            <a:endParaRPr lang="fr-FR" sz="1400" dirty="0"/>
-          </a:p>
-        </p:txBody>
-      </p:sp>
-    </p:spTree>
-    <p:extLst>
-      <p:ext uri="{BB962C8B-B14F-4D97-AF65-F5344CB8AC3E}">
-        <p14:creationId xmlns:p14="http://schemas.microsoft.com/office/powerpoint/2010/main" val="2174694771"/>
-      </p:ext>
-    </p:extLst>
-  </p:cSld>
-  <p:clrMapOvr>
-    <a:masterClrMapping/>
-  </p:clrMapOvr>
-</p:sld>
-</file>
-
-<file path=ppt/slides/slide9.xml><?xml version="1.0" encoding="utf-8"?>
-<p:sld xmlns:a="http://schemas.openxmlformats.org/drawingml/2006/main" xmlns:r="http://schemas.openxmlformats.org/officeDocument/2006/relationships" xmlns:p="http://schemas.openxmlformats.org/presentationml/2006/main">
-  <p:cSld>
-    <p:spTree>
-      <p:nvGrpSpPr>
-        <p:cNvPr id="1" name=""/>
-        <p:cNvGrpSpPr/>
-        <p:nvPr/>
-      </p:nvGrpSpPr>
-      <p:grpSpPr>
-        <a:xfrm>
-          <a:off x="0" y="0"/>
-          <a:ext cx="0" cy="0"/>
-          <a:chOff x="0" y="0"/>
-          <a:chExt cx="0" cy="0"/>
-        </a:xfrm>
-      </p:grpSpPr>
-      <p:sp>
-        <p:nvSpPr>
-          <p:cNvPr id="2" name="Titre 1">
-            <a:extLst>
-              <a:ext uri="{FF2B5EF4-FFF2-40B4-BE49-F238E27FC236}">
-                <a16:creationId xmlns:a16="http://schemas.microsoft.com/office/drawing/2014/main" id="{E8C277BC-62E2-1C63-D0A1-66D2EC526EB0}"/>
-              </a:ext>
-            </a:extLst>
-          </p:cNvPr>
-          <p:cNvSpPr>
-            <a:spLocks noGrp="1"/>
-          </p:cNvSpPr>
-          <p:nvPr>
-            <p:ph type="title"/>
-          </p:nvPr>
-        </p:nvSpPr>
-        <p:spPr/>
-        <p:txBody>
-          <a:bodyPr/>
-          <a:lstStyle/>
-          <a:p>
-            <a:r>
-              <a:rPr lang="fr-FR" dirty="0"/>
-              <a:t>Bagging </a:t>
-            </a:r>
-          </a:p>
-        </p:txBody>
-      </p:sp>
-      <mc:AlternateContent xmlns:mc="http://schemas.openxmlformats.org/markup-compatibility/2006" xmlns:a14="http://schemas.microsoft.com/office/drawing/2010/main">
-        <mc:Choice Requires="a14">
-          <p:sp>
-            <p:nvSpPr>
-              <p:cNvPr id="3" name="Espace réservé du contenu 2">
-                <a:extLst>
-                  <a:ext uri="{FF2B5EF4-FFF2-40B4-BE49-F238E27FC236}">
-                    <a16:creationId xmlns:a16="http://schemas.microsoft.com/office/drawing/2014/main" id="{F169C3A2-9321-94B6-809D-4860E25E7A1F}"/>
-                  </a:ext>
-                </a:extLst>
-              </p:cNvPr>
-              <p:cNvSpPr>
-                <a:spLocks noGrp="1"/>
-              </p:cNvSpPr>
-              <p:nvPr>
-                <p:ph idx="1"/>
-              </p:nvPr>
-            </p:nvSpPr>
-            <p:spPr/>
-            <p:txBody>
-              <a:bodyPr>
-                <a:normAutofit/>
-              </a:bodyPr>
-              <a:lstStyle/>
-              <a:p>
-                <a:r>
-                  <a:rPr lang="fr-FR" sz="1600" dirty="0"/>
-                  <a:t>Bagging : </a:t>
-                </a:r>
-                <a:r>
-                  <a:rPr lang="fr-FR" sz="1600" dirty="0" err="1"/>
-                  <a:t>procedure</a:t>
-                </a:r>
-                <a:r>
-                  <a:rPr lang="fr-FR" sz="1600" dirty="0"/>
-                  <a:t> for </a:t>
-                </a:r>
-                <a:r>
-                  <a:rPr lang="fr-FR" sz="1600" dirty="0" err="1"/>
-                  <a:t>reducing</a:t>
-                </a:r>
-                <a:r>
-                  <a:rPr lang="fr-FR" sz="1600" dirty="0"/>
-                  <a:t> the variance of </a:t>
-                </a:r>
-                <a:r>
-                  <a:rPr lang="fr-FR" sz="1600" dirty="0" err="1"/>
-                  <a:t>statistical</a:t>
-                </a:r>
-                <a:r>
-                  <a:rPr lang="fr-FR" sz="1600" dirty="0"/>
-                  <a:t> </a:t>
-                </a:r>
-                <a:r>
-                  <a:rPr lang="fr-FR" sz="1600" dirty="0" err="1"/>
-                  <a:t>learning</a:t>
-                </a:r>
-                <a:r>
-                  <a:rPr lang="fr-FR" sz="1600" dirty="0"/>
-                  <a:t> </a:t>
-                </a:r>
-                <a:r>
-                  <a:rPr lang="fr-FR" sz="1600" dirty="0" err="1"/>
-                  <a:t>method</a:t>
-                </a:r>
-                <a:r>
-                  <a:rPr lang="fr-FR" sz="1600" dirty="0"/>
-                  <a:t> </a:t>
-                </a:r>
-              </a:p>
-              <a:p>
-                <a:r>
-                  <a:rPr lang="fr-FR" sz="1600" dirty="0"/>
-                  <a:t>How : by </a:t>
-                </a:r>
-                <a:r>
-                  <a:rPr lang="fr-FR" sz="1600" dirty="0" err="1"/>
-                  <a:t>averaging</a:t>
-                </a:r>
-                <a:r>
-                  <a:rPr lang="fr-FR" sz="1600" dirty="0"/>
-                  <a:t> : </a:t>
-                </a:r>
-                <a:r>
-                  <a:rPr lang="fr-FR" sz="1600" dirty="0" err="1"/>
-                  <a:t>it</a:t>
-                </a:r>
-                <a:r>
-                  <a:rPr lang="fr-FR" sz="1600" dirty="0"/>
-                  <a:t> </a:t>
-                </a:r>
-                <a:r>
-                  <a:rPr lang="fr-FR" sz="1600" dirty="0" err="1"/>
-                  <a:t>reduces</a:t>
-                </a:r>
-                <a:r>
-                  <a:rPr lang="fr-FR" sz="1600" dirty="0"/>
-                  <a:t> variance(if </a:t>
-                </a:r>
-                <a:r>
-                  <a:rPr lang="fr-FR" sz="1600" dirty="0" err="1"/>
-                  <a:t>each</a:t>
-                </a:r>
-                <a:r>
-                  <a:rPr lang="fr-FR" sz="1600" dirty="0"/>
-                  <a:t> model </a:t>
-                </a:r>
-                <a:r>
-                  <a:rPr lang="fr-FR" sz="1600" dirty="0" err="1"/>
-                  <a:t>is</a:t>
-                </a:r>
-                <a:r>
-                  <a:rPr lang="fr-FR" sz="1600" dirty="0"/>
-                  <a:t> </a:t>
-                </a:r>
-                <a:r>
-                  <a:rPr lang="fr-FR" sz="1600" dirty="0" err="1"/>
-                  <a:t>noisy</a:t>
-                </a:r>
-                <a:r>
-                  <a:rPr lang="fr-FR" sz="1600" dirty="0"/>
-                  <a:t> </a:t>
-                </a:r>
-                <a:r>
-                  <a:rPr lang="fr-FR" sz="1600" dirty="0" err="1"/>
-                  <a:t>combining</a:t>
-                </a:r>
-                <a:r>
-                  <a:rPr lang="fr-FR" sz="1600" dirty="0"/>
-                  <a:t> </a:t>
-                </a:r>
-                <a:r>
-                  <a:rPr lang="fr-FR" sz="1600" dirty="0" err="1"/>
-                  <a:t>many</a:t>
-                </a:r>
-                <a:r>
-                  <a:rPr lang="fr-FR" sz="1600" dirty="0"/>
-                  <a:t> of </a:t>
-                </a:r>
-                <a:r>
-                  <a:rPr lang="fr-FR" sz="1600" dirty="0" err="1"/>
-                  <a:t>them</a:t>
-                </a:r>
-                <a:r>
-                  <a:rPr lang="fr-FR" sz="1600" dirty="0"/>
-                  <a:t> </a:t>
-                </a:r>
-                <a:r>
-                  <a:rPr lang="fr-FR" sz="1600" dirty="0" err="1"/>
-                  <a:t>smooths</a:t>
-                </a:r>
-                <a:r>
-                  <a:rPr lang="fr-FR" sz="1600" dirty="0"/>
-                  <a:t> out the fluctuations)</a:t>
-                </a:r>
-              </a:p>
-              <a:p>
-                <a:pPr marL="0" indent="0">
-                  <a:buNone/>
-                </a:pPr>
-                <a:r>
-                  <a:rPr lang="fr-FR" sz="1050" dirty="0"/>
-                  <a:t>	</a:t>
-                </a:r>
-                <a:r>
-                  <a:rPr lang="fr-FR" sz="1050" dirty="0" err="1"/>
-                  <a:t>Mean</a:t>
-                </a:r>
-                <a:r>
-                  <a:rPr lang="fr-FR" sz="1050" dirty="0"/>
-                  <a:t> of n </a:t>
-                </a:r>
-                <a:r>
-                  <a:rPr lang="fr-FR" sz="1050" dirty="0" err="1"/>
-                  <a:t>independant</a:t>
-                </a:r>
-                <a:r>
-                  <a:rPr lang="fr-FR" sz="1050" dirty="0"/>
-                  <a:t> observation of variance </a:t>
-                </a:r>
-                <a14:m>
-                  <m:oMath xmlns:m="http://schemas.openxmlformats.org/officeDocument/2006/math">
-                    <m:sSup>
-                      <m:sSupPr>
-                        <m:ctrlPr>
-                          <a:rPr lang="fr-FR" sz="1200" i="1">
-                            <a:latin typeface="Cambria Math" panose="02040503050406030204" pitchFamily="18" charset="0"/>
-                          </a:rPr>
-                        </m:ctrlPr>
-                      </m:sSupPr>
-                      <m:e>
-                        <m:r>
-                          <a:rPr lang="fr-FR" sz="1200" i="1">
-                            <a:latin typeface="Cambria Math" panose="02040503050406030204" pitchFamily="18" charset="0"/>
-                          </a:rPr>
-                          <m:t>𝜎</m:t>
-                        </m:r>
-                      </m:e>
-                      <m:sup>
-                        <m:r>
-                          <a:rPr lang="fr-FR" sz="1200">
-                            <a:latin typeface="Cambria Math" panose="02040503050406030204" pitchFamily="18" charset="0"/>
-                          </a:rPr>
-                          <m:t>2</m:t>
-                        </m:r>
-                      </m:sup>
-                    </m:sSup>
-                  </m:oMath>
-                </a14:m>
-                <a:r>
-                  <a:rPr lang="fr-FR" sz="1050" dirty="0"/>
-                  <a:t> </a:t>
-                </a:r>
-                <a:r>
-                  <a:rPr lang="fr-FR" sz="1050" dirty="0" err="1"/>
-                  <a:t>is</a:t>
-                </a:r>
-                <a:r>
-                  <a:rPr lang="fr-FR" sz="1050" dirty="0"/>
-                  <a:t> </a:t>
-                </a:r>
-                <a14:m>
-                  <m:oMath xmlns:m="http://schemas.openxmlformats.org/officeDocument/2006/math">
-                    <m:f>
-                      <m:fPr>
-                        <m:ctrlPr>
-                          <a:rPr lang="fr-FR" sz="1050" i="1">
-                            <a:latin typeface="Cambria Math" panose="02040503050406030204" pitchFamily="18" charset="0"/>
-                          </a:rPr>
-                        </m:ctrlPr>
-                      </m:fPr>
-                      <m:num>
-                        <m:sSup>
-                          <m:sSupPr>
-                            <m:ctrlPr>
-                              <a:rPr lang="fr-FR" sz="1050" i="1">
-                                <a:latin typeface="Cambria Math" panose="02040503050406030204" pitchFamily="18" charset="0"/>
-                              </a:rPr>
-                            </m:ctrlPr>
-                          </m:sSupPr>
-                          <m:e>
-                            <m:r>
-                              <a:rPr lang="fr-FR" sz="1050" i="1">
-                                <a:latin typeface="Cambria Math" panose="02040503050406030204" pitchFamily="18" charset="0"/>
-                              </a:rPr>
-                              <m:t>𝜎</m:t>
-                            </m:r>
-                          </m:e>
-                          <m:sup>
-                            <m:r>
-                              <a:rPr lang="fr-FR" sz="1050">
-                                <a:latin typeface="Cambria Math" panose="02040503050406030204" pitchFamily="18" charset="0"/>
-                              </a:rPr>
-                              <m:t>2</m:t>
-                            </m:r>
-                          </m:sup>
-                        </m:sSup>
-                      </m:num>
-                      <m:den>
-                        <m:r>
-                          <a:rPr lang="fr-FR" sz="1050" i="1">
-                            <a:latin typeface="Cambria Math" panose="02040503050406030204" pitchFamily="18" charset="0"/>
-                          </a:rPr>
-                          <m:t>𝑛</m:t>
-                        </m:r>
-                      </m:den>
-                    </m:f>
-                  </m:oMath>
-                </a14:m>
-                <a:endParaRPr lang="fr-FR" sz="1050" dirty="0"/>
-              </a:p>
-              <a:p>
-                <a:r>
-                  <a:rPr lang="fr-FR" sz="1600" dirty="0"/>
-                  <a:t>If </a:t>
-                </a:r>
-                <a:r>
-                  <a:rPr lang="fr-FR" sz="1600" dirty="0" err="1"/>
-                  <a:t>we</a:t>
-                </a:r>
-                <a:r>
-                  <a:rPr lang="fr-FR" sz="1600" dirty="0"/>
-                  <a:t> </a:t>
-                </a:r>
-                <a:r>
-                  <a:rPr lang="fr-FR" sz="1600" dirty="0" err="1"/>
-                  <a:t>could</a:t>
-                </a:r>
-                <a:r>
-                  <a:rPr lang="fr-FR" sz="1600" dirty="0"/>
-                  <a:t> </a:t>
-                </a:r>
-                <a:r>
-                  <a:rPr lang="fr-FR" sz="1600" dirty="0" err="1"/>
-                  <a:t>make</a:t>
-                </a:r>
-                <a:r>
-                  <a:rPr lang="fr-FR" sz="1600" dirty="0"/>
-                  <a:t> the </a:t>
-                </a:r>
-                <a:r>
-                  <a:rPr lang="fr-FR" sz="1600" dirty="0" err="1"/>
-                  <a:t>same</a:t>
-                </a:r>
-                <a:r>
-                  <a:rPr lang="fr-FR" sz="1600" dirty="0"/>
-                  <a:t> </a:t>
-                </a:r>
-                <a:r>
-                  <a:rPr lang="fr-FR" sz="1600" dirty="0" err="1"/>
-                  <a:t>experience</a:t>
-                </a:r>
-                <a:r>
-                  <a:rPr lang="fr-FR" sz="1600" dirty="0"/>
-                  <a:t> </a:t>
-                </a:r>
-                <a:r>
-                  <a:rPr lang="fr-FR" sz="1600" dirty="0" err="1"/>
-                  <a:t>with</a:t>
-                </a:r>
-                <a:r>
-                  <a:rPr lang="fr-FR" sz="1600" dirty="0"/>
-                  <a:t> a large </a:t>
-                </a:r>
-                <a:r>
-                  <a:rPr lang="fr-FR" sz="1600" dirty="0" err="1"/>
-                  <a:t>number</a:t>
-                </a:r>
-                <a:r>
-                  <a:rPr lang="fr-FR" sz="1600" dirty="0"/>
-                  <a:t> of </a:t>
-                </a:r>
-                <a:r>
-                  <a:rPr lang="fr-FR" sz="1600" dirty="0" err="1"/>
-                  <a:t>datasets</a:t>
-                </a:r>
-                <a:r>
-                  <a:rPr lang="fr-FR" sz="1600" dirty="0"/>
-                  <a:t> </a:t>
-                </a:r>
-                <a:r>
-                  <a:rPr lang="fr-FR" sz="1600" dirty="0" err="1"/>
-                  <a:t>different</a:t>
-                </a:r>
-                <a:r>
-                  <a:rPr lang="fr-FR" sz="1600" dirty="0"/>
-                  <a:t> </a:t>
-                </a:r>
-                <a:r>
-                  <a:rPr lang="fr-FR" sz="1600" dirty="0" err="1"/>
-                  <a:t>from</a:t>
-                </a:r>
-                <a:r>
-                  <a:rPr lang="fr-FR" sz="1600" dirty="0"/>
-                  <a:t> the </a:t>
-                </a:r>
-                <a:r>
-                  <a:rPr lang="fr-FR" sz="1600" dirty="0" err="1"/>
-                  <a:t>true</a:t>
-                </a:r>
-                <a:r>
-                  <a:rPr lang="fr-FR" sz="1600" dirty="0"/>
-                  <a:t> population : </a:t>
-                </a:r>
-                <a:r>
-                  <a:rPr lang="fr-FR" sz="1600" dirty="0" err="1"/>
-                  <a:t>we</a:t>
-                </a:r>
-                <a:r>
-                  <a:rPr lang="fr-FR" sz="1600" dirty="0"/>
-                  <a:t> </a:t>
-                </a:r>
-                <a:r>
-                  <a:rPr lang="fr-FR" sz="1600" dirty="0" err="1"/>
-                  <a:t>could</a:t>
-                </a:r>
-                <a:r>
-                  <a:rPr lang="fr-FR" sz="1600" dirty="0"/>
-                  <a:t> train a </a:t>
-                </a:r>
-                <a:r>
-                  <a:rPr lang="fr-FR" sz="1600" dirty="0" err="1"/>
-                  <a:t>tree</a:t>
-                </a:r>
-                <a:r>
-                  <a:rPr lang="fr-FR" sz="1600" dirty="0"/>
-                  <a:t> on </a:t>
-                </a:r>
-                <a:r>
-                  <a:rPr lang="fr-FR" sz="1600" dirty="0" err="1"/>
-                  <a:t>each</a:t>
-                </a:r>
-                <a:r>
-                  <a:rPr lang="fr-FR" sz="1600" dirty="0"/>
-                  <a:t> </a:t>
-                </a:r>
-                <a:r>
-                  <a:rPr lang="fr-FR" sz="1600" dirty="0" err="1"/>
-                  <a:t>dataset</a:t>
-                </a:r>
-                <a:r>
-                  <a:rPr lang="fr-FR" sz="1600" dirty="0"/>
-                  <a:t> :</a:t>
-                </a:r>
-              </a:p>
-              <a:p>
-                <a:pPr marL="0" indent="0">
-                  <a:buNone/>
-                </a:pPr>
-                <a14:m>
-                  <m:oMathPara xmlns:m="http://schemas.openxmlformats.org/officeDocument/2006/math">
-                    <m:oMathParaPr>
-                      <m:jc m:val="centerGroup"/>
-                    </m:oMathParaPr>
-                    <m:oMath xmlns:m="http://schemas.openxmlformats.org/officeDocument/2006/math">
-                      <m:sSub>
-                        <m:sSubPr>
-                          <m:ctrlPr>
-                            <a:rPr lang="fr-FR" sz="1050" i="1">
-                              <a:latin typeface="Cambria Math" panose="02040503050406030204" pitchFamily="18" charset="0"/>
-                            </a:rPr>
-                          </m:ctrlPr>
-                        </m:sSubPr>
-                        <m:e>
-                          <m:acc>
-                            <m:accPr>
-                              <m:chr m:val="̂"/>
-                              <m:ctrlPr>
-                                <a:rPr lang="fr-FR" sz="1050" i="1">
-                                  <a:latin typeface="Cambria Math" panose="02040503050406030204" pitchFamily="18" charset="0"/>
-                                </a:rPr>
-                              </m:ctrlPr>
-                            </m:accPr>
-                            <m:e>
-                              <m:r>
-                                <a:rPr lang="fr-FR" sz="1050" i="1">
-                                  <a:latin typeface="Cambria Math" panose="02040503050406030204" pitchFamily="18" charset="0"/>
-                                </a:rPr>
-                                <m:t>𝑓</m:t>
-                              </m:r>
-                            </m:e>
-                          </m:acc>
-                        </m:e>
-                        <m:sub>
-                          <m:r>
-                            <a:rPr lang="fr-FR" sz="1050" i="1">
-                              <a:latin typeface="Cambria Math" panose="02040503050406030204" pitchFamily="18" charset="0"/>
-                            </a:rPr>
-                            <m:t>𝑎𝑣𝑔</m:t>
-                          </m:r>
-                        </m:sub>
-                      </m:sSub>
-                      <m:d>
-                        <m:dPr>
-                          <m:ctrlPr>
-                            <a:rPr lang="fr-FR" sz="1050" i="1">
-                              <a:latin typeface="Cambria Math" panose="02040503050406030204" pitchFamily="18" charset="0"/>
-                            </a:rPr>
-                          </m:ctrlPr>
-                        </m:dPr>
-                        <m:e>
-                          <m:r>
-                            <a:rPr lang="fr-FR" sz="1050" i="1">
-                              <a:latin typeface="Cambria Math" panose="02040503050406030204" pitchFamily="18" charset="0"/>
-                            </a:rPr>
-                            <m:t>𝑥</m:t>
-                          </m:r>
-                        </m:e>
-                      </m:d>
-                      <m:r>
-                        <a:rPr lang="fr-FR" sz="1050" i="1">
-                          <a:latin typeface="Cambria Math" panose="02040503050406030204" pitchFamily="18" charset="0"/>
-                        </a:rPr>
-                        <m:t>= </m:t>
-                      </m:r>
-                      <m:f>
-                        <m:fPr>
-                          <m:ctrlPr>
-                            <a:rPr lang="fr-FR" sz="1050" i="1">
-                              <a:latin typeface="Cambria Math" panose="02040503050406030204" pitchFamily="18" charset="0"/>
-                            </a:rPr>
-                          </m:ctrlPr>
-                        </m:fPr>
-                        <m:num>
-                          <m:r>
-                            <a:rPr lang="fr-FR" sz="1050" i="1">
-                              <a:latin typeface="Cambria Math" panose="02040503050406030204" pitchFamily="18" charset="0"/>
-                            </a:rPr>
-                            <m:t>1</m:t>
-                          </m:r>
-                        </m:num>
-                        <m:den>
-                          <m:r>
-                            <a:rPr lang="fr-FR" sz="1050" i="1">
-                              <a:latin typeface="Cambria Math" panose="02040503050406030204" pitchFamily="18" charset="0"/>
-                            </a:rPr>
-                            <m:t>𝐵</m:t>
-                          </m:r>
-                        </m:den>
-                      </m:f>
-                      <m:r>
-                        <a:rPr lang="fr-FR" sz="1050" i="1">
-                          <a:latin typeface="Cambria Math" panose="02040503050406030204" pitchFamily="18" charset="0"/>
-                        </a:rPr>
-                        <m:t> </m:t>
-                      </m:r>
-                      <m:nary>
-                        <m:naryPr>
-                          <m:chr m:val="∑"/>
-                          <m:ctrlPr>
-                            <a:rPr lang="fr-FR" sz="1050" i="1">
-                              <a:latin typeface="Cambria Math" panose="02040503050406030204" pitchFamily="18" charset="0"/>
-                            </a:rPr>
-                          </m:ctrlPr>
-                        </m:naryPr>
-                        <m:sub>
-                          <m:r>
-                            <m:rPr>
-                              <m:brk m:alnAt="23"/>
-                            </m:rPr>
-                            <a:rPr lang="fr-FR" sz="1050" i="1">
-                              <a:latin typeface="Cambria Math" panose="02040503050406030204" pitchFamily="18" charset="0"/>
-                            </a:rPr>
-                            <m:t>𝑏</m:t>
-                          </m:r>
-                          <m:r>
-                            <a:rPr lang="fr-FR" sz="1050" i="1">
-                              <a:latin typeface="Cambria Math" panose="02040503050406030204" pitchFamily="18" charset="0"/>
-                            </a:rPr>
-                            <m:t>=</m:t>
-                          </m:r>
-                          <m:r>
-                            <a:rPr lang="fr-FR" sz="1050" i="1">
-                              <a:latin typeface="Cambria Math" panose="02040503050406030204" pitchFamily="18" charset="0"/>
-                            </a:rPr>
-                            <m:t>1</m:t>
-                          </m:r>
-                        </m:sub>
-                        <m:sup>
-                          <m:r>
-                            <a:rPr lang="fr-FR" sz="1050" i="1">
-                              <a:latin typeface="Cambria Math" panose="02040503050406030204" pitchFamily="18" charset="0"/>
-                            </a:rPr>
-                            <m:t>𝐵</m:t>
-                          </m:r>
-                        </m:sup>
-                        <m:e>
-                          <m:sSup>
-                            <m:sSupPr>
-                              <m:ctrlPr>
-                                <a:rPr lang="fr-FR" sz="1050" i="1">
-                                  <a:latin typeface="Cambria Math" panose="02040503050406030204" pitchFamily="18" charset="0"/>
-                                </a:rPr>
-                              </m:ctrlPr>
-                            </m:sSupPr>
-                            <m:e>
-                              <m:acc>
-                                <m:accPr>
-                                  <m:chr m:val="̂"/>
-                                  <m:ctrlPr>
-                                    <a:rPr lang="fr-FR" sz="1050" i="1">
-                                      <a:latin typeface="Cambria Math" panose="02040503050406030204" pitchFamily="18" charset="0"/>
-                                    </a:rPr>
-                                  </m:ctrlPr>
-                                </m:accPr>
-                                <m:e>
-                                  <m:r>
-                                    <a:rPr lang="fr-FR" sz="1050" i="1">
-                                      <a:latin typeface="Cambria Math" panose="02040503050406030204" pitchFamily="18" charset="0"/>
-                                    </a:rPr>
-                                    <m:t>𝑓</m:t>
-                                  </m:r>
-                                </m:e>
-                              </m:acc>
-                            </m:e>
-                            <m:sup>
-                              <m:r>
-                                <a:rPr lang="fr-FR" sz="1050" i="1">
-                                  <a:latin typeface="Cambria Math" panose="02040503050406030204" pitchFamily="18" charset="0"/>
-                                </a:rPr>
-                                <m:t>𝑏</m:t>
-                              </m:r>
-                            </m:sup>
-                          </m:sSup>
-                          <m:r>
-                            <a:rPr lang="fr-FR" sz="1050" i="1">
-                              <a:latin typeface="Cambria Math" panose="02040503050406030204" pitchFamily="18" charset="0"/>
-                            </a:rPr>
-                            <m:t>(</m:t>
-                          </m:r>
-                          <m:r>
-                            <a:rPr lang="fr-FR" sz="1050" i="1">
-                              <a:latin typeface="Cambria Math" panose="02040503050406030204" pitchFamily="18" charset="0"/>
-                            </a:rPr>
-                            <m:t>𝑥</m:t>
-                          </m:r>
-                          <m:r>
-                            <a:rPr lang="fr-FR" sz="1050" i="1">
-                              <a:latin typeface="Cambria Math" panose="02040503050406030204" pitchFamily="18" charset="0"/>
-                            </a:rPr>
-                            <m:t>)</m:t>
-                          </m:r>
-                        </m:e>
-                      </m:nary>
-                    </m:oMath>
-                  </m:oMathPara>
-                </a14:m>
-                <a:endParaRPr lang="fr-FR" sz="1050" dirty="0"/>
-              </a:p>
-              <a:p>
-                <a:pPr marL="0" indent="0">
-                  <a:buNone/>
-                </a:pPr>
-                <a:r>
-                  <a:rPr lang="fr-FR" sz="1050" dirty="0"/>
-                  <a:t>In practice </a:t>
-                </a:r>
-                <a:r>
-                  <a:rPr lang="fr-FR" sz="1050" dirty="0" err="1"/>
-                  <a:t>we</a:t>
-                </a:r>
-                <a:r>
-                  <a:rPr lang="fr-FR" sz="1050" dirty="0"/>
-                  <a:t> do not have </a:t>
-                </a:r>
-                <a:r>
-                  <a:rPr lang="fr-FR" sz="1050" dirty="0" err="1"/>
-                  <a:t>accees</a:t>
-                </a:r>
-                <a:r>
-                  <a:rPr lang="fr-FR" sz="1050" dirty="0"/>
-                  <a:t> to multiple training test -&gt; </a:t>
-                </a:r>
-                <a:r>
-                  <a:rPr lang="fr-FR" sz="1050" dirty="0" err="1"/>
-                  <a:t>this</a:t>
-                </a:r>
-                <a:r>
-                  <a:rPr lang="fr-FR" sz="1050" dirty="0"/>
-                  <a:t> </a:t>
-                </a:r>
-                <a:r>
-                  <a:rPr lang="fr-FR" sz="1050" dirty="0" err="1"/>
-                  <a:t>is</a:t>
-                </a:r>
-                <a:r>
-                  <a:rPr lang="fr-FR" sz="1050" dirty="0"/>
-                  <a:t> </a:t>
-                </a:r>
-                <a:r>
-                  <a:rPr lang="fr-FR" sz="1050" dirty="0" err="1"/>
-                  <a:t>why</a:t>
-                </a:r>
-                <a:r>
-                  <a:rPr lang="fr-FR" sz="1050" dirty="0"/>
-                  <a:t> </a:t>
-                </a:r>
-                <a:r>
-                  <a:rPr lang="fr-FR" sz="1050" dirty="0" err="1"/>
-                  <a:t>we</a:t>
-                </a:r>
-                <a:r>
-                  <a:rPr lang="fr-FR" sz="1050" dirty="0"/>
-                  <a:t> </a:t>
-                </a:r>
-                <a:r>
-                  <a:rPr lang="fr-FR" sz="1050" dirty="0" err="1"/>
-                  <a:t>will</a:t>
-                </a:r>
-                <a:r>
-                  <a:rPr lang="fr-FR" sz="1050" dirty="0"/>
-                  <a:t> </a:t>
-                </a:r>
-                <a:r>
-                  <a:rPr lang="fr-FR" sz="1050" dirty="0" err="1"/>
-                  <a:t>artificially</a:t>
-                </a:r>
-                <a:r>
-                  <a:rPr lang="fr-FR" sz="1050" dirty="0"/>
-                  <a:t> </a:t>
-                </a:r>
-                <a:r>
-                  <a:rPr lang="fr-FR" sz="1050" dirty="0" err="1"/>
-                  <a:t>simulate</a:t>
-                </a:r>
-                <a:r>
-                  <a:rPr lang="fr-FR" sz="1050" dirty="0"/>
-                  <a:t> train set (</a:t>
-                </a:r>
-                <a:r>
-                  <a:rPr lang="fr-FR" sz="1050" dirty="0" err="1"/>
-                  <a:t>boostrap</a:t>
-                </a:r>
-                <a:r>
-                  <a:rPr lang="fr-FR" sz="1050" dirty="0"/>
-                  <a:t>) </a:t>
-                </a:r>
-              </a:p>
-              <a:p>
-                <a:pPr marL="0" indent="0">
-                  <a:buNone/>
-                </a:pPr>
-                <a:r>
-                  <a:rPr lang="fr-FR" sz="1050" b="1" dirty="0"/>
-                  <a:t>(tirage </a:t>
-                </a:r>
-                <a:r>
-                  <a:rPr lang="fr-FR" sz="1050" b="1" dirty="0" err="1"/>
-                  <a:t>with</a:t>
-                </a:r>
-                <a:r>
-                  <a:rPr lang="fr-FR" sz="1050" b="1" dirty="0"/>
-                  <a:t> remise) </a:t>
-                </a:r>
-              </a:p>
-              <a:p>
-                <a:pPr marL="0" indent="0">
-                  <a:buNone/>
-                </a:pPr>
-                <a:endParaRPr lang="fr-FR" sz="1050" i="1" dirty="0">
-                  <a:latin typeface="Cambria Math" panose="02040503050406030204" pitchFamily="18" charset="0"/>
-                </a:endParaRPr>
-              </a:p>
-              <a:p>
-                <a:pPr marL="0" indent="0">
-                  <a:buNone/>
-                </a:pPr>
-                <a14:m>
-                  <m:oMathPara xmlns:m="http://schemas.openxmlformats.org/officeDocument/2006/math">
-                    <m:oMathParaPr>
-                      <m:jc m:val="center"/>
-                    </m:oMathParaPr>
-                    <m:oMath xmlns:m="http://schemas.openxmlformats.org/officeDocument/2006/math">
-                      <m:sSub>
-                        <m:sSubPr>
-                          <m:ctrlPr>
-                            <a:rPr lang="fr-FR" sz="1600" i="1">
-                              <a:latin typeface="Cambria Math" panose="02040503050406030204" pitchFamily="18" charset="0"/>
-                            </a:rPr>
-                          </m:ctrlPr>
-                        </m:sSubPr>
-                        <m:e>
-                          <m:acc>
-                            <m:accPr>
-                              <m:chr m:val="̂"/>
-                              <m:ctrlPr>
-                                <a:rPr lang="fr-FR" sz="1600" i="1">
-                                  <a:latin typeface="Cambria Math" panose="02040503050406030204" pitchFamily="18" charset="0"/>
-                                </a:rPr>
-                              </m:ctrlPr>
-                            </m:accPr>
-                            <m:e>
-                              <m:r>
-                                <a:rPr lang="fr-FR" sz="1600" i="1">
-                                  <a:latin typeface="Cambria Math" panose="02040503050406030204" pitchFamily="18" charset="0"/>
-                                </a:rPr>
-                                <m:t>𝑓</m:t>
-                              </m:r>
-                            </m:e>
-                          </m:acc>
-                        </m:e>
-                        <m:sub>
-                          <m:r>
-                            <a:rPr lang="fr-FR" sz="1600" b="0" i="1" smtClean="0">
-                              <a:latin typeface="Cambria Math" panose="02040503050406030204" pitchFamily="18" charset="0"/>
-                            </a:rPr>
-                            <m:t>𝑏𝑎𝑔</m:t>
-                          </m:r>
-                        </m:sub>
-                      </m:sSub>
-                      <m:d>
-                        <m:dPr>
-                          <m:ctrlPr>
-                            <a:rPr lang="fr-FR" sz="1600" i="1">
-                              <a:latin typeface="Cambria Math" panose="02040503050406030204" pitchFamily="18" charset="0"/>
-                            </a:rPr>
-                          </m:ctrlPr>
-                        </m:dPr>
-                        <m:e>
-                          <m:r>
-                            <a:rPr lang="fr-FR" sz="1600" i="1">
-                              <a:latin typeface="Cambria Math" panose="02040503050406030204" pitchFamily="18" charset="0"/>
-                            </a:rPr>
-                            <m:t>𝑥</m:t>
-                          </m:r>
-                        </m:e>
-                      </m:d>
-                      <m:r>
-                        <a:rPr lang="fr-FR" sz="1600" i="1">
-                          <a:latin typeface="Cambria Math" panose="02040503050406030204" pitchFamily="18" charset="0"/>
-                        </a:rPr>
-                        <m:t>= </m:t>
-                      </m:r>
-                      <m:f>
-                        <m:fPr>
-                          <m:ctrlPr>
-                            <a:rPr lang="fr-FR" sz="1600" i="1">
-                              <a:latin typeface="Cambria Math" panose="02040503050406030204" pitchFamily="18" charset="0"/>
-                            </a:rPr>
-                          </m:ctrlPr>
-                        </m:fPr>
-                        <m:num>
-                          <m:r>
-                            <a:rPr lang="fr-FR" sz="1600" i="1">
-                              <a:latin typeface="Cambria Math" panose="02040503050406030204" pitchFamily="18" charset="0"/>
-                            </a:rPr>
-                            <m:t>1</m:t>
-                          </m:r>
-                        </m:num>
-                        <m:den>
-                          <m:r>
-                            <a:rPr lang="fr-FR" sz="1600" i="1">
-                              <a:latin typeface="Cambria Math" panose="02040503050406030204" pitchFamily="18" charset="0"/>
-                            </a:rPr>
-                            <m:t>𝐵</m:t>
-                          </m:r>
-                        </m:den>
-                      </m:f>
-                      <m:r>
-                        <a:rPr lang="fr-FR" sz="1600" i="1">
-                          <a:latin typeface="Cambria Math" panose="02040503050406030204" pitchFamily="18" charset="0"/>
-                        </a:rPr>
-                        <m:t> </m:t>
-                      </m:r>
-                      <m:nary>
-                        <m:naryPr>
-                          <m:chr m:val="∑"/>
-                          <m:ctrlPr>
-                            <a:rPr lang="fr-FR" sz="1600" i="1">
-                              <a:latin typeface="Cambria Math" panose="02040503050406030204" pitchFamily="18" charset="0"/>
-                            </a:rPr>
-                          </m:ctrlPr>
-                        </m:naryPr>
-                        <m:sub>
-                          <m:r>
-                            <m:rPr>
-                              <m:brk m:alnAt="23"/>
-                            </m:rPr>
-                            <a:rPr lang="fr-FR" sz="1600" i="1">
-                              <a:latin typeface="Cambria Math" panose="02040503050406030204" pitchFamily="18" charset="0"/>
-                            </a:rPr>
-                            <m:t>𝑏</m:t>
-                          </m:r>
-                          <m:r>
-                            <a:rPr lang="fr-FR" sz="1600" i="1">
-                              <a:latin typeface="Cambria Math" panose="02040503050406030204" pitchFamily="18" charset="0"/>
-                            </a:rPr>
-                            <m:t>=</m:t>
-                          </m:r>
-                          <m:r>
-                            <a:rPr lang="fr-FR" sz="1600" i="1">
-                              <a:latin typeface="Cambria Math" panose="02040503050406030204" pitchFamily="18" charset="0"/>
-                            </a:rPr>
-                            <m:t>1</m:t>
-                          </m:r>
-                        </m:sub>
-                        <m:sup>
-                          <m:r>
-                            <a:rPr lang="fr-FR" sz="1600" i="1">
-                              <a:latin typeface="Cambria Math" panose="02040503050406030204" pitchFamily="18" charset="0"/>
-                            </a:rPr>
-                            <m:t>𝐵</m:t>
-                          </m:r>
-                        </m:sup>
-                        <m:e>
-                          <m:sSup>
-                            <m:sSupPr>
-                              <m:ctrlPr>
-                                <a:rPr lang="fr-FR" sz="1600" i="1">
-                                  <a:latin typeface="Cambria Math" panose="02040503050406030204" pitchFamily="18" charset="0"/>
-                                </a:rPr>
-                              </m:ctrlPr>
-                            </m:sSupPr>
-                            <m:e>
-                              <m:acc>
-                                <m:accPr>
-                                  <m:chr m:val="̂"/>
-                                  <m:ctrlPr>
-                                    <a:rPr lang="fr-FR" sz="1600" i="1">
-                                      <a:latin typeface="Cambria Math" panose="02040503050406030204" pitchFamily="18" charset="0"/>
-                                    </a:rPr>
-                                  </m:ctrlPr>
-                                </m:accPr>
-                                <m:e>
-                                  <m:r>
-                                    <a:rPr lang="fr-FR" sz="1600" i="1">
-                                      <a:latin typeface="Cambria Math" panose="02040503050406030204" pitchFamily="18" charset="0"/>
-                                    </a:rPr>
-                                    <m:t>𝑓</m:t>
-                                  </m:r>
-                                </m:e>
-                              </m:acc>
-                            </m:e>
-                            <m:sup>
-                              <m:r>
-                                <a:rPr lang="fr-FR" sz="1600" b="0" i="1" smtClean="0">
-                                  <a:latin typeface="Cambria Math" panose="02040503050406030204" pitchFamily="18" charset="0"/>
-                                </a:rPr>
-                                <m:t>∗</m:t>
-                              </m:r>
-                              <m:r>
-                                <a:rPr lang="fr-FR" sz="1600" i="1">
-                                  <a:latin typeface="Cambria Math" panose="02040503050406030204" pitchFamily="18" charset="0"/>
-                                </a:rPr>
-                                <m:t>𝑏</m:t>
-                              </m:r>
-                            </m:sup>
-                          </m:sSup>
-                          <m:r>
-                            <a:rPr lang="fr-FR" sz="1600" i="1">
-                              <a:latin typeface="Cambria Math" panose="02040503050406030204" pitchFamily="18" charset="0"/>
-                            </a:rPr>
-                            <m:t>(</m:t>
-                          </m:r>
-                          <m:r>
-                            <a:rPr lang="fr-FR" sz="1600" i="1">
-                              <a:latin typeface="Cambria Math" panose="02040503050406030204" pitchFamily="18" charset="0"/>
-                            </a:rPr>
-                            <m:t>𝑥</m:t>
-                          </m:r>
-                          <m:r>
-                            <a:rPr lang="fr-FR" sz="1600" i="1">
-                              <a:latin typeface="Cambria Math" panose="02040503050406030204" pitchFamily="18" charset="0"/>
-                            </a:rPr>
-                            <m:t>)</m:t>
-                          </m:r>
-                        </m:e>
-                      </m:nary>
-                    </m:oMath>
-                  </m:oMathPara>
-                </a14:m>
-                <a:endParaRPr lang="fr-FR" sz="1600" dirty="0"/>
-              </a:p>
-              <a:p>
-                <a14:m>
-                  <m:oMath xmlns:m="http://schemas.openxmlformats.org/officeDocument/2006/math">
-                    <m:sSup>
-                      <m:sSupPr>
-                        <m:ctrlPr>
-                          <a:rPr lang="fr-FR" sz="1800" i="1">
-                            <a:latin typeface="Cambria Math" panose="02040503050406030204" pitchFamily="18" charset="0"/>
-                          </a:rPr>
-                        </m:ctrlPr>
-                      </m:sSupPr>
-                      <m:e>
-                        <m:acc>
-                          <m:accPr>
-                            <m:chr m:val="̂"/>
-                            <m:ctrlPr>
-                              <a:rPr lang="fr-FR" sz="1800" i="1">
-                                <a:latin typeface="Cambria Math" panose="02040503050406030204" pitchFamily="18" charset="0"/>
-                              </a:rPr>
-                            </m:ctrlPr>
-                          </m:accPr>
-                          <m:e>
-                            <m:r>
-                              <a:rPr lang="fr-FR" sz="1800" i="1">
-                                <a:latin typeface="Cambria Math" panose="02040503050406030204" pitchFamily="18" charset="0"/>
-                              </a:rPr>
-                              <m:t>𝑓</m:t>
-                            </m:r>
-                          </m:e>
-                        </m:acc>
-                      </m:e>
-                      <m:sup>
-                        <m:r>
-                          <a:rPr lang="fr-FR" sz="1800" i="1">
-                            <a:latin typeface="Cambria Math" panose="02040503050406030204" pitchFamily="18" charset="0"/>
-                          </a:rPr>
-                          <m:t>∗</m:t>
-                        </m:r>
-                        <m:r>
-                          <a:rPr lang="fr-FR" sz="1800" i="1">
-                            <a:latin typeface="Cambria Math" panose="02040503050406030204" pitchFamily="18" charset="0"/>
-                          </a:rPr>
-                          <m:t>𝑏</m:t>
-                        </m:r>
-                      </m:sup>
-                    </m:sSup>
-                    <m:r>
-                      <a:rPr lang="fr-FR" sz="1800" i="1">
-                        <a:latin typeface="Cambria Math" panose="02040503050406030204" pitchFamily="18" charset="0"/>
-                      </a:rPr>
-                      <m:t> </m:t>
-                    </m:r>
-                  </m:oMath>
-                </a14:m>
-                <a:r>
-                  <a:rPr lang="fr-FR" sz="1800" dirty="0"/>
-                  <a:t>: bth </a:t>
-                </a:r>
-                <a:r>
-                  <a:rPr lang="fr-FR" sz="1800" dirty="0" err="1"/>
-                  <a:t>bootstrapped</a:t>
-                </a:r>
-                <a:r>
-                  <a:rPr lang="fr-FR" sz="1800" dirty="0"/>
-                  <a:t> training set</a:t>
-                </a:r>
-                <a:endParaRPr lang="fr-FR" sz="1100" dirty="0"/>
-              </a:p>
-            </p:txBody>
-          </p:sp>
-        </mc:Choice>
-        <mc:Fallback xmlns="">
-          <p:sp>
-            <p:nvSpPr>
-              <p:cNvPr id="3" name="Espace réservé du contenu 2">
-                <a:extLst>
-                  <a:ext uri="{FF2B5EF4-FFF2-40B4-BE49-F238E27FC236}">
-                    <a16:creationId xmlns:a16="http://schemas.microsoft.com/office/drawing/2014/main" id="{F169C3A2-9321-94B6-809D-4860E25E7A1F}"/>
-                  </a:ext>
-                </a:extLst>
-              </p:cNvPr>
-              <p:cNvSpPr>
-                <a:spLocks noGrp="1" noRot="1" noChangeAspect="1" noMove="1" noResize="1" noEditPoints="1" noAdjustHandles="1" noChangeArrowheads="1" noChangeShapeType="1" noTextEdit="1"/>
-              </p:cNvSpPr>
-              <p:nvPr>
-                <p:ph idx="1"/>
-              </p:nvPr>
-            </p:nvSpPr>
-            <p:spPr>
-              <a:blipFill>
-                <a:blip r:embed="rId2"/>
-                <a:stretch>
-                  <a:fillRect l="-406" t="-980"/>
-                </a:stretch>
-              </a:blipFill>
-            </p:spPr>
-            <p:txBody>
-              <a:bodyPr/>
-              <a:lstStyle/>
-              <a:p>
-                <a:r>
-                  <a:rPr lang="fr-FR">
-                    <a:noFill/>
-                  </a:rPr>
-                  <a:t> </a:t>
-                </a:r>
-              </a:p>
-            </p:txBody>
-          </p:sp>
-        </mc:Fallback>
-      </mc:AlternateContent>
-      <p:pic>
-        <p:nvPicPr>
-          <p:cNvPr id="5" name="Image 4">
-            <a:extLst>
-              <a:ext uri="{FF2B5EF4-FFF2-40B4-BE49-F238E27FC236}">
-                <a16:creationId xmlns:a16="http://schemas.microsoft.com/office/drawing/2014/main" id="{087525F4-498B-51E1-C77F-965D37682588}"/>
-              </a:ext>
-            </a:extLst>
-          </p:cNvPr>
-          <p:cNvPicPr>
-            <a:picLocks noChangeAspect="1"/>
-          </p:cNvPicPr>
-          <p:nvPr/>
-        </p:nvPicPr>
-        <p:blipFill>
-          <a:blip r:embed="rId3"/>
-          <a:stretch>
-            <a:fillRect/>
-          </a:stretch>
-        </p:blipFill>
-        <p:spPr>
-          <a:xfrm>
-            <a:off x="7779412" y="3429000"/>
-            <a:ext cx="3913233" cy="1642230"/>
-          </a:xfrm>
-          <a:prstGeom prst="rect">
-            <a:avLst/>
-          </a:prstGeom>
-        </p:spPr>
-      </p:pic>
-    </p:spTree>
-    <p:extLst>
-      <p:ext uri="{BB962C8B-B14F-4D97-AF65-F5344CB8AC3E}">
-        <p14:creationId xmlns:p14="http://schemas.microsoft.com/office/powerpoint/2010/main" val="3874242400"/>
       </p:ext>
     </p:extLst>
   </p:cSld>
